--- a/documentation/Презентация.pptx
+++ b/documentation/Презентация.pptx
@@ -5,10 +5,10 @@
     <p:sldMasterId id="2147483660" r:id="rId1"/>
   </p:sldMasterIdLst>
   <p:notesMasterIdLst>
-    <p:notesMasterId r:id="rId19"/>
+    <p:notesMasterId r:id="rId20"/>
   </p:notesMasterIdLst>
   <p:handoutMasterIdLst>
-    <p:handoutMasterId r:id="rId20"/>
+    <p:handoutMasterId r:id="rId21"/>
   </p:handoutMasterIdLst>
   <p:sldIdLst>
     <p:sldId id="274" r:id="rId2"/>
@@ -27,7 +27,8 @@
     <p:sldId id="293" r:id="rId15"/>
     <p:sldId id="287" r:id="rId16"/>
     <p:sldId id="295" r:id="rId17"/>
-    <p:sldId id="279" r:id="rId18"/>
+    <p:sldId id="296" r:id="rId18"/>
+    <p:sldId id="279" r:id="rId19"/>
   </p:sldIdLst>
   <p:sldSz cx="9144000" cy="6858000" type="screen4x3"/>
   <p:notesSz cx="6735763" cy="9856788"/>
@@ -872,7 +873,16 @@
           <a:bodyPr/>
           <a:lstStyle/>
           <a:p>
-            <a:endParaRPr lang="ru-RU"/>
+            <a:pPr algn="just"/>
+            <a:r>
+              <a:rPr lang="ru-RU" dirty="0"/>
+              <a:t>Здравствуйте уважаемые члены дипломной комиссии. Меня зовут Аболмасов Павел, мой научный руководитель доктор технических наук, заведующий кафедрой программных систем Коварцев Александр Николаевич. Тема моей выпускной </a:t>
+            </a:r>
+            <a:r>
+              <a:rPr lang="ru-RU" dirty="0" smtClean="0"/>
+              <a:t>работы: Моделирование параллельных алгоритмов глобальной оптимизации модифицированным методом половинных делений.</a:t>
+            </a:r>
+            <a:endParaRPr lang="ru-RU" dirty="0"/>
           </a:p>
         </p:txBody>
       </p:sp>
@@ -970,15 +980,23 @@
             <a:pPr algn="just"/>
             <a:r>
               <a:rPr lang="ru-RU" dirty="0" smtClean="0"/>
-              <a:t>Общий недостаток версий 1 и 2 – это низкая эффективность алгоритма с точки зрения использования процессорного времени</a:t>
+              <a:t>Общий недостаток версий 1 и 2 – это низкая эффективность алгоритма с точки зрения использования процессорного времени. </a:t>
             </a:r>
             <a:r>
               <a:rPr lang="ru-RU" dirty="0" smtClean="0"/>
-              <a:t>. Возникла идея нагружать уже отработавшие процессоры новым заданием. </a:t>
+              <a:t>В </a:t>
             </a:r>
             <a:r>
               <a:rPr lang="ru-RU" dirty="0" smtClean="0"/>
-              <a:t>В третий версии мы смоделировали асинхронную раздачу заданий по процессорам. Досрочно завершившие работу процессоры получают все новые и новые задания, пока имеются непроверенные области. Как показали эксперименты таким образом можно значительно повысить и ускорение и эффективность алгоритма. </a:t>
+              <a:t>третий версии мы смоделировали асинхронную раздачу заданий по процессорам. Досрочно завершившие работу процессоры получают все новые и новые задания, пока имеются непроверенные области. Как показали эксперименты таким образом можно значительно повысить </a:t>
+            </a:r>
+            <a:r>
+              <a:rPr lang="ru-RU" dirty="0" smtClean="0"/>
+              <a:t>эффективность </a:t>
+            </a:r>
+            <a:r>
+              <a:rPr lang="ru-RU" dirty="0" smtClean="0"/>
+              <a:t>алгоритма. </a:t>
             </a:r>
             <a:r>
               <a:rPr lang="ru-RU" dirty="0"/>
@@ -1086,19 +1104,7 @@
             <a:pPr algn="just"/>
             <a:r>
               <a:rPr lang="ru-RU" dirty="0" smtClean="0"/>
-              <a:t>Одним из показателей по которым можно сравнивать алгоритмы глобальной оптимизации – это предельная размерность задачи, которую можно решить данным алгоритмом. С помощью нашего алгоритма на суперкомпьютерном кластере </a:t>
-            </a:r>
-            <a:r>
-              <a:rPr lang="ru-RU" dirty="0" smtClean="0"/>
-              <a:t>«Сергей Королев» нам </a:t>
-            </a:r>
-            <a:r>
-              <a:rPr lang="ru-RU" dirty="0" smtClean="0"/>
-              <a:t>удалось достичь стабильного нахождения глобального оптимума для тестовой функции с 15 </a:t>
-            </a:r>
-            <a:r>
-              <a:rPr lang="ru-RU" dirty="0" smtClean="0"/>
-              <a:t>переменными, что по существу превосходит в 2,5 другие алгоритмы ГО протестированные на данной функции.</a:t>
+              <a:t>Одним из показателей по которым можно сравнивать алгоритмы глобальной оптимизации – это предельная размерность задачи, которую можно решить данным алгоритмом. С помощью нашего алгоритма на суперкомпьютерном кластере «Сергей Королев» нам удалось достичь стабильного нахождения глобального оптимума для тестовой функции с 15 переменными, что по существу превосходит в 2,5 другие алгоритмы ГО протестированные на данной функции.</a:t>
             </a:r>
             <a:endParaRPr lang="ru-RU" dirty="0"/>
           </a:p>
@@ -1301,7 +1307,11 @@
             <a:pPr algn="just"/>
             <a:r>
               <a:rPr lang="ru-RU" dirty="0" smtClean="0"/>
-              <a:t>Рассматривая процессы в ГПД с как </a:t>
+              <a:t>Рассматривая процессы в ГПД </a:t>
+            </a:r>
+            <a:r>
+              <a:rPr lang="ru-RU" dirty="0" smtClean="0"/>
+              <a:t>как </a:t>
             </a:r>
             <a:r>
               <a:rPr lang="ru-RU" dirty="0"/>
@@ -1462,15 +1472,7 @@
             </a:r>
             <a:r>
               <a:rPr lang="ru-RU" dirty="0" smtClean="0"/>
-              <a:t>адача выбора рациональных параметров ГПД представляется смешанной задачей параметрической и структурной оптимизации. Задача структурной оптимизации </a:t>
-            </a:r>
-            <a:r>
-              <a:rPr lang="ru-RU" dirty="0" smtClean="0"/>
-              <a:t>реализуется </a:t>
-            </a:r>
-            <a:r>
-              <a:rPr lang="ru-RU" dirty="0" smtClean="0"/>
-              <a:t>простым перебором различных вариантов компоновок ГПД по числу шайб. В общем случае задачу параметрической оптимизации можно поставить как задачу условной оптимизации в виде 3 с ограничением 4.</a:t>
+              <a:t>адача выбора рациональных параметров ГПД представляется смешанной задачей параметрической и структурной оптимизации. Задача структурной оптимизации реализуется простым перебором различных вариантов компоновок ГПД по числу шайб. В общем случае задачу параметрической оптимизации можно поставить как задачу условной оптимизации в виде 3 с ограничением 4.</a:t>
             </a:r>
           </a:p>
           <a:p>
@@ -2116,7 +2118,7 @@
               <a:pPr>
                 <a:defRPr/>
               </a:pPr>
-              <a:t>17</a:t>
+              <a:t>18</a:t>
             </a:fld>
             <a:endParaRPr lang="ru-RU"/>
           </a:p>
@@ -2181,10 +2183,116 @@
         </p:nvSpPr>
         <p:spPr/>
         <p:txBody>
-          <a:bodyPr/>
+          <a:bodyPr>
+            <a:normAutofit/>
+          </a:bodyPr>
           <a:lstStyle/>
           <a:p>
-            <a:endParaRPr lang="ru-RU"/>
+            <a:pPr algn="just"/>
+            <a:r>
+              <a:rPr lang="ru-RU" dirty="0"/>
+              <a:t>Оптимизация в широком смысле слова находит применение в науке, технике и в любой другой области человеческой </a:t>
+            </a:r>
+            <a:r>
+              <a:rPr lang="ru-RU" dirty="0" smtClean="0"/>
+              <a:t>деятельности. Уже </a:t>
+            </a:r>
+            <a:r>
+              <a:rPr lang="ru-RU" dirty="0"/>
+              <a:t>в 18 веке были заложены математические основы </a:t>
+            </a:r>
+            <a:r>
+              <a:rPr lang="ru-RU" dirty="0" smtClean="0"/>
+              <a:t>оптимизации. </a:t>
+            </a:r>
+            <a:r>
+              <a:rPr lang="ru-RU" dirty="0"/>
+              <a:t>Однако до второй половины 20 века методы оптимизации </a:t>
+            </a:r>
+            <a:r>
+              <a:rPr lang="ru-RU" dirty="0" smtClean="0"/>
+              <a:t>применялись </a:t>
+            </a:r>
+            <a:r>
+              <a:rPr lang="ru-RU" dirty="0"/>
+              <a:t>очень редко, поскольку практическое использование математических методов оптимизации требовало огромной вычислительной работы, которую без ЭВМ реализовать было крайне </a:t>
+            </a:r>
+            <a:r>
+              <a:rPr lang="ru-RU" dirty="0" smtClean="0"/>
+              <a:t>трудно. </a:t>
+            </a:r>
+            <a:r>
+              <a:rPr lang="ru-RU" dirty="0"/>
+              <a:t>Трудности численного решения оптимизационных задач во многом связаны с видом </a:t>
+            </a:r>
+            <a:r>
+              <a:rPr lang="ru-RU" dirty="0" smtClean="0"/>
+              <a:t>целевой </a:t>
+            </a:r>
+            <a:r>
+              <a:rPr lang="ru-RU" dirty="0"/>
+              <a:t>функции и количеством ее аргументов</a:t>
+            </a:r>
+            <a:r>
+              <a:rPr lang="ru-RU" dirty="0" smtClean="0"/>
+              <a:t>. Известно, что задачи ГО имеют экспоненциальную скорость роста сложности в зависимости от размерности. В </a:t>
+            </a:r>
+            <a:r>
+              <a:rPr lang="ru-RU" dirty="0"/>
+              <a:t>настоящее время параллельные </a:t>
+            </a:r>
+            <a:r>
+              <a:rPr lang="ru-RU" dirty="0" smtClean="0"/>
+              <a:t>суперкомпьютеры рассматриваются </a:t>
+            </a:r>
+            <a:r>
+              <a:rPr lang="ru-RU" dirty="0"/>
+              <a:t>как один из основных инструментов для проведения исследований в различных научных и прикладных дисциплинах</a:t>
+            </a:r>
+            <a:r>
+              <a:rPr lang="ru-RU" dirty="0" smtClean="0"/>
+              <a:t>. </a:t>
+            </a:r>
+            <a:r>
+              <a:rPr lang="ru-RU" dirty="0"/>
+              <a:t>Несмотря на явный прогресс в этой области за последние два </a:t>
+            </a:r>
+            <a:r>
+              <a:rPr lang="ru-RU" dirty="0" smtClean="0"/>
+              <a:t>десятилетия, пока существует небольшое число эффективных параллельных алгоритмов глобальной оптимизации, </a:t>
+            </a:r>
+            <a:r>
+              <a:rPr lang="ru-RU" dirty="0"/>
+              <a:t>что не позволяет решать множество актуальных задач</a:t>
+            </a:r>
+            <a:r>
+              <a:rPr lang="ru-RU" dirty="0" smtClean="0"/>
+              <a:t>. </a:t>
+            </a:r>
+            <a:r>
+              <a:rPr lang="ru-RU" dirty="0"/>
+              <a:t>Учитывая практическую важность задач </a:t>
+            </a:r>
+            <a:r>
+              <a:rPr lang="ru-RU" dirty="0" smtClean="0"/>
+              <a:t>глобальной оптимизации, </a:t>
+            </a:r>
+            <a:r>
+              <a:rPr lang="ru-RU" dirty="0"/>
+              <a:t>в том числе доказательной, и существующие сложности на пути их решения, представляются актуальными исследования по разработке эффективных алгоритмов решения подобных задач, чему и посвящена данная </a:t>
+            </a:r>
+            <a:r>
+              <a:rPr lang="ru-RU" dirty="0" smtClean="0"/>
+              <a:t>работа. </a:t>
+            </a:r>
+          </a:p>
+          <a:p>
+            <a:pPr algn="just"/>
+            <a:r>
+              <a:rPr lang="ru-RU" dirty="0" smtClean="0"/>
+              <a:t>Задачи, решаемые в данной работе, представлены на слайде.</a:t>
+            </a:r>
+            <a:endParaRPr lang="ru-RU" dirty="0"/>
           </a:p>
         </p:txBody>
       </p:sp>
@@ -2298,71 +2406,47 @@
             </a:r>
             <a:r>
               <a:rPr lang="ru-RU" dirty="0" smtClean="0"/>
-              <a:t>-мерном параллелепипеде. Через </a:t>
+              <a:t>-мерном параллелепипеде. </a:t>
+            </a:r>
+            <a:r>
+              <a:rPr lang="ru-RU" dirty="0" smtClean="0"/>
+              <a:t>В </a:t>
+            </a:r>
+            <a:r>
+              <a:rPr lang="ru-RU" dirty="0" smtClean="0"/>
+              <a:t>большинстве практических задач </a:t>
+            </a:r>
+            <a:r>
+              <a:rPr lang="ru-RU" dirty="0" smtClean="0"/>
+              <a:t>достаточно с </a:t>
+            </a:r>
+            <a:r>
+              <a:rPr lang="ru-RU" dirty="0" smtClean="0"/>
+              <a:t>заданной точностью эпсилон определить величину глобального минимума функции </a:t>
+            </a:r>
+            <a:r>
+              <a:rPr lang="ru-RU" dirty="0" smtClean="0"/>
+              <a:t>и </a:t>
+            </a:r>
+            <a:r>
+              <a:rPr lang="ru-RU" dirty="0" smtClean="0"/>
+              <a:t>найти хотя бы одну </a:t>
+            </a:r>
+            <a:r>
+              <a:rPr lang="ru-RU" dirty="0" smtClean="0"/>
+              <a:t>точку</a:t>
             </a:r>
             <a:r>
               <a:rPr lang="en-US" dirty="0" smtClean="0"/>
-              <a:t>X*</a:t>
+              <a:t>,</a:t>
             </a:r>
             <a:r>
               <a:rPr lang="ru-RU" dirty="0" smtClean="0"/>
-              <a:t> обозначим </a:t>
+              <a:t> </a:t>
             </a:r>
             <a:r>
               <a:rPr lang="ru-RU" dirty="0" smtClean="0"/>
-              <a:t>множество точных </a:t>
-            </a:r>
-            <a:r>
-              <a:rPr lang="ru-RU" dirty="0" smtClean="0"/>
-              <a:t>решений задачи (3). Введем множество </a:t>
-            </a:r>
-            <a:r>
-              <a:rPr lang="en-US" dirty="0" smtClean="0"/>
-              <a:t>X*</a:t>
-            </a:r>
-            <a:r>
-              <a:rPr lang="el-GR" baseline="-25000" dirty="0" smtClean="0"/>
-              <a:t>ε</a:t>
-            </a:r>
-            <a:r>
-              <a:rPr lang="en-US" dirty="0" smtClean="0"/>
-              <a:t> </a:t>
-            </a:r>
-            <a:r>
-              <a:rPr lang="ru-RU" dirty="0" smtClean="0"/>
-              <a:t>приближенных </a:t>
-            </a:r>
-            <a:r>
-              <a:rPr lang="ru-RU" dirty="0" smtClean="0"/>
-              <a:t>решений задачи (3). В большинстве практических задач надо с заданной точностью эпсилон определить величину глобального минимума функции от</a:t>
-            </a:r>
-            <a:r>
-              <a:rPr lang="ru-RU" dirty="0"/>
-              <a:t> </a:t>
-            </a:r>
-            <a:r>
-              <a:rPr lang="en-US" dirty="0" smtClean="0"/>
-              <a:t>n-</a:t>
-            </a:r>
-            <a:r>
-              <a:rPr lang="ru-RU" dirty="0" smtClean="0"/>
-              <a:t>мерного вектора </a:t>
-            </a:r>
-            <a:r>
-              <a:rPr lang="en-US" dirty="0" smtClean="0"/>
-              <a:t>x </a:t>
-            </a:r>
-            <a:r>
-              <a:rPr lang="ru-RU" dirty="0" smtClean="0"/>
-              <a:t>и найти хотя бы одну точку </a:t>
-            </a:r>
-            <a:r>
-              <a:rPr lang="en-US" dirty="0" smtClean="0"/>
-              <a:t>x*,</a:t>
-            </a:r>
-            <a:r>
-              <a:rPr lang="ru-RU" dirty="0" smtClean="0"/>
-              <a:t> где это приближенное значение достигается.</a:t>
+              <a:t>где это приближенное значение достигается.</a:t>
             </a:r>
             <a:endParaRPr lang="ru-RU" dirty="0"/>
           </a:p>
@@ -2472,8 +2556,13 @@
             </a:r>
             <a:r>
               <a:rPr lang="ru-RU" dirty="0" smtClean="0"/>
-              <a:t>. Далее будем рассматривать только этот класс функций.</a:t>
-            </a:r>
+              <a:t>. Далее будем рассматривать только этот </a:t>
+            </a:r>
+            <a:r>
+              <a:rPr lang="ru-RU" dirty="0" smtClean="0"/>
+              <a:t>класс функций.</a:t>
+            </a:r>
+            <a:endParaRPr lang="ru-RU" dirty="0" smtClean="0"/>
           </a:p>
           <a:p>
             <a:pPr algn="just"/>
@@ -2482,7 +2571,31 @@
           <a:p>
             <a:pPr algn="just"/>
             <a:r>
+              <a:rPr lang="ru-RU" dirty="0"/>
+              <a:t>Метод половинных делений </a:t>
+            </a:r>
+            <a:r>
               <a:rPr lang="ru-RU" dirty="0" smtClean="0"/>
+              <a:t>был предложен </a:t>
+            </a:r>
+            <a:r>
+              <a:rPr lang="ru-RU" dirty="0"/>
+              <a:t>академиком </a:t>
+            </a:r>
+            <a:r>
+              <a:rPr lang="ru-RU" dirty="0" smtClean="0"/>
+              <a:t>Евтушенко </a:t>
+            </a:r>
+            <a:r>
+              <a:rPr lang="ru-RU" dirty="0"/>
+              <a:t>еще в 1971 </a:t>
+            </a:r>
+            <a:r>
+              <a:rPr lang="ru-RU" dirty="0" smtClean="0"/>
+              <a:t>году. </a:t>
+            </a:r>
+            <a:r>
+              <a:rPr lang="ru-RU" dirty="0"/>
               <a:t>Идея</a:t>
             </a:r>
             <a:r>
@@ -2491,7 +2604,7 @@
             </a:r>
             <a:r>
               <a:rPr lang="ru-RU" dirty="0"/>
-              <a:t>метода половинных делений </a:t>
+              <a:t>метода </a:t>
             </a:r>
             <a:r>
               <a:rPr lang="ru-RU" dirty="0" smtClean="0"/>
@@ -2538,11 +2651,23 @@
             <a:pPr algn="just"/>
             <a:r>
               <a:rPr lang="ru-RU" dirty="0" smtClean="0"/>
-              <a:t>Метод половинных делений сводится к построению списка параллелепипедов </a:t>
+              <a:t>При делении </a:t>
+            </a:r>
+            <a:r>
+              <a:rPr lang="ru-RU" dirty="0" smtClean="0"/>
+              <a:t>формируется список </a:t>
+            </a:r>
+            <a:r>
+              <a:rPr lang="ru-RU" dirty="0" smtClean="0"/>
+              <a:t>параллелепипедов </a:t>
             </a:r>
             <a:r>
               <a:rPr lang="en-US" dirty="0" err="1" smtClean="0"/>
-              <a:t>Bm</a:t>
+              <a:t>B</a:t>
+            </a:r>
+            <a:r>
+              <a:rPr lang="en-US" dirty="0" err="1"/>
+              <a:t>k</a:t>
             </a:r>
             <a:r>
               <a:rPr lang="en-US" dirty="0" smtClean="0"/>
@@ -2574,16 +2699,89 @@
             </a:r>
             <a:r>
               <a:rPr lang="ru-RU" dirty="0" smtClean="0"/>
-              <a:t>вычисляется значение функции и определяется текущий рекорд, как минимум по всем ранее вычисленным значениям функции. На следующем шаге из списка </a:t>
+              <a:t>вычисляется значение функции и определяется </a:t>
+            </a:r>
+            <a:r>
+              <a:rPr lang="ru-RU" dirty="0" smtClean="0"/>
+              <a:t>текущий рекорд</a:t>
+            </a:r>
+            <a:r>
+              <a:rPr lang="ru-RU" dirty="0" smtClean="0"/>
+              <a:t>, как </a:t>
+            </a:r>
+            <a:r>
+              <a:rPr lang="ru-RU" dirty="0" smtClean="0"/>
+              <a:t>лучшее </a:t>
+            </a:r>
+            <a:r>
+              <a:rPr lang="ru-RU" dirty="0" smtClean="0"/>
+              <a:t>из всех </a:t>
+            </a:r>
+            <a:r>
+              <a:rPr lang="ru-RU" dirty="0" smtClean="0"/>
+              <a:t>ранее </a:t>
+            </a:r>
+            <a:r>
+              <a:rPr lang="ru-RU" dirty="0" smtClean="0"/>
+              <a:t>вычисленных значений. </a:t>
+            </a:r>
+            <a:r>
+              <a:rPr lang="ru-RU" dirty="0" smtClean="0"/>
+              <a:t>На </a:t>
+            </a:r>
+            <a:r>
+              <a:rPr lang="ru-RU" dirty="0" smtClean="0"/>
+              <a:t>каждом шаге </a:t>
+            </a:r>
+            <a:r>
+              <a:rPr lang="ru-RU" dirty="0" smtClean="0"/>
+              <a:t>из списка </a:t>
             </a:r>
             <a:r>
               <a:rPr lang="en-US" dirty="0" err="1" smtClean="0"/>
-              <a:t>Bm</a:t>
+              <a:t>B</a:t>
+            </a:r>
+            <a:r>
+              <a:rPr lang="en-US" dirty="0" err="1"/>
+              <a:t>k</a:t>
             </a:r>
             <a:r>
               <a:rPr lang="ru-RU" dirty="0" smtClean="0"/>
-              <a:t> выбирается параллелепипед для которого выполняется условие (формула тут)и производится его деление, в нашем случае по наибольшему ребру. После этого из списка исключаются все параллелепипеды для которых верно неравенство (критерий Липшица).</a:t>
-            </a:r>
+              <a:t> </a:t>
+            </a:r>
+            <a:r>
+              <a:rPr lang="ru-RU" dirty="0" smtClean="0"/>
+              <a:t>выбирается параллелепипед для которого выполняется условие </a:t>
+            </a:r>
+            <a:r>
+              <a:rPr lang="ru-RU" dirty="0" smtClean="0"/>
+              <a:t>(</a:t>
+            </a:r>
+            <a:r>
+              <a:rPr lang="en-US" dirty="0" smtClean="0"/>
+              <a:t>8</a:t>
+            </a:r>
+            <a:r>
+              <a:rPr lang="ru-RU" dirty="0" smtClean="0"/>
+              <a:t>) и </a:t>
+            </a:r>
+            <a:r>
+              <a:rPr lang="ru-RU" dirty="0" smtClean="0"/>
+              <a:t>производится его деление, в нашем случае по наибольшему </a:t>
+            </a:r>
+            <a:r>
+              <a:rPr lang="ru-RU" dirty="0" smtClean="0"/>
+              <a:t>ребру, при этом из </a:t>
+            </a:r>
+            <a:r>
+              <a:rPr lang="ru-RU" dirty="0" smtClean="0"/>
+              <a:t>списка исключаются все параллелепипеды для которых верно неравенство </a:t>
+            </a:r>
+            <a:r>
+              <a:rPr lang="ru-RU" dirty="0" smtClean="0"/>
+              <a:t>(9).</a:t>
+            </a:r>
+            <a:endParaRPr lang="ru-RU" dirty="0" smtClean="0"/>
           </a:p>
           <a:p>
             <a:pPr algn="just"/>
@@ -2693,19 +2891,19 @@
             <a:pPr algn="just"/>
             <a:r>
               <a:rPr lang="ru-RU" dirty="0"/>
-              <a:t>Сохранив схему двоичного деления </a:t>
+              <a:t>Сохранив </a:t>
             </a:r>
             <a:r>
               <a:rPr lang="ru-RU" dirty="0" smtClean="0"/>
-              <a:t>параллелепипедов, </a:t>
+              <a:t>схему двоичного деления, </a:t>
             </a:r>
             <a:r>
               <a:rPr lang="ru-RU" dirty="0"/>
-              <a:t>изменим правило выбора «критического» параллелепипеда, подвергающегося дальнейшему двоичному </a:t>
+              <a:t>изменим правило выбора «критического» </a:t>
             </a:r>
             <a:r>
               <a:rPr lang="ru-RU" dirty="0" smtClean="0"/>
-              <a:t>делению.</a:t>
+              <a:t>параллелепипеда. </a:t>
             </a:r>
           </a:p>
           <a:p>
@@ -2716,21 +2914,48 @@
             <a:pPr algn="just"/>
             <a:r>
               <a:rPr lang="ru-RU" dirty="0" smtClean="0"/>
-              <a:t>Вместо условия (формула тут) в качестве критического параллелепипеда будем выбрить параллелепипед для которого выполняется условие (формула тут</a:t>
+              <a:t>В 1990 году </a:t>
+            </a:r>
+            <a:r>
+              <a:rPr lang="ru-RU" dirty="0" err="1" smtClean="0"/>
+              <a:t>Стронгиным</a:t>
             </a:r>
             <a:r>
               <a:rPr lang="ru-RU" dirty="0" smtClean="0"/>
-              <a:t>).</a:t>
-            </a:r>
-            <a:r>
-              <a:rPr lang="en-US" dirty="0" smtClean="0"/>
-              <a:t> </a:t>
+              <a:t> была предложена одна </a:t>
+            </a:r>
+            <a:r>
+              <a:rPr lang="ru-RU" dirty="0"/>
+              <a:t>из самых эффективных стратегий многоэкстремальной </a:t>
             </a:r>
             <a:r>
               <a:rPr lang="ru-RU" dirty="0" smtClean="0"/>
-              <a:t>Траектория дробления параллелепипедов представлена на слайде.</a:t>
-            </a:r>
-            <a:endParaRPr lang="ru-RU" dirty="0" smtClean="0"/>
+              <a:t>оптимизации</a:t>
+            </a:r>
+            <a:r>
+              <a:rPr lang="ru-RU" dirty="0"/>
+              <a:t> для одномерных функций</a:t>
+            </a:r>
+            <a:r>
+              <a:rPr lang="ru-RU" dirty="0" smtClean="0"/>
+              <a:t>, </a:t>
+            </a:r>
+            <a:r>
+              <a:rPr lang="ru-RU" dirty="0"/>
+              <a:t>основанная на использовании приближенного апостериорного распределения вероятностей расположения глобального экстремума, формируемого в процессе испытаний </a:t>
+            </a:r>
+            <a:r>
+              <a:rPr lang="ru-RU" dirty="0" smtClean="0"/>
+              <a:t>функции. С учетом этой стратегии для выбора критического параллелепипеда вместо </a:t>
+            </a:r>
+            <a:r>
+              <a:rPr lang="ru-RU" dirty="0"/>
+              <a:t>условия </a:t>
+            </a:r>
+            <a:r>
+              <a:rPr lang="ru-RU" dirty="0" smtClean="0"/>
+              <a:t>(8) будем использовать условие (10). </a:t>
+            </a:r>
           </a:p>
           <a:p>
             <a:pPr algn="just"/>
@@ -2740,7 +2965,11 @@
             <a:pPr algn="just"/>
             <a:r>
               <a:rPr lang="ru-RU" dirty="0" smtClean="0"/>
-              <a:t>Изменение стратегии выбора критического параллелепипеда ускоряет выход в область глобального минимума и позволяет адаптивно вычислять значение константы Липшица. </a:t>
+              <a:t>Новая стратегии </a:t>
+            </a:r>
+            <a:r>
+              <a:rPr lang="ru-RU" dirty="0" smtClean="0"/>
+              <a:t>выбора критического параллелепипеда ускоряет выход в область глобального минимума и позволяет адаптивно вычислять значение константы Липшица. </a:t>
             </a:r>
             <a:endParaRPr lang="ru-RU" dirty="0"/>
           </a:p>
@@ -2835,7 +3064,7 @@
         <p:spPr/>
         <p:txBody>
           <a:bodyPr>
-            <a:normAutofit fontScale="92500"/>
+            <a:normAutofit/>
           </a:bodyPr>
           <a:lstStyle/>
           <a:p>
@@ -2850,15 +3079,15 @@
             </a:r>
             <a:r>
               <a:rPr lang="ru-RU" dirty="0" smtClean="0"/>
-              <a:t>извест</a:t>
-            </a:r>
-            <a:r>
-              <a:rPr lang="ru-RU" dirty="0"/>
-              <a:t>е</a:t>
+              <a:t>известны размер и местоположение областей </a:t>
             </a:r>
             <a:r>
               <a:rPr lang="ru-RU" dirty="0" smtClean="0"/>
-              <a:t>н размер области притяжения глобального минимума</a:t>
+              <a:t>притяжения </a:t>
+            </a:r>
+            <a:r>
+              <a:rPr lang="ru-RU" dirty="0" smtClean="0"/>
+              <a:t>локальных минимумов</a:t>
             </a:r>
             <a:r>
               <a:rPr lang="en-US" dirty="0" smtClean="0"/>
@@ -2866,7 +3095,27 @@
             </a:r>
             <a:r>
               <a:rPr lang="ru-RU" dirty="0" smtClean="0"/>
-              <a:t> Тогда достаточно запустить любой алгоритмы </a:t>
+              <a:t> </a:t>
+            </a:r>
+            <a:r>
+              <a:rPr lang="ru-RU" dirty="0" smtClean="0"/>
+              <a:t>Тогда </a:t>
+            </a:r>
+            <a:r>
+              <a:rPr lang="ru-RU" dirty="0"/>
+              <a:t>для </a:t>
+            </a:r>
+            <a:r>
+              <a:rPr lang="ru-RU" dirty="0" smtClean="0"/>
+              <a:t>нахождения оптимума достаточно </a:t>
+            </a:r>
+            <a:r>
+              <a:rPr lang="ru-RU" dirty="0" smtClean="0"/>
+              <a:t>запустить любой </a:t>
+            </a:r>
+            <a:r>
+              <a:rPr lang="ru-RU" dirty="0" smtClean="0"/>
+              <a:t>алгоритм </a:t>
             </a:r>
             <a:r>
               <a:rPr lang="ru-RU" dirty="0"/>
@@ -2874,11 +3123,11 @@
             </a:r>
             <a:r>
               <a:rPr lang="ru-RU" dirty="0" smtClean="0"/>
-              <a:t>оптимизации из любой точки этой области, для нахождения оптимума</a:t>
+              <a:t>оптимизации из </a:t>
             </a:r>
             <a:r>
               <a:rPr lang="ru-RU" dirty="0" smtClean="0"/>
-              <a:t>.</a:t>
+              <a:t>своей области.</a:t>
             </a:r>
             <a:endParaRPr lang="ru-RU" dirty="0" smtClean="0"/>
           </a:p>
@@ -2893,12 +3142,12 @@
               <a:t>Идея </a:t>
             </a:r>
             <a:r>
-              <a:rPr lang="ru-RU" dirty="0"/>
-              <a:t>алгоритма </a:t>
-            </a:r>
-            <a:r>
               <a:rPr lang="ru-RU" dirty="0" smtClean="0"/>
-              <a:t>двухфазного алгоритма глобальной оптимизации заключается </a:t>
+              <a:t>двухфазного </a:t>
+            </a:r>
+            <a:r>
+              <a:rPr lang="ru-RU" dirty="0" smtClean="0"/>
+              <a:t>алгоритма глобальной оптимизации заключается </a:t>
             </a:r>
             <a:r>
               <a:rPr lang="ru-RU" dirty="0"/>
@@ -2922,7 +3171,7 @@
             </a:r>
             <a:r>
               <a:rPr lang="ru-RU" dirty="0" smtClean="0"/>
-              <a:t>деления на отдельном процессоре.</a:t>
+              <a:t>деления.</a:t>
             </a:r>
             <a:r>
               <a:rPr lang="ru-RU" dirty="0" smtClean="0">
@@ -2940,11 +3189,59 @@
             </a:r>
             <a:r>
               <a:rPr lang="ru-RU" dirty="0" smtClean="0"/>
-              <a:t>начальных областей </a:t>
+              <a:t>списка областей </a:t>
             </a:r>
             <a:r>
               <a:rPr lang="ru-RU" dirty="0"/>
-              <a:t>притяжения локальных минимумов, поэтому его можно проводить достаточно грубо.</a:t>
+              <a:t>притяжения локальных минимумов, поэтому его можно проводить </a:t>
+            </a:r>
+            <a:r>
+              <a:rPr lang="ru-RU" dirty="0" smtClean="0"/>
+              <a:t>достаточно </a:t>
+            </a:r>
+            <a:r>
+              <a:rPr lang="ru-RU" dirty="0"/>
+              <a:t>грубо. С другой стороны, при известном радиусе </a:t>
+            </a:r>
+            <a:r>
+              <a:rPr lang="ru-RU" dirty="0" smtClean="0"/>
+              <a:t>зон </a:t>
+            </a:r>
+            <a:r>
+              <a:rPr lang="ru-RU" dirty="0"/>
+              <a:t>притяжения </a:t>
+            </a:r>
+            <a:r>
+              <a:rPr lang="ru-RU" dirty="0" smtClean="0"/>
+              <a:t>локальных минимумов, несколько добавляемых в список начальных приближений точек, лежащих неподалёку, можно </a:t>
+            </a:r>
+            <a:r>
+              <a:rPr lang="ru-RU" dirty="0"/>
+              <a:t>заменить одной. </a:t>
+            </a:r>
+            <a:r>
+              <a:rPr lang="ru-RU" dirty="0" smtClean="0"/>
+              <a:t>Данный </a:t>
+            </a:r>
+            <a:r>
+              <a:rPr lang="ru-RU" dirty="0"/>
+              <a:t>алгоритм </a:t>
+            </a:r>
+            <a:r>
+              <a:rPr lang="ru-RU" dirty="0" smtClean="0"/>
+              <a:t>сжатия значительно </a:t>
+            </a:r>
+            <a:r>
+              <a:rPr lang="ru-RU" dirty="0"/>
+              <a:t>уменьшает число стартовых точек для этапа ЛО. </a:t>
+            </a:r>
+            <a:r>
+              <a:rPr lang="ru-RU" dirty="0" smtClean="0"/>
+              <a:t>И хотя </a:t>
+            </a:r>
+            <a:r>
+              <a:rPr lang="ru-RU" dirty="0"/>
+              <a:t>он является эвристическим, эксперименты показали его высокую эффективность.</a:t>
             </a:r>
           </a:p>
           <a:p>
@@ -2965,13 +3262,6 @@
           <a:p>
             <a:pPr algn="just"/>
             <a:endParaRPr lang="ru-RU" dirty="0"/>
-          </a:p>
-          <a:p>
-            <a:pPr algn="just"/>
-            <a:r>
-              <a:rPr lang="ru-RU" dirty="0" smtClean="0"/>
-              <a:t>С другой стороны, при известном радиусе областей притяжения локальных минимумов несколько начальных точек лежащих неподалёку можно заменить одной. Добавляемые в список начальных приближений точки формируют кластер, ограниченный заданными размерами зоны притяжения. Данный алгоритм прореживания значительно уменьшает число стартовых точек для этапа ЛО. Хотя он является эвристическим, эксперименты показали его высокую эффективность.</a:t>
-            </a:r>
           </a:p>
           <a:p>
             <a:endParaRPr lang="ru-RU" dirty="0"/>
@@ -3074,7 +3364,23 @@
             <a:pPr algn="just"/>
             <a:r>
               <a:rPr lang="ru-RU" dirty="0" smtClean="0"/>
-              <a:t>Особенностью разработки параллельных алгоритмов является некоторая неопределённость конечного результата. Хорошая идея распараллеливания может упереться в проблемы передачи данных на конкретной аппаратной платформе, с другой стороны примитивный алгоритм может дать хороший результат. В этом плане актуальным является создание средств визуального моделирования алгоритмом и автоматизации программирования, позволяющие легко производить модификации алгоритмов. </a:t>
+              <a:t>Особенностью разработки параллельных алгоритмов является некоторая неопределённость конечного результата. </a:t>
+            </a:r>
+            <a:r>
+              <a:rPr lang="ru-RU" dirty="0" smtClean="0"/>
+              <a:t>Например, хорошая </a:t>
+            </a:r>
+            <a:r>
+              <a:rPr lang="ru-RU" dirty="0" smtClean="0"/>
+              <a:t>идея распараллеливания может упереться в проблемы передачи данных на конкретной аппаратной платформе, с другой стороны </a:t>
+            </a:r>
+            <a:r>
+              <a:rPr lang="ru-RU" dirty="0" smtClean="0"/>
+              <a:t>простой алгоритм </a:t>
+            </a:r>
+            <a:r>
+              <a:rPr lang="ru-RU" dirty="0" smtClean="0"/>
+              <a:t>может дать хороший результат. В этом плане актуальным является создание средств визуального моделирования алгоритмом и автоматизации программирования, позволяющие легко производить модификации алгоритмов. </a:t>
             </a:r>
           </a:p>
           <a:p>
@@ -3093,13 +3399,28 @@
             </a:r>
             <a:r>
               <a:rPr lang="en-US" dirty="0" smtClean="0"/>
-              <a:t>MPI </a:t>
+              <a:t>MPI</a:t>
             </a:r>
             <a:r>
               <a:rPr lang="ru-RU" dirty="0" smtClean="0"/>
-              <a:t> и управление данными, генерируются автоматически, что позволяет перебрать большее количество вариантов алгоритмов.</a:t>
-            </a:r>
-            <a:endParaRPr lang="ru-RU" dirty="0" smtClean="0"/>
+              <a:t>, </a:t>
+            </a:r>
+            <a:r>
+              <a:rPr lang="ru-RU" dirty="0" smtClean="0"/>
+              <a:t>генерируются автоматически, что позволяет перебрать </a:t>
+            </a:r>
+            <a:r>
+              <a:rPr lang="ru-RU" dirty="0" err="1" smtClean="0"/>
+              <a:t>бОльшее</a:t>
+            </a:r>
+            <a:r>
+              <a:rPr lang="ru-RU" dirty="0" smtClean="0"/>
+              <a:t> </a:t>
+            </a:r>
+            <a:r>
+              <a:rPr lang="ru-RU" dirty="0" smtClean="0"/>
+              <a:t>количество вариантов алгоритмов.</a:t>
+            </a:r>
           </a:p>
           <a:p>
             <a:pPr algn="just"/>
@@ -3208,15 +3529,7 @@
             <a:pPr algn="just"/>
             <a:r>
               <a:rPr lang="ru-RU" dirty="0" smtClean="0"/>
-              <a:t>Базовая реализация двухфазного параллельного алгоритма глобальной оптимизации в нотации технологии ГСП </a:t>
-            </a:r>
-            <a:r>
-              <a:rPr lang="ru-RU" dirty="0" smtClean="0"/>
-              <a:t>приведена </a:t>
-            </a:r>
-            <a:r>
-              <a:rPr lang="ru-RU" dirty="0" smtClean="0"/>
-              <a:t>на слайде</a:t>
+              <a:t>Базовая реализация двухфазного параллельного алгоритма глобальной оптимизации в нотации технологии ГСП приведена на слайде</a:t>
             </a:r>
             <a:r>
               <a:rPr lang="ru-RU" dirty="0"/>
@@ -3224,19 +3537,7 @@
             </a:r>
             <a:r>
               <a:rPr lang="ru-RU" dirty="0" smtClean="0"/>
-              <a:t>Было проведено несколько экспериментов по определению ускорения алгоритма. </a:t>
-            </a:r>
-            <a:r>
-              <a:rPr lang="ru-RU" dirty="0" smtClean="0"/>
-              <a:t>Все </a:t>
-            </a:r>
-            <a:r>
-              <a:rPr lang="ru-RU" dirty="0" smtClean="0"/>
-              <a:t>эксперименты проводились на суперкомпьютерном кластере «Сергей Королев» с числом процессоров до 512 и размерностью задачи 8. Ускорение определялось как отношение общего количества вычислений функции на всех процессорах к максимальному количеству на одном процессоре</a:t>
-            </a:r>
-            <a:r>
-              <a:rPr lang="ru-RU" dirty="0" smtClean="0"/>
-              <a:t>. На слайде представлено распределение загрузки по процессорам для фазы локальной и глобальной оптимизации. Базовая версия алгоритма на 512 процессорах показала ускорение </a:t>
+              <a:t>Было проведено несколько экспериментов по определению ускорения алгоритма. Все эксперименты проводились на суперкомпьютерном кластере «Сергей Королев» с числом процессоров до 512 и размерностью задачи 8. Ускорение определялось как отношение общего количества вычислений функции на всех процессорах к максимальному количеству на одном процессоре. На слайде представлено распределение загрузки по процессорам для фазы локальной и глобальной оптимизации. Базовая версия алгоритма на 512 процессорах показала ускорение </a:t>
             </a:r>
             <a:r>
               <a:rPr lang="ru-RU" dirty="0"/>
@@ -3244,13 +3545,20 @@
             </a:r>
             <a:r>
               <a:rPr lang="ru-RU" dirty="0" smtClean="0"/>
-              <a:t>в 141 раз. Неравномерность загрузки в фазе ГО обусловлена неравномерностью прореживания параллелепипедов, а в фазе ЛО – разной удаленностью начальных точек от локального оптимума. Далее </a:t>
+              <a:t>в 141 раз. Неравномерность загрузки </a:t>
+            </a:r>
+            <a:r>
+              <a:rPr lang="ru-RU" dirty="0" smtClean="0"/>
+              <a:t>процессоров в </a:t>
+            </a:r>
+            <a:r>
+              <a:rPr lang="ru-RU" dirty="0" smtClean="0"/>
+              <a:t>фазе ГО обусловлена неравномерностью прореживания параллелепипедов, а в фазе ЛО – разной удаленностью начальных точек от локального оптимума. Далее </a:t>
             </a:r>
             <a:r>
               <a:rPr lang="ru-RU" dirty="0"/>
               <a:t>был проведен ряд модификаций, улучшающих характеристики алгоритма. </a:t>
             </a:r>
-            <a:endParaRPr lang="ru-RU" dirty="0"/>
           </a:p>
         </p:txBody>
       </p:sp>
@@ -3348,15 +3656,7 @@
             <a:pPr algn="just"/>
             <a:r>
               <a:rPr lang="ru-RU" dirty="0" smtClean="0"/>
-              <a:t>Во второй версии алгоритма мы изменили стратегию поиска рекордного значения функции </a:t>
-            </a:r>
-            <a:r>
-              <a:rPr lang="ru-RU" dirty="0" smtClean="0"/>
-              <a:t>и </a:t>
-            </a:r>
-            <a:r>
-              <a:rPr lang="ru-RU" dirty="0" smtClean="0"/>
-              <a:t>сделали его общедоступным. На графиках показано распределение количества вычислений функции по процессорам, из которых видно что общее количество вычислений </a:t>
+              <a:t>Во второй версии алгоритма мы изменили стратегию поиска рекордного значения функции и сделали его общедоступным. На графиках показано распределение количества вычислений функции по процессорам, из которых видно что общее количество вычислений </a:t>
             </a:r>
             <a:r>
               <a:rPr lang="ru-RU" dirty="0"/>
@@ -7454,6 +7754,14 @@
   <p:clrMapOvr>
     <a:masterClrMapping/>
   </p:clrMapOvr>
+  <mc:AlternateContent xmlns:mc="http://schemas.openxmlformats.org/markup-compatibility/2006">
+    <mc:Choice xmlns:p14="http://schemas.microsoft.com/office/powerpoint/2010/main" Requires="p14">
+      <p:transition spd="slow" p14:dur="2000" advTm="15308"/>
+    </mc:Choice>
+    <mc:Fallback>
+      <p:transition spd="slow" advTm="15308"/>
+    </mc:Fallback>
+  </mc:AlternateContent>
   <p:timing>
     <p:tnLst>
       <p:par>
@@ -7467,6 +7775,11 @@
 <file path=ppt/slides/slide10.xml><?xml version="1.0" encoding="utf-8"?>
 <p:sld xmlns:a="http://schemas.openxmlformats.org/drawingml/2006/main" xmlns:r="http://schemas.openxmlformats.org/officeDocument/2006/relationships" xmlns:p="http://schemas.openxmlformats.org/presentationml/2006/main">
   <p:cSld>
+    <p:bg>
+      <p:bgRef idx="1002">
+        <a:schemeClr val="bg1"/>
+      </p:bgRef>
+    </p:bg>
     <p:spTree>
       <p:nvGrpSpPr>
         <p:cNvPr id="1" name=""/>
@@ -7504,657 +7817,6 @@
           </a:p>
         </p:txBody>
       </p:sp>
-      <p:sp>
-        <p:nvSpPr>
-          <p:cNvPr id="4" name="Номер слайда 3"/>
-          <p:cNvSpPr>
-            <a:spLocks noGrp="1"/>
-          </p:cNvSpPr>
-          <p:nvPr>
-            <p:ph type="sldNum" sz="quarter" idx="10"/>
-          </p:nvPr>
-        </p:nvSpPr>
-        <p:spPr/>
-        <p:txBody>
-          <a:bodyPr/>
-          <a:lstStyle/>
-          <a:p>
-            <a:pPr>
-              <a:defRPr/>
-            </a:pPr>
-            <a:fld id="{1450195D-6802-4018-80DD-56F4F20779E8}" type="slidenum">
-              <a:rPr lang="ru-RU" smtClean="0"/>
-              <a:pPr>
-                <a:defRPr/>
-              </a:pPr>
-              <a:t>10</a:t>
-            </a:fld>
-            <a:endParaRPr lang="ru-RU"/>
-          </a:p>
-        </p:txBody>
-      </p:sp>
-      <p:sp>
-        <p:nvSpPr>
-          <p:cNvPr id="11" name="Текст 4"/>
-          <p:cNvSpPr txBox="1">
-            <a:spLocks/>
-          </p:cNvSpPr>
-          <p:nvPr/>
-        </p:nvSpPr>
-        <p:spPr bwMode="auto">
-          <a:xfrm>
-            <a:off x="467544" y="1565102"/>
-            <a:ext cx="8208912" cy="639762"/>
-          </a:xfrm>
-          <a:prstGeom prst="rect">
-            <a:avLst/>
-          </a:prstGeom>
-          <a:noFill/>
-          <a:ln>
-            <a:noFill/>
-          </a:ln>
-          <a:extLst>
-            <a:ext uri="{909E8E84-426E-40DD-AFC4-6F175D3DCCD1}">
-              <a14:hiddenFill xmlns:a14="http://schemas.microsoft.com/office/drawing/2010/main">
-                <a:solidFill>
-                  <a:srgbClr val="FFFFFF"/>
-                </a:solidFill>
-              </a14:hiddenFill>
-            </a:ext>
-            <a:ext uri="{91240B29-F687-4F45-9708-019B960494DF}">
-              <a14:hiddenLine xmlns:a14="http://schemas.microsoft.com/office/drawing/2010/main" w="9525">
-                <a:solidFill>
-                  <a:srgbClr val="000000"/>
-                </a:solidFill>
-                <a:miter lim="800000"/>
-                <a:headEnd/>
-                <a:tailEnd/>
-              </a14:hiddenLine>
-            </a:ext>
-          </a:extLst>
-        </p:spPr>
-        <p:txBody>
-          <a:bodyPr vert="horz" wrap="square" lIns="91440" tIns="45720" rIns="91440" bIns="45720" numCol="1" anchor="b" anchorCtr="0" compatLnSpc="1">
-            <a:prstTxWarp prst="textNoShape">
-              <a:avLst/>
-            </a:prstTxWarp>
-          </a:bodyPr>
-          <a:lstStyle>
-            <a:lvl1pPr marL="0" indent="0" algn="l" rtl="0" fontAlgn="base">
-              <a:spcBef>
-                <a:spcPct val="20000"/>
-              </a:spcBef>
-              <a:spcAft>
-                <a:spcPct val="0"/>
-              </a:spcAft>
-              <a:buClr>
-                <a:schemeClr val="bg2"/>
-              </a:buClr>
-              <a:buSzPct val="75000"/>
-              <a:buFont typeface="Wingdings" pitchFamily="2" charset="2"/>
-              <a:buNone/>
-              <a:defRPr sz="2400" b="1">
-                <a:solidFill>
-                  <a:schemeClr val="tx1"/>
-                </a:solidFill>
-                <a:latin typeface="+mn-lt"/>
-                <a:ea typeface="+mn-ea"/>
-                <a:cs typeface="+mn-cs"/>
-              </a:defRPr>
-            </a:lvl1pPr>
-            <a:lvl2pPr marL="457200" indent="0" algn="l" rtl="0" fontAlgn="base">
-              <a:spcBef>
-                <a:spcPct val="20000"/>
-              </a:spcBef>
-              <a:spcAft>
-                <a:spcPct val="0"/>
-              </a:spcAft>
-              <a:buClr>
-                <a:schemeClr val="accent1"/>
-              </a:buClr>
-              <a:buSzPct val="80000"/>
-              <a:buFont typeface="Wingdings" pitchFamily="2" charset="2"/>
-              <a:buNone/>
-              <a:defRPr sz="2000" b="1">
-                <a:solidFill>
-                  <a:schemeClr val="tx1"/>
-                </a:solidFill>
-                <a:latin typeface="+mn-lt"/>
-                <a:cs typeface="+mn-cs"/>
-              </a:defRPr>
-            </a:lvl2pPr>
-            <a:lvl3pPr marL="914400" indent="0" algn="l" rtl="0" fontAlgn="base">
-              <a:spcBef>
-                <a:spcPct val="20000"/>
-              </a:spcBef>
-              <a:spcAft>
-                <a:spcPct val="0"/>
-              </a:spcAft>
-              <a:buClr>
-                <a:schemeClr val="bg2"/>
-              </a:buClr>
-              <a:buSzPct val="65000"/>
-              <a:buFont typeface="Wingdings" pitchFamily="2" charset="2"/>
-              <a:buNone/>
-              <a:defRPr sz="1800" b="1">
-                <a:solidFill>
-                  <a:schemeClr val="tx1"/>
-                </a:solidFill>
-                <a:latin typeface="+mn-lt"/>
-                <a:cs typeface="+mn-cs"/>
-              </a:defRPr>
-            </a:lvl3pPr>
-            <a:lvl4pPr marL="1371600" indent="0" algn="l" rtl="0" fontAlgn="base">
-              <a:spcBef>
-                <a:spcPct val="20000"/>
-              </a:spcBef>
-              <a:spcAft>
-                <a:spcPct val="0"/>
-              </a:spcAft>
-              <a:buClr>
-                <a:schemeClr val="accent1"/>
-              </a:buClr>
-              <a:buSzPct val="70000"/>
-              <a:buFont typeface="Wingdings" pitchFamily="2" charset="2"/>
-              <a:buNone/>
-              <a:defRPr sz="1600" b="1">
-                <a:solidFill>
-                  <a:schemeClr val="tx1"/>
-                </a:solidFill>
-                <a:latin typeface="+mn-lt"/>
-                <a:cs typeface="+mn-cs"/>
-              </a:defRPr>
-            </a:lvl4pPr>
-            <a:lvl5pPr marL="1828800" indent="0" algn="l" rtl="0" fontAlgn="base">
-              <a:spcBef>
-                <a:spcPct val="20000"/>
-              </a:spcBef>
-              <a:spcAft>
-                <a:spcPct val="0"/>
-              </a:spcAft>
-              <a:buClr>
-                <a:schemeClr val="bg2"/>
-              </a:buClr>
-              <a:buFont typeface="Wingdings" pitchFamily="2" charset="2"/>
-              <a:buNone/>
-              <a:defRPr sz="1600" b="1">
-                <a:solidFill>
-                  <a:schemeClr val="tx1"/>
-                </a:solidFill>
-                <a:latin typeface="+mn-lt"/>
-                <a:cs typeface="+mn-cs"/>
-              </a:defRPr>
-            </a:lvl5pPr>
-            <a:lvl6pPr marL="2286000" indent="0" algn="l" rtl="0" eaLnBrk="1" fontAlgn="base" hangingPunct="1">
-              <a:spcBef>
-                <a:spcPct val="20000"/>
-              </a:spcBef>
-              <a:spcAft>
-                <a:spcPct val="0"/>
-              </a:spcAft>
-              <a:buClr>
-                <a:schemeClr val="bg2"/>
-              </a:buClr>
-              <a:buFont typeface="Wingdings" pitchFamily="2" charset="2"/>
-              <a:buNone/>
-              <a:defRPr sz="1600" b="1">
-                <a:solidFill>
-                  <a:schemeClr val="tx1"/>
-                </a:solidFill>
-                <a:latin typeface="+mn-lt"/>
-                <a:cs typeface="+mn-cs"/>
-              </a:defRPr>
-            </a:lvl6pPr>
-            <a:lvl7pPr marL="2743200" indent="0" algn="l" rtl="0" eaLnBrk="1" fontAlgn="base" hangingPunct="1">
-              <a:spcBef>
-                <a:spcPct val="20000"/>
-              </a:spcBef>
-              <a:spcAft>
-                <a:spcPct val="0"/>
-              </a:spcAft>
-              <a:buClr>
-                <a:schemeClr val="bg2"/>
-              </a:buClr>
-              <a:buFont typeface="Wingdings" pitchFamily="2" charset="2"/>
-              <a:buNone/>
-              <a:defRPr sz="1600" b="1">
-                <a:solidFill>
-                  <a:schemeClr val="tx1"/>
-                </a:solidFill>
-                <a:latin typeface="+mn-lt"/>
-                <a:cs typeface="+mn-cs"/>
-              </a:defRPr>
-            </a:lvl7pPr>
-            <a:lvl8pPr marL="3200400" indent="0" algn="l" rtl="0" eaLnBrk="1" fontAlgn="base" hangingPunct="1">
-              <a:spcBef>
-                <a:spcPct val="20000"/>
-              </a:spcBef>
-              <a:spcAft>
-                <a:spcPct val="0"/>
-              </a:spcAft>
-              <a:buClr>
-                <a:schemeClr val="bg2"/>
-              </a:buClr>
-              <a:buFont typeface="Wingdings" pitchFamily="2" charset="2"/>
-              <a:buNone/>
-              <a:defRPr sz="1600" b="1">
-                <a:solidFill>
-                  <a:schemeClr val="tx1"/>
-                </a:solidFill>
-                <a:latin typeface="+mn-lt"/>
-                <a:cs typeface="+mn-cs"/>
-              </a:defRPr>
-            </a:lvl8pPr>
-            <a:lvl9pPr marL="3657600" indent="0" algn="l" rtl="0" eaLnBrk="1" fontAlgn="base" hangingPunct="1">
-              <a:spcBef>
-                <a:spcPct val="20000"/>
-              </a:spcBef>
-              <a:spcAft>
-                <a:spcPct val="0"/>
-              </a:spcAft>
-              <a:buClr>
-                <a:schemeClr val="bg2"/>
-              </a:buClr>
-              <a:buFont typeface="Wingdings" pitchFamily="2" charset="2"/>
-              <a:buNone/>
-              <a:defRPr sz="1600" b="1">
-                <a:solidFill>
-                  <a:schemeClr val="tx1"/>
-                </a:solidFill>
-                <a:latin typeface="+mn-lt"/>
-                <a:cs typeface="+mn-cs"/>
-              </a:defRPr>
-            </a:lvl9pPr>
-          </a:lstStyle>
-          <a:p>
-            <a:pPr algn="ctr"/>
-            <a:r>
-              <a:rPr lang="ru-RU" sz="2000" dirty="0" smtClean="0"/>
-              <a:t>В версии 3 с помощью дуг синхронизации моделируем асинхронную раздачу заданий по процессорам</a:t>
-            </a:r>
-            <a:endParaRPr lang="ru-RU" sz="2000" dirty="0"/>
-          </a:p>
-        </p:txBody>
-      </p:sp>
-      <p:sp>
-        <p:nvSpPr>
-          <p:cNvPr id="12" name="Текст 4"/>
-          <p:cNvSpPr txBox="1">
-            <a:spLocks/>
-          </p:cNvSpPr>
-          <p:nvPr/>
-        </p:nvSpPr>
-        <p:spPr bwMode="auto">
-          <a:xfrm>
-            <a:off x="467544" y="5525542"/>
-            <a:ext cx="8208912" cy="639762"/>
-          </a:xfrm>
-          <a:prstGeom prst="rect">
-            <a:avLst/>
-          </a:prstGeom>
-          <a:noFill/>
-          <a:ln>
-            <a:noFill/>
-          </a:ln>
-          <a:extLst>
-            <a:ext uri="{909E8E84-426E-40DD-AFC4-6F175D3DCCD1}">
-              <a14:hiddenFill xmlns:a14="http://schemas.microsoft.com/office/drawing/2010/main">
-                <a:solidFill>
-                  <a:srgbClr val="FFFFFF"/>
-                </a:solidFill>
-              </a14:hiddenFill>
-            </a:ext>
-            <a:ext uri="{91240B29-F687-4F45-9708-019B960494DF}">
-              <a14:hiddenLine xmlns:a14="http://schemas.microsoft.com/office/drawing/2010/main" w="9525">
-                <a:solidFill>
-                  <a:srgbClr val="000000"/>
-                </a:solidFill>
-                <a:miter lim="800000"/>
-                <a:headEnd/>
-                <a:tailEnd/>
-              </a14:hiddenLine>
-            </a:ext>
-          </a:extLst>
-        </p:spPr>
-        <p:txBody>
-          <a:bodyPr vert="horz" wrap="square" lIns="91440" tIns="45720" rIns="91440" bIns="45720" numCol="1" anchor="b" anchorCtr="0" compatLnSpc="1">
-            <a:prstTxWarp prst="textNoShape">
-              <a:avLst/>
-            </a:prstTxWarp>
-          </a:bodyPr>
-          <a:lstStyle>
-            <a:lvl1pPr marL="0" indent="0" algn="l" rtl="0" fontAlgn="base">
-              <a:spcBef>
-                <a:spcPct val="20000"/>
-              </a:spcBef>
-              <a:spcAft>
-                <a:spcPct val="0"/>
-              </a:spcAft>
-              <a:buClr>
-                <a:schemeClr val="bg2"/>
-              </a:buClr>
-              <a:buSzPct val="75000"/>
-              <a:buFont typeface="Wingdings" pitchFamily="2" charset="2"/>
-              <a:buNone/>
-              <a:defRPr sz="2400" b="1">
-                <a:solidFill>
-                  <a:schemeClr val="tx1"/>
-                </a:solidFill>
-                <a:latin typeface="+mn-lt"/>
-                <a:ea typeface="+mn-ea"/>
-                <a:cs typeface="+mn-cs"/>
-              </a:defRPr>
-            </a:lvl1pPr>
-            <a:lvl2pPr marL="457200" indent="0" algn="l" rtl="0" fontAlgn="base">
-              <a:spcBef>
-                <a:spcPct val="20000"/>
-              </a:spcBef>
-              <a:spcAft>
-                <a:spcPct val="0"/>
-              </a:spcAft>
-              <a:buClr>
-                <a:schemeClr val="accent1"/>
-              </a:buClr>
-              <a:buSzPct val="80000"/>
-              <a:buFont typeface="Wingdings" pitchFamily="2" charset="2"/>
-              <a:buNone/>
-              <a:defRPr sz="2000" b="1">
-                <a:solidFill>
-                  <a:schemeClr val="tx1"/>
-                </a:solidFill>
-                <a:latin typeface="+mn-lt"/>
-                <a:cs typeface="+mn-cs"/>
-              </a:defRPr>
-            </a:lvl2pPr>
-            <a:lvl3pPr marL="914400" indent="0" algn="l" rtl="0" fontAlgn="base">
-              <a:spcBef>
-                <a:spcPct val="20000"/>
-              </a:spcBef>
-              <a:spcAft>
-                <a:spcPct val="0"/>
-              </a:spcAft>
-              <a:buClr>
-                <a:schemeClr val="bg2"/>
-              </a:buClr>
-              <a:buSzPct val="65000"/>
-              <a:buFont typeface="Wingdings" pitchFamily="2" charset="2"/>
-              <a:buNone/>
-              <a:defRPr sz="1800" b="1">
-                <a:solidFill>
-                  <a:schemeClr val="tx1"/>
-                </a:solidFill>
-                <a:latin typeface="+mn-lt"/>
-                <a:cs typeface="+mn-cs"/>
-              </a:defRPr>
-            </a:lvl3pPr>
-            <a:lvl4pPr marL="1371600" indent="0" algn="l" rtl="0" fontAlgn="base">
-              <a:spcBef>
-                <a:spcPct val="20000"/>
-              </a:spcBef>
-              <a:spcAft>
-                <a:spcPct val="0"/>
-              </a:spcAft>
-              <a:buClr>
-                <a:schemeClr val="accent1"/>
-              </a:buClr>
-              <a:buSzPct val="70000"/>
-              <a:buFont typeface="Wingdings" pitchFamily="2" charset="2"/>
-              <a:buNone/>
-              <a:defRPr sz="1600" b="1">
-                <a:solidFill>
-                  <a:schemeClr val="tx1"/>
-                </a:solidFill>
-                <a:latin typeface="+mn-lt"/>
-                <a:cs typeface="+mn-cs"/>
-              </a:defRPr>
-            </a:lvl4pPr>
-            <a:lvl5pPr marL="1828800" indent="0" algn="l" rtl="0" fontAlgn="base">
-              <a:spcBef>
-                <a:spcPct val="20000"/>
-              </a:spcBef>
-              <a:spcAft>
-                <a:spcPct val="0"/>
-              </a:spcAft>
-              <a:buClr>
-                <a:schemeClr val="bg2"/>
-              </a:buClr>
-              <a:buFont typeface="Wingdings" pitchFamily="2" charset="2"/>
-              <a:buNone/>
-              <a:defRPr sz="1600" b="1">
-                <a:solidFill>
-                  <a:schemeClr val="tx1"/>
-                </a:solidFill>
-                <a:latin typeface="+mn-lt"/>
-                <a:cs typeface="+mn-cs"/>
-              </a:defRPr>
-            </a:lvl5pPr>
-            <a:lvl6pPr marL="2286000" indent="0" algn="l" rtl="0" eaLnBrk="1" fontAlgn="base" hangingPunct="1">
-              <a:spcBef>
-                <a:spcPct val="20000"/>
-              </a:spcBef>
-              <a:spcAft>
-                <a:spcPct val="0"/>
-              </a:spcAft>
-              <a:buClr>
-                <a:schemeClr val="bg2"/>
-              </a:buClr>
-              <a:buFont typeface="Wingdings" pitchFamily="2" charset="2"/>
-              <a:buNone/>
-              <a:defRPr sz="1600" b="1">
-                <a:solidFill>
-                  <a:schemeClr val="tx1"/>
-                </a:solidFill>
-                <a:latin typeface="+mn-lt"/>
-                <a:cs typeface="+mn-cs"/>
-              </a:defRPr>
-            </a:lvl6pPr>
-            <a:lvl7pPr marL="2743200" indent="0" algn="l" rtl="0" eaLnBrk="1" fontAlgn="base" hangingPunct="1">
-              <a:spcBef>
-                <a:spcPct val="20000"/>
-              </a:spcBef>
-              <a:spcAft>
-                <a:spcPct val="0"/>
-              </a:spcAft>
-              <a:buClr>
-                <a:schemeClr val="bg2"/>
-              </a:buClr>
-              <a:buFont typeface="Wingdings" pitchFamily="2" charset="2"/>
-              <a:buNone/>
-              <a:defRPr sz="1600" b="1">
-                <a:solidFill>
-                  <a:schemeClr val="tx1"/>
-                </a:solidFill>
-                <a:latin typeface="+mn-lt"/>
-                <a:cs typeface="+mn-cs"/>
-              </a:defRPr>
-            </a:lvl7pPr>
-            <a:lvl8pPr marL="3200400" indent="0" algn="l" rtl="0" eaLnBrk="1" fontAlgn="base" hangingPunct="1">
-              <a:spcBef>
-                <a:spcPct val="20000"/>
-              </a:spcBef>
-              <a:spcAft>
-                <a:spcPct val="0"/>
-              </a:spcAft>
-              <a:buClr>
-                <a:schemeClr val="bg2"/>
-              </a:buClr>
-              <a:buFont typeface="Wingdings" pitchFamily="2" charset="2"/>
-              <a:buNone/>
-              <a:defRPr sz="1600" b="1">
-                <a:solidFill>
-                  <a:schemeClr val="tx1"/>
-                </a:solidFill>
-                <a:latin typeface="+mn-lt"/>
-                <a:cs typeface="+mn-cs"/>
-              </a:defRPr>
-            </a:lvl8pPr>
-            <a:lvl9pPr marL="3657600" indent="0" algn="l" rtl="0" eaLnBrk="1" fontAlgn="base" hangingPunct="1">
-              <a:spcBef>
-                <a:spcPct val="20000"/>
-              </a:spcBef>
-              <a:spcAft>
-                <a:spcPct val="0"/>
-              </a:spcAft>
-              <a:buClr>
-                <a:schemeClr val="bg2"/>
-              </a:buClr>
-              <a:buFont typeface="Wingdings" pitchFamily="2" charset="2"/>
-              <a:buNone/>
-              <a:defRPr sz="1600" b="1">
-                <a:solidFill>
-                  <a:schemeClr val="tx1"/>
-                </a:solidFill>
-                <a:latin typeface="+mn-lt"/>
-                <a:cs typeface="+mn-cs"/>
-              </a:defRPr>
-            </a:lvl9pPr>
-          </a:lstStyle>
-          <a:p>
-            <a:pPr algn="ctr"/>
-            <a:r>
-              <a:rPr lang="ru-RU" sz="1400" dirty="0" smtClean="0"/>
-              <a:t>Эффективность </a:t>
-            </a:r>
-            <a:r>
-              <a:rPr lang="ru-RU" sz="1400" dirty="0"/>
-              <a:t>возросла </a:t>
-            </a:r>
-            <a:r>
-              <a:rPr lang="ru-RU" sz="1400" dirty="0" smtClean="0"/>
-              <a:t>примерно в 4,7 раза (с 9,8</a:t>
-            </a:r>
-            <a:r>
-              <a:rPr lang="ru-RU" sz="1400" dirty="0"/>
-              <a:t>% до </a:t>
-            </a:r>
-            <a:r>
-              <a:rPr lang="ru-RU" sz="1400" dirty="0" smtClean="0"/>
-              <a:t>46,6%)</a:t>
-            </a:r>
-          </a:p>
-          <a:p>
-            <a:pPr algn="ctr"/>
-            <a:r>
-              <a:rPr lang="ru-RU" sz="1400" dirty="0" smtClean="0"/>
-              <a:t>Ускорение возросло </a:t>
-            </a:r>
-            <a:r>
-              <a:rPr lang="ru-RU" sz="1400" dirty="0"/>
-              <a:t>примерно в </a:t>
-            </a:r>
-            <a:r>
-              <a:rPr lang="ru-RU" sz="1400" dirty="0" smtClean="0"/>
-              <a:t>4,7 раза (с 50,3 до 238,6)</a:t>
-            </a:r>
-            <a:endParaRPr lang="ru-RU" sz="1400" dirty="0"/>
-          </a:p>
-        </p:txBody>
-      </p:sp>
-      <p:pic>
-        <p:nvPicPr>
-          <p:cNvPr id="15" name="Picture 2"/>
-          <p:cNvPicPr>
-            <a:picLocks noChangeAspect="1" noChangeArrowheads="1"/>
-          </p:cNvPicPr>
-          <p:nvPr/>
-        </p:nvPicPr>
-        <p:blipFill rotWithShape="1">
-          <a:blip r:embed="rId3">
-            <a:extLst>
-              <a:ext uri="{28A0092B-C50C-407E-A947-70E740481C1C}">
-                <a14:useLocalDpi xmlns:a14="http://schemas.microsoft.com/office/drawing/2010/main" val="0"/>
-              </a:ext>
-            </a:extLst>
-          </a:blip>
-          <a:srcRect l="10875" t="13143" r="2896" b="50083"/>
-          <a:stretch/>
-        </p:blipFill>
-        <p:spPr bwMode="auto">
-          <a:xfrm>
-            <a:off x="827584" y="2852936"/>
-            <a:ext cx="3158848" cy="2772000"/>
-          </a:xfrm>
-          <a:prstGeom prst="rect">
-            <a:avLst/>
-          </a:prstGeom>
-          <a:noFill/>
-          <a:ln>
-            <a:noFill/>
-          </a:ln>
-          <a:extLst>
-            <a:ext uri="{909E8E84-426E-40DD-AFC4-6F175D3DCCD1}">
-              <a14:hiddenFill xmlns:a14="http://schemas.microsoft.com/office/drawing/2010/main">
-                <a:solidFill>
-                  <a:srgbClr val="FFFFFF"/>
-                </a:solidFill>
-              </a14:hiddenFill>
-            </a:ext>
-            <a:ext uri="{91240B29-F687-4F45-9708-019B960494DF}">
-              <a14:hiddenLine xmlns:a14="http://schemas.microsoft.com/office/drawing/2010/main" w="9525">
-                <a:solidFill>
-                  <a:srgbClr val="000000"/>
-                </a:solidFill>
-                <a:miter lim="800000"/>
-                <a:headEnd/>
-                <a:tailEnd/>
-              </a14:hiddenLine>
-            </a:ext>
-          </a:extLst>
-        </p:spPr>
-      </p:pic>
-      <p:pic>
-        <p:nvPicPr>
-          <p:cNvPr id="16" name="Объект 5"/>
-          <p:cNvPicPr>
-            <a:picLocks noChangeAspect="1"/>
-          </p:cNvPicPr>
-          <p:nvPr/>
-        </p:nvPicPr>
-        <p:blipFill>
-          <a:blip r:embed="rId4" cstate="print">
-            <a:extLst>
-              <a:ext uri="{28A0092B-C50C-407E-A947-70E740481C1C}">
-                <a14:useLocalDpi xmlns:a14="http://schemas.microsoft.com/office/drawing/2010/main" val="0"/>
-              </a:ext>
-            </a:extLst>
-          </a:blip>
-          <a:stretch>
-            <a:fillRect/>
-          </a:stretch>
-        </p:blipFill>
-        <p:spPr bwMode="auto">
-          <a:xfrm>
-            <a:off x="4860033" y="2852936"/>
-            <a:ext cx="3624852" cy="2772000"/>
-          </a:xfrm>
-          <a:prstGeom prst="rect">
-            <a:avLst/>
-          </a:prstGeom>
-          <a:noFill/>
-          <a:ln>
-            <a:noFill/>
-          </a:ln>
-          <a:extLst>
-            <a:ext uri="{909E8E84-426E-40DD-AFC4-6F175D3DCCD1}">
-              <a14:hiddenFill xmlns:a14="http://schemas.microsoft.com/office/drawing/2010/main">
-                <a:solidFill>
-                  <a:srgbClr val="FFFFFF"/>
-                </a:solidFill>
-              </a14:hiddenFill>
-            </a:ext>
-            <a:ext uri="{91240B29-F687-4F45-9708-019B960494DF}">
-              <a14:hiddenLine xmlns:a14="http://schemas.microsoft.com/office/drawing/2010/main" w="9525">
-                <a:solidFill>
-                  <a:srgbClr val="000000"/>
-                </a:solidFill>
-                <a:miter lim="800000"/>
-                <a:headEnd/>
-                <a:tailEnd/>
-              </a14:hiddenLine>
-            </a:ext>
-          </a:extLst>
-        </p:spPr>
-      </p:pic>
       <p:pic>
         <p:nvPicPr>
           <p:cNvPr id="13" name="Объект 9"/>
@@ -8225,65 +7887,36 @@
       </p:pic>
       <p:sp>
         <p:nvSpPr>
-          <p:cNvPr id="18" name="Текст 4"/>
+          <p:cNvPr id="4" name="Номер слайда 3"/>
           <p:cNvSpPr>
             <a:spLocks noGrp="1"/>
           </p:cNvSpPr>
           <p:nvPr>
-            <p:ph type="body" idx="1"/>
+            <p:ph type="sldNum" sz="quarter" idx="10"/>
           </p:nvPr>
         </p:nvSpPr>
-        <p:spPr>
-          <a:xfrm>
-            <a:off x="457201" y="2636913"/>
-            <a:ext cx="4040188" cy="360040"/>
-          </a:xfrm>
-        </p:spPr>
+        <p:spPr/>
         <p:txBody>
           <a:bodyPr/>
           <a:lstStyle/>
           <a:p>
-            <a:pPr algn="ctr"/>
-            <a:r>
-              <a:rPr lang="ru-RU" sz="1800" dirty="0" smtClean="0"/>
-              <a:t>Версия 2</a:t>
-            </a:r>
-            <a:endParaRPr lang="ru-RU" sz="1800" dirty="0"/>
+            <a:pPr>
+              <a:defRPr/>
+            </a:pPr>
+            <a:fld id="{1450195D-6802-4018-80DD-56F4F20779E8}" type="slidenum">
+              <a:rPr lang="ru-RU" smtClean="0"/>
+              <a:pPr>
+                <a:defRPr/>
+              </a:pPr>
+              <a:t>10</a:t>
+            </a:fld>
+            <a:endParaRPr lang="ru-RU"/>
           </a:p>
         </p:txBody>
       </p:sp>
       <p:sp>
         <p:nvSpPr>
-          <p:cNvPr id="19" name="Текст 6"/>
-          <p:cNvSpPr>
-            <a:spLocks noGrp="1"/>
-          </p:cNvSpPr>
-          <p:nvPr>
-            <p:ph type="body" sz="quarter" idx="3"/>
-          </p:nvPr>
-        </p:nvSpPr>
-        <p:spPr>
-          <a:xfrm>
-            <a:off x="4645026" y="2636913"/>
-            <a:ext cx="4041775" cy="360040"/>
-          </a:xfrm>
-        </p:spPr>
-        <p:txBody>
-          <a:bodyPr/>
-          <a:lstStyle/>
-          <a:p>
-            <a:pPr algn="ctr"/>
-            <a:r>
-              <a:rPr lang="ru-RU" sz="1800" dirty="0" smtClean="0"/>
-              <a:t>Версия 3</a:t>
-            </a:r>
-            <a:endParaRPr lang="ru-RU" sz="1800" dirty="0"/>
-          </a:p>
-        </p:txBody>
-      </p:sp>
-      <p:sp>
-        <p:nvSpPr>
-          <p:cNvPr id="20" name="Текст 4"/>
+          <p:cNvPr id="11" name="Текст 4"/>
           <p:cNvSpPr txBox="1">
             <a:spLocks/>
           </p:cNvSpPr>
@@ -8291,8 +7924,8 @@
         </p:nvSpPr>
         <p:spPr bwMode="auto">
           <a:xfrm>
-            <a:off x="467544" y="2276873"/>
-            <a:ext cx="8208912" cy="360040"/>
+            <a:off x="467544" y="1565102"/>
+            <a:ext cx="8208912" cy="639762"/>
           </a:xfrm>
           <a:prstGeom prst="rect">
             <a:avLst/>
@@ -8517,14 +8150,701 @@
           <a:p>
             <a:pPr algn="ctr"/>
             <a:r>
+              <a:rPr lang="ru-RU" sz="2000" dirty="0" smtClean="0"/>
+              <a:t>В версии 3 с помощью дуг синхронизации моделируем асинхронную раздачу заданий по процессорам</a:t>
+            </a:r>
+            <a:endParaRPr lang="ru-RU" sz="2000" dirty="0"/>
+          </a:p>
+        </p:txBody>
+      </p:sp>
+      <p:sp>
+        <p:nvSpPr>
+          <p:cNvPr id="12" name="Текст 4"/>
+          <p:cNvSpPr txBox="1">
+            <a:spLocks/>
+          </p:cNvSpPr>
+          <p:nvPr/>
+        </p:nvSpPr>
+        <p:spPr bwMode="auto">
+          <a:xfrm>
+            <a:off x="467544" y="5525542"/>
+            <a:ext cx="8208912" cy="639762"/>
+          </a:xfrm>
+          <a:prstGeom prst="rect">
+            <a:avLst/>
+          </a:prstGeom>
+          <a:noFill/>
+          <a:ln>
+            <a:noFill/>
+          </a:ln>
+          <a:extLst>
+            <a:ext uri="{909E8E84-426E-40DD-AFC4-6F175D3DCCD1}">
+              <a14:hiddenFill xmlns:a14="http://schemas.microsoft.com/office/drawing/2010/main">
+                <a:solidFill>
+                  <a:srgbClr val="FFFFFF"/>
+                </a:solidFill>
+              </a14:hiddenFill>
+            </a:ext>
+            <a:ext uri="{91240B29-F687-4F45-9708-019B960494DF}">
+              <a14:hiddenLine xmlns:a14="http://schemas.microsoft.com/office/drawing/2010/main" w="9525">
+                <a:solidFill>
+                  <a:srgbClr val="000000"/>
+                </a:solidFill>
+                <a:miter lim="800000"/>
+                <a:headEnd/>
+                <a:tailEnd/>
+              </a14:hiddenLine>
+            </a:ext>
+          </a:extLst>
+        </p:spPr>
+        <p:txBody>
+          <a:bodyPr vert="horz" wrap="square" lIns="91440" tIns="45720" rIns="91440" bIns="45720" numCol="1" anchor="b" anchorCtr="0" compatLnSpc="1">
+            <a:prstTxWarp prst="textNoShape">
+              <a:avLst/>
+            </a:prstTxWarp>
+          </a:bodyPr>
+          <a:lstStyle>
+            <a:lvl1pPr marL="0" indent="0" algn="l" rtl="0" fontAlgn="base">
+              <a:spcBef>
+                <a:spcPct val="20000"/>
+              </a:spcBef>
+              <a:spcAft>
+                <a:spcPct val="0"/>
+              </a:spcAft>
+              <a:buClr>
+                <a:schemeClr val="bg2"/>
+              </a:buClr>
+              <a:buSzPct val="75000"/>
+              <a:buFont typeface="Wingdings" pitchFamily="2" charset="2"/>
+              <a:buNone/>
+              <a:defRPr sz="2400" b="1">
+                <a:solidFill>
+                  <a:schemeClr val="tx1"/>
+                </a:solidFill>
+                <a:latin typeface="+mn-lt"/>
+                <a:ea typeface="+mn-ea"/>
+                <a:cs typeface="+mn-cs"/>
+              </a:defRPr>
+            </a:lvl1pPr>
+            <a:lvl2pPr marL="457200" indent="0" algn="l" rtl="0" fontAlgn="base">
+              <a:spcBef>
+                <a:spcPct val="20000"/>
+              </a:spcBef>
+              <a:spcAft>
+                <a:spcPct val="0"/>
+              </a:spcAft>
+              <a:buClr>
+                <a:schemeClr val="accent1"/>
+              </a:buClr>
+              <a:buSzPct val="80000"/>
+              <a:buFont typeface="Wingdings" pitchFamily="2" charset="2"/>
+              <a:buNone/>
+              <a:defRPr sz="2000" b="1">
+                <a:solidFill>
+                  <a:schemeClr val="tx1"/>
+                </a:solidFill>
+                <a:latin typeface="+mn-lt"/>
+                <a:cs typeface="+mn-cs"/>
+              </a:defRPr>
+            </a:lvl2pPr>
+            <a:lvl3pPr marL="914400" indent="0" algn="l" rtl="0" fontAlgn="base">
+              <a:spcBef>
+                <a:spcPct val="20000"/>
+              </a:spcBef>
+              <a:spcAft>
+                <a:spcPct val="0"/>
+              </a:spcAft>
+              <a:buClr>
+                <a:schemeClr val="bg2"/>
+              </a:buClr>
+              <a:buSzPct val="65000"/>
+              <a:buFont typeface="Wingdings" pitchFamily="2" charset="2"/>
+              <a:buNone/>
+              <a:defRPr sz="1800" b="1">
+                <a:solidFill>
+                  <a:schemeClr val="tx1"/>
+                </a:solidFill>
+                <a:latin typeface="+mn-lt"/>
+                <a:cs typeface="+mn-cs"/>
+              </a:defRPr>
+            </a:lvl3pPr>
+            <a:lvl4pPr marL="1371600" indent="0" algn="l" rtl="0" fontAlgn="base">
+              <a:spcBef>
+                <a:spcPct val="20000"/>
+              </a:spcBef>
+              <a:spcAft>
+                <a:spcPct val="0"/>
+              </a:spcAft>
+              <a:buClr>
+                <a:schemeClr val="accent1"/>
+              </a:buClr>
+              <a:buSzPct val="70000"/>
+              <a:buFont typeface="Wingdings" pitchFamily="2" charset="2"/>
+              <a:buNone/>
+              <a:defRPr sz="1600" b="1">
+                <a:solidFill>
+                  <a:schemeClr val="tx1"/>
+                </a:solidFill>
+                <a:latin typeface="+mn-lt"/>
+                <a:cs typeface="+mn-cs"/>
+              </a:defRPr>
+            </a:lvl4pPr>
+            <a:lvl5pPr marL="1828800" indent="0" algn="l" rtl="0" fontAlgn="base">
+              <a:spcBef>
+                <a:spcPct val="20000"/>
+              </a:spcBef>
+              <a:spcAft>
+                <a:spcPct val="0"/>
+              </a:spcAft>
+              <a:buClr>
+                <a:schemeClr val="bg2"/>
+              </a:buClr>
+              <a:buFont typeface="Wingdings" pitchFamily="2" charset="2"/>
+              <a:buNone/>
+              <a:defRPr sz="1600" b="1">
+                <a:solidFill>
+                  <a:schemeClr val="tx1"/>
+                </a:solidFill>
+                <a:latin typeface="+mn-lt"/>
+                <a:cs typeface="+mn-cs"/>
+              </a:defRPr>
+            </a:lvl5pPr>
+            <a:lvl6pPr marL="2286000" indent="0" algn="l" rtl="0" eaLnBrk="1" fontAlgn="base" hangingPunct="1">
+              <a:spcBef>
+                <a:spcPct val="20000"/>
+              </a:spcBef>
+              <a:spcAft>
+                <a:spcPct val="0"/>
+              </a:spcAft>
+              <a:buClr>
+                <a:schemeClr val="bg2"/>
+              </a:buClr>
+              <a:buFont typeface="Wingdings" pitchFamily="2" charset="2"/>
+              <a:buNone/>
+              <a:defRPr sz="1600" b="1">
+                <a:solidFill>
+                  <a:schemeClr val="tx1"/>
+                </a:solidFill>
+                <a:latin typeface="+mn-lt"/>
+                <a:cs typeface="+mn-cs"/>
+              </a:defRPr>
+            </a:lvl6pPr>
+            <a:lvl7pPr marL="2743200" indent="0" algn="l" rtl="0" eaLnBrk="1" fontAlgn="base" hangingPunct="1">
+              <a:spcBef>
+                <a:spcPct val="20000"/>
+              </a:spcBef>
+              <a:spcAft>
+                <a:spcPct val="0"/>
+              </a:spcAft>
+              <a:buClr>
+                <a:schemeClr val="bg2"/>
+              </a:buClr>
+              <a:buFont typeface="Wingdings" pitchFamily="2" charset="2"/>
+              <a:buNone/>
+              <a:defRPr sz="1600" b="1">
+                <a:solidFill>
+                  <a:schemeClr val="tx1"/>
+                </a:solidFill>
+                <a:latin typeface="+mn-lt"/>
+                <a:cs typeface="+mn-cs"/>
+              </a:defRPr>
+            </a:lvl7pPr>
+            <a:lvl8pPr marL="3200400" indent="0" algn="l" rtl="0" eaLnBrk="1" fontAlgn="base" hangingPunct="1">
+              <a:spcBef>
+                <a:spcPct val="20000"/>
+              </a:spcBef>
+              <a:spcAft>
+                <a:spcPct val="0"/>
+              </a:spcAft>
+              <a:buClr>
+                <a:schemeClr val="bg2"/>
+              </a:buClr>
+              <a:buFont typeface="Wingdings" pitchFamily="2" charset="2"/>
+              <a:buNone/>
+              <a:defRPr sz="1600" b="1">
+                <a:solidFill>
+                  <a:schemeClr val="tx1"/>
+                </a:solidFill>
+                <a:latin typeface="+mn-lt"/>
+                <a:cs typeface="+mn-cs"/>
+              </a:defRPr>
+            </a:lvl8pPr>
+            <a:lvl9pPr marL="3657600" indent="0" algn="l" rtl="0" eaLnBrk="1" fontAlgn="base" hangingPunct="1">
+              <a:spcBef>
+                <a:spcPct val="20000"/>
+              </a:spcBef>
+              <a:spcAft>
+                <a:spcPct val="0"/>
+              </a:spcAft>
+              <a:buClr>
+                <a:schemeClr val="bg2"/>
+              </a:buClr>
+              <a:buFont typeface="Wingdings" pitchFamily="2" charset="2"/>
+              <a:buNone/>
+              <a:defRPr sz="1600" b="1">
+                <a:solidFill>
+                  <a:schemeClr val="tx1"/>
+                </a:solidFill>
+                <a:latin typeface="+mn-lt"/>
+                <a:cs typeface="+mn-cs"/>
+              </a:defRPr>
+            </a:lvl9pPr>
+          </a:lstStyle>
+          <a:p>
+            <a:pPr algn="ctr"/>
+            <a:r>
+              <a:rPr lang="ru-RU" sz="1400" dirty="0" smtClean="0"/>
+              <a:t>Эффективность </a:t>
+            </a:r>
+            <a:r>
+              <a:rPr lang="ru-RU" sz="1400" dirty="0"/>
+              <a:t>возросла </a:t>
+            </a:r>
+            <a:r>
+              <a:rPr lang="ru-RU" sz="1400" dirty="0" smtClean="0"/>
+              <a:t>примерно в 4,7 раза (с 9,8</a:t>
+            </a:r>
+            <a:r>
+              <a:rPr lang="ru-RU" sz="1400" dirty="0"/>
+              <a:t>% до </a:t>
+            </a:r>
+            <a:r>
+              <a:rPr lang="ru-RU" sz="1400" dirty="0" smtClean="0"/>
+              <a:t>46,6%)</a:t>
+            </a:r>
+          </a:p>
+          <a:p>
+            <a:pPr algn="ctr"/>
+            <a:r>
+              <a:rPr lang="ru-RU" sz="1400" dirty="0" smtClean="0"/>
+              <a:t>Ускорение возросло </a:t>
+            </a:r>
+            <a:r>
+              <a:rPr lang="ru-RU" sz="1400" dirty="0"/>
+              <a:t>примерно в </a:t>
+            </a:r>
+            <a:r>
+              <a:rPr lang="ru-RU" sz="1400" dirty="0" smtClean="0"/>
+              <a:t>4,7 раза (с 50,3 до 238,6)</a:t>
+            </a:r>
+            <a:endParaRPr lang="ru-RU" sz="1400" dirty="0"/>
+          </a:p>
+        </p:txBody>
+      </p:sp>
+      <p:pic>
+        <p:nvPicPr>
+          <p:cNvPr id="15" name="Picture 2"/>
+          <p:cNvPicPr>
+            <a:picLocks noChangeAspect="1" noChangeArrowheads="1"/>
+          </p:cNvPicPr>
+          <p:nvPr/>
+        </p:nvPicPr>
+        <p:blipFill rotWithShape="1">
+          <a:blip r:embed="rId7">
+            <a:extLst>
+              <a:ext uri="{28A0092B-C50C-407E-A947-70E740481C1C}">
+                <a14:useLocalDpi xmlns:a14="http://schemas.microsoft.com/office/drawing/2010/main" val="0"/>
+              </a:ext>
+            </a:extLst>
+          </a:blip>
+          <a:srcRect l="10875" t="13143" r="2896" b="50083"/>
+          <a:stretch/>
+        </p:blipFill>
+        <p:spPr bwMode="auto">
+          <a:xfrm>
+            <a:off x="827584" y="2852936"/>
+            <a:ext cx="3158848" cy="2772000"/>
+          </a:xfrm>
+          <a:prstGeom prst="rect">
+            <a:avLst/>
+          </a:prstGeom>
+          <a:noFill/>
+          <a:ln>
+            <a:noFill/>
+          </a:ln>
+          <a:extLst>
+            <a:ext uri="{909E8E84-426E-40DD-AFC4-6F175D3DCCD1}">
+              <a14:hiddenFill xmlns:a14="http://schemas.microsoft.com/office/drawing/2010/main">
+                <a:solidFill>
+                  <a:srgbClr val="FFFFFF"/>
+                </a:solidFill>
+              </a14:hiddenFill>
+            </a:ext>
+            <a:ext uri="{91240B29-F687-4F45-9708-019B960494DF}">
+              <a14:hiddenLine xmlns:a14="http://schemas.microsoft.com/office/drawing/2010/main" w="9525">
+                <a:solidFill>
+                  <a:srgbClr val="000000"/>
+                </a:solidFill>
+                <a:miter lim="800000"/>
+                <a:headEnd/>
+                <a:tailEnd/>
+              </a14:hiddenLine>
+            </a:ext>
+          </a:extLst>
+        </p:spPr>
+      </p:pic>
+      <p:pic>
+        <p:nvPicPr>
+          <p:cNvPr id="16" name="Объект 5"/>
+          <p:cNvPicPr>
+            <a:picLocks noChangeAspect="1"/>
+          </p:cNvPicPr>
+          <p:nvPr/>
+        </p:nvPicPr>
+        <p:blipFill>
+          <a:blip r:embed="rId8" cstate="print">
+            <a:extLst>
+              <a:ext uri="{28A0092B-C50C-407E-A947-70E740481C1C}">
+                <a14:useLocalDpi xmlns:a14="http://schemas.microsoft.com/office/drawing/2010/main" val="0"/>
+              </a:ext>
+            </a:extLst>
+          </a:blip>
+          <a:stretch>
+            <a:fillRect/>
+          </a:stretch>
+        </p:blipFill>
+        <p:spPr bwMode="auto">
+          <a:xfrm>
+            <a:off x="4860033" y="2852936"/>
+            <a:ext cx="3624852" cy="2772000"/>
+          </a:xfrm>
+          <a:prstGeom prst="rect">
+            <a:avLst/>
+          </a:prstGeom>
+          <a:noFill/>
+          <a:ln>
+            <a:noFill/>
+          </a:ln>
+          <a:extLst>
+            <a:ext uri="{909E8E84-426E-40DD-AFC4-6F175D3DCCD1}">
+              <a14:hiddenFill xmlns:a14="http://schemas.microsoft.com/office/drawing/2010/main">
+                <a:solidFill>
+                  <a:srgbClr val="FFFFFF"/>
+                </a:solidFill>
+              </a14:hiddenFill>
+            </a:ext>
+            <a:ext uri="{91240B29-F687-4F45-9708-019B960494DF}">
+              <a14:hiddenLine xmlns:a14="http://schemas.microsoft.com/office/drawing/2010/main" w="9525">
+                <a:solidFill>
+                  <a:srgbClr val="000000"/>
+                </a:solidFill>
+                <a:miter lim="800000"/>
+                <a:headEnd/>
+                <a:tailEnd/>
+              </a14:hiddenLine>
+            </a:ext>
+          </a:extLst>
+        </p:spPr>
+      </p:pic>
+      <p:sp>
+        <p:nvSpPr>
+          <p:cNvPr id="20" name="Текст 4"/>
+          <p:cNvSpPr txBox="1">
+            <a:spLocks/>
+          </p:cNvSpPr>
+          <p:nvPr/>
+        </p:nvSpPr>
+        <p:spPr bwMode="auto">
+          <a:xfrm>
+            <a:off x="323528" y="2276873"/>
+            <a:ext cx="8568952" cy="360040"/>
+          </a:xfrm>
+          <a:prstGeom prst="rect">
+            <a:avLst/>
+          </a:prstGeom>
+          <a:noFill/>
+          <a:ln>
+            <a:noFill/>
+          </a:ln>
+          <a:extLst>
+            <a:ext uri="{909E8E84-426E-40DD-AFC4-6F175D3DCCD1}">
+              <a14:hiddenFill xmlns:a14="http://schemas.microsoft.com/office/drawing/2010/main">
+                <a:solidFill>
+                  <a:srgbClr val="FFFFFF"/>
+                </a:solidFill>
+              </a14:hiddenFill>
+            </a:ext>
+            <a:ext uri="{91240B29-F687-4F45-9708-019B960494DF}">
+              <a14:hiddenLine xmlns:a14="http://schemas.microsoft.com/office/drawing/2010/main" w="9525">
+                <a:solidFill>
+                  <a:srgbClr val="000000"/>
+                </a:solidFill>
+                <a:miter lim="800000"/>
+                <a:headEnd/>
+                <a:tailEnd/>
+              </a14:hiddenLine>
+            </a:ext>
+          </a:extLst>
+        </p:spPr>
+        <p:txBody>
+          <a:bodyPr vert="horz" wrap="square" lIns="91440" tIns="45720" rIns="91440" bIns="45720" numCol="1" anchor="b" anchorCtr="0" compatLnSpc="1">
+            <a:prstTxWarp prst="textNoShape">
+              <a:avLst/>
+            </a:prstTxWarp>
+          </a:bodyPr>
+          <a:lstStyle>
+            <a:lvl1pPr marL="0" indent="0" algn="l" rtl="0" fontAlgn="base">
+              <a:spcBef>
+                <a:spcPct val="20000"/>
+              </a:spcBef>
+              <a:spcAft>
+                <a:spcPct val="0"/>
+              </a:spcAft>
+              <a:buClr>
+                <a:schemeClr val="bg2"/>
+              </a:buClr>
+              <a:buSzPct val="75000"/>
+              <a:buFont typeface="Wingdings" pitchFamily="2" charset="2"/>
+              <a:buNone/>
+              <a:defRPr sz="2400" b="1">
+                <a:solidFill>
+                  <a:schemeClr val="tx1"/>
+                </a:solidFill>
+                <a:latin typeface="+mn-lt"/>
+                <a:ea typeface="+mn-ea"/>
+                <a:cs typeface="+mn-cs"/>
+              </a:defRPr>
+            </a:lvl1pPr>
+            <a:lvl2pPr marL="457200" indent="0" algn="l" rtl="0" fontAlgn="base">
+              <a:spcBef>
+                <a:spcPct val="20000"/>
+              </a:spcBef>
+              <a:spcAft>
+                <a:spcPct val="0"/>
+              </a:spcAft>
+              <a:buClr>
+                <a:schemeClr val="accent1"/>
+              </a:buClr>
+              <a:buSzPct val="80000"/>
+              <a:buFont typeface="Wingdings" pitchFamily="2" charset="2"/>
+              <a:buNone/>
+              <a:defRPr sz="2000" b="1">
+                <a:solidFill>
+                  <a:schemeClr val="tx1"/>
+                </a:solidFill>
+                <a:latin typeface="+mn-lt"/>
+                <a:cs typeface="+mn-cs"/>
+              </a:defRPr>
+            </a:lvl2pPr>
+            <a:lvl3pPr marL="914400" indent="0" algn="l" rtl="0" fontAlgn="base">
+              <a:spcBef>
+                <a:spcPct val="20000"/>
+              </a:spcBef>
+              <a:spcAft>
+                <a:spcPct val="0"/>
+              </a:spcAft>
+              <a:buClr>
+                <a:schemeClr val="bg2"/>
+              </a:buClr>
+              <a:buSzPct val="65000"/>
+              <a:buFont typeface="Wingdings" pitchFamily="2" charset="2"/>
+              <a:buNone/>
+              <a:defRPr sz="1800" b="1">
+                <a:solidFill>
+                  <a:schemeClr val="tx1"/>
+                </a:solidFill>
+                <a:latin typeface="+mn-lt"/>
+                <a:cs typeface="+mn-cs"/>
+              </a:defRPr>
+            </a:lvl3pPr>
+            <a:lvl4pPr marL="1371600" indent="0" algn="l" rtl="0" fontAlgn="base">
+              <a:spcBef>
+                <a:spcPct val="20000"/>
+              </a:spcBef>
+              <a:spcAft>
+                <a:spcPct val="0"/>
+              </a:spcAft>
+              <a:buClr>
+                <a:schemeClr val="accent1"/>
+              </a:buClr>
+              <a:buSzPct val="70000"/>
+              <a:buFont typeface="Wingdings" pitchFamily="2" charset="2"/>
+              <a:buNone/>
+              <a:defRPr sz="1600" b="1">
+                <a:solidFill>
+                  <a:schemeClr val="tx1"/>
+                </a:solidFill>
+                <a:latin typeface="+mn-lt"/>
+                <a:cs typeface="+mn-cs"/>
+              </a:defRPr>
+            </a:lvl4pPr>
+            <a:lvl5pPr marL="1828800" indent="0" algn="l" rtl="0" fontAlgn="base">
+              <a:spcBef>
+                <a:spcPct val="20000"/>
+              </a:spcBef>
+              <a:spcAft>
+                <a:spcPct val="0"/>
+              </a:spcAft>
+              <a:buClr>
+                <a:schemeClr val="bg2"/>
+              </a:buClr>
+              <a:buFont typeface="Wingdings" pitchFamily="2" charset="2"/>
+              <a:buNone/>
+              <a:defRPr sz="1600" b="1">
+                <a:solidFill>
+                  <a:schemeClr val="tx1"/>
+                </a:solidFill>
+                <a:latin typeface="+mn-lt"/>
+                <a:cs typeface="+mn-cs"/>
+              </a:defRPr>
+            </a:lvl5pPr>
+            <a:lvl6pPr marL="2286000" indent="0" algn="l" rtl="0" eaLnBrk="1" fontAlgn="base" hangingPunct="1">
+              <a:spcBef>
+                <a:spcPct val="20000"/>
+              </a:spcBef>
+              <a:spcAft>
+                <a:spcPct val="0"/>
+              </a:spcAft>
+              <a:buClr>
+                <a:schemeClr val="bg2"/>
+              </a:buClr>
+              <a:buFont typeface="Wingdings" pitchFamily="2" charset="2"/>
+              <a:buNone/>
+              <a:defRPr sz="1600" b="1">
+                <a:solidFill>
+                  <a:schemeClr val="tx1"/>
+                </a:solidFill>
+                <a:latin typeface="+mn-lt"/>
+                <a:cs typeface="+mn-cs"/>
+              </a:defRPr>
+            </a:lvl6pPr>
+            <a:lvl7pPr marL="2743200" indent="0" algn="l" rtl="0" eaLnBrk="1" fontAlgn="base" hangingPunct="1">
+              <a:spcBef>
+                <a:spcPct val="20000"/>
+              </a:spcBef>
+              <a:spcAft>
+                <a:spcPct val="0"/>
+              </a:spcAft>
+              <a:buClr>
+                <a:schemeClr val="bg2"/>
+              </a:buClr>
+              <a:buFont typeface="Wingdings" pitchFamily="2" charset="2"/>
+              <a:buNone/>
+              <a:defRPr sz="1600" b="1">
+                <a:solidFill>
+                  <a:schemeClr val="tx1"/>
+                </a:solidFill>
+                <a:latin typeface="+mn-lt"/>
+                <a:cs typeface="+mn-cs"/>
+              </a:defRPr>
+            </a:lvl7pPr>
+            <a:lvl8pPr marL="3200400" indent="0" algn="l" rtl="0" eaLnBrk="1" fontAlgn="base" hangingPunct="1">
+              <a:spcBef>
+                <a:spcPct val="20000"/>
+              </a:spcBef>
+              <a:spcAft>
+                <a:spcPct val="0"/>
+              </a:spcAft>
+              <a:buClr>
+                <a:schemeClr val="bg2"/>
+              </a:buClr>
+              <a:buFont typeface="Wingdings" pitchFamily="2" charset="2"/>
+              <a:buNone/>
+              <a:defRPr sz="1600" b="1">
+                <a:solidFill>
+                  <a:schemeClr val="tx1"/>
+                </a:solidFill>
+                <a:latin typeface="+mn-lt"/>
+                <a:cs typeface="+mn-cs"/>
+              </a:defRPr>
+            </a:lvl8pPr>
+            <a:lvl9pPr marL="3657600" indent="0" algn="l" rtl="0" eaLnBrk="1" fontAlgn="base" hangingPunct="1">
+              <a:spcBef>
+                <a:spcPct val="20000"/>
+              </a:spcBef>
+              <a:spcAft>
+                <a:spcPct val="0"/>
+              </a:spcAft>
+              <a:buClr>
+                <a:schemeClr val="bg2"/>
+              </a:buClr>
+              <a:buFont typeface="Wingdings" pitchFamily="2" charset="2"/>
+              <a:buNone/>
+              <a:defRPr sz="1600" b="1">
+                <a:solidFill>
+                  <a:schemeClr val="tx1"/>
+                </a:solidFill>
+                <a:latin typeface="+mn-lt"/>
+                <a:cs typeface="+mn-cs"/>
+              </a:defRPr>
+            </a:lvl9pPr>
+          </a:lstStyle>
+          <a:p>
+            <a:pPr algn="ctr"/>
+            <a:r>
               <a:rPr lang="ru-RU" sz="1800" b="0" dirty="0" smtClean="0"/>
-              <a:t>Распределение загрузки по процессорам для фазы ГО</a:t>
+              <a:t>Распределение загрузки по процессорам для фазы </a:t>
+            </a:r>
+            <a:r>
+              <a:rPr lang="ru-RU" sz="1800" b="0" dirty="0" smtClean="0"/>
+              <a:t>глобальной оптимизации</a:t>
             </a:r>
             <a:endParaRPr lang="ru-RU" sz="1800" b="0" dirty="0"/>
           </a:p>
         </p:txBody>
       </p:sp>
+      <p:sp>
+        <p:nvSpPr>
+          <p:cNvPr id="18" name="Текст 4"/>
+          <p:cNvSpPr>
+            <a:spLocks noGrp="1"/>
+          </p:cNvSpPr>
+          <p:nvPr>
+            <p:ph type="body" idx="1"/>
+          </p:nvPr>
+        </p:nvSpPr>
+        <p:spPr>
+          <a:xfrm>
+            <a:off x="457201" y="2636913"/>
+            <a:ext cx="4040188" cy="360040"/>
+          </a:xfrm>
+        </p:spPr>
+        <p:txBody>
+          <a:bodyPr/>
+          <a:lstStyle/>
+          <a:p>
+            <a:pPr algn="ctr"/>
+            <a:r>
+              <a:rPr lang="ru-RU" sz="1800" dirty="0" smtClean="0"/>
+              <a:t>Версия 2</a:t>
+            </a:r>
+            <a:endParaRPr lang="ru-RU" sz="1800" dirty="0"/>
+          </a:p>
+        </p:txBody>
+      </p:sp>
+      <p:sp>
+        <p:nvSpPr>
+          <p:cNvPr id="19" name="Текст 6"/>
+          <p:cNvSpPr>
+            <a:spLocks noGrp="1"/>
+          </p:cNvSpPr>
+          <p:nvPr>
+            <p:ph type="body" sz="quarter" idx="3"/>
+          </p:nvPr>
+        </p:nvSpPr>
+        <p:spPr>
+          <a:xfrm>
+            <a:off x="4645026" y="2636913"/>
+            <a:ext cx="4041775" cy="360040"/>
+          </a:xfrm>
+        </p:spPr>
+        <p:txBody>
+          <a:bodyPr/>
+          <a:lstStyle/>
+          <a:p>
+            <a:pPr algn="ctr"/>
+            <a:r>
+              <a:rPr lang="ru-RU" sz="1800" dirty="0" smtClean="0"/>
+              <a:t>Версия 3</a:t>
+            </a:r>
+            <a:endParaRPr lang="ru-RU" sz="1800" dirty="0"/>
+          </a:p>
+        </p:txBody>
+      </p:sp>
     </p:spTree>
+    <p:custDataLst>
+      <p:tags r:id="rId2"/>
+    </p:custDataLst>
     <p:extLst>
       <p:ext uri="{BB962C8B-B14F-4D97-AF65-F5344CB8AC3E}">
         <p14:creationId xmlns:p14="http://schemas.microsoft.com/office/powerpoint/2010/main" val="3487040507"/>
@@ -8532,8 +8852,16 @@
     </p:extLst>
   </p:cSld>
   <p:clrMapOvr>
-    <a:masterClrMapping/>
+    <a:overrideClrMapping bg1="lt1" tx1="dk1" bg2="lt2" tx2="dk2" accent1="accent1" accent2="accent2" accent3="accent3" accent4="accent4" accent5="accent5" accent6="accent6" hlink="hlink" folHlink="folHlink"/>
   </p:clrMapOvr>
+  <mc:AlternateContent xmlns:mc="http://schemas.openxmlformats.org/markup-compatibility/2006">
+    <mc:Choice xmlns:p14="http://schemas.microsoft.com/office/powerpoint/2010/main" Requires="p14">
+      <p:transition spd="slow" p14:dur="2000" advTm="36685"/>
+    </mc:Choice>
+    <mc:Fallback>
+      <p:transition spd="slow" advTm="36685"/>
+    </mc:Fallback>
+  </mc:AlternateContent>
   <p:timing>
     <p:tnLst>
       <p:par>
@@ -8936,68 +9264,6 @@
                                           </p:stCondLst>
                                         </p:cTn>
                                         <p:tgtEl>
-                                          <p:spTgt spid="18">
-                                            <p:txEl>
-                                              <p:pRg st="0" end="0"/>
-                                            </p:txEl>
-                                          </p:spTgt>
-                                        </p:tgtEl>
-                                        <p:attrNameLst>
-                                          <p:attrName>style.visibility</p:attrName>
-                                        </p:attrNameLst>
-                                      </p:cBhvr>
-                                      <p:to>
-                                        <p:strVal val="visible"/>
-                                      </p:to>
-                                    </p:set>
-                                  </p:childTnLst>
-                                </p:cTn>
-                              </p:par>
-                              <p:par>
-                                <p:cTn id="31" presetID="1" presetClass="entr" presetSubtype="0" fill="hold" grpId="0" nodeType="withEffect">
-                                  <p:stCondLst>
-                                    <p:cond delay="0"/>
-                                  </p:stCondLst>
-                                  <p:childTnLst>
-                                    <p:set>
-                                      <p:cBhvr>
-                                        <p:cTn id="32" dur="1" fill="hold">
-                                          <p:stCondLst>
-                                            <p:cond delay="0"/>
-                                          </p:stCondLst>
-                                        </p:cTn>
-                                        <p:tgtEl>
-                                          <p:spTgt spid="19">
-                                            <p:txEl>
-                                              <p:pRg st="0" end="0"/>
-                                            </p:txEl>
-                                          </p:spTgt>
-                                        </p:tgtEl>
-                                        <p:attrNameLst>
-                                          <p:attrName>style.visibility</p:attrName>
-                                        </p:attrNameLst>
-                                      </p:cBhvr>
-                                      <p:to>
-                                        <p:strVal val="visible"/>
-                                      </p:to>
-                                    </p:set>
-                                  </p:childTnLst>
-                                </p:cTn>
-                              </p:par>
-                              <p:par>
-                                <p:cTn id="33" presetID="1" presetClass="entr" presetSubtype="0" fill="hold" grpId="0" nodeType="withEffect">
-                                  <p:stCondLst>
-                                    <p:cond delay="0"/>
-                                  </p:stCondLst>
-                                  <p:childTnLst>
-                                    <p:set>
-                                      <p:cBhvr>
-                                        <p:cTn id="34" dur="1" fill="hold">
-                                          <p:stCondLst>
-                                            <p:cond delay="0"/>
-                                          </p:stCondLst>
-                                        </p:cTn>
-                                        <p:tgtEl>
                                           <p:spTgt spid="20"/>
                                         </p:tgtEl>
                                         <p:attrNameLst>
@@ -9040,8 +9306,6 @@
     </p:tnLst>
     <p:bldLst>
       <p:bldP spid="12" grpId="0"/>
-      <p:bldP spid="18" grpId="0" build="p"/>
-      <p:bldP spid="19" grpId="0" build="p"/>
       <p:bldP spid="20" grpId="0"/>
     </p:bldLst>
   </p:timing>
@@ -9098,14 +9362,14 @@
             <p:ph idx="1"/>
             <p:extLst>
               <p:ext uri="{D42A27DB-BD31-4B8C-83A1-F6EECF244321}">
-                <p14:modId xmlns:p14="http://schemas.microsoft.com/office/powerpoint/2010/main" val="495962011"/>
+                <p14:modId xmlns:p14="http://schemas.microsoft.com/office/powerpoint/2010/main" val="355932770"/>
               </p:ext>
             </p:extLst>
           </p:nvPr>
         </p:nvGraphicFramePr>
         <p:xfrm>
-          <a:off x="179389" y="2436495"/>
-          <a:ext cx="8780463" cy="4560570"/>
+          <a:off x="251520" y="2162268"/>
+          <a:ext cx="8780463" cy="2533464"/>
         </p:xfrm>
         <a:graphic>
           <a:graphicData uri="http://schemas.openxmlformats.org/drawingml/2006/table">
@@ -9117,7 +9381,7 @@
                 <a:gridCol w="5665155"/>
                 <a:gridCol w="3115308"/>
               </a:tblGrid>
-              <a:tr h="325755">
+              <a:tr h="0">
                 <a:tc>
                   <a:txBody>
                     <a:bodyPr/>
@@ -9177,7 +9441,7 @@
                   <a:tcPr marL="68580" marR="68580" marT="0" marB="0" anchor="ctr"/>
                 </a:tc>
               </a:tr>
-              <a:tr h="651510">
+              <a:tr h="0">
                 <a:tc>
                   <a:txBody>
                     <a:bodyPr/>
@@ -9237,7 +9501,7 @@
                   <a:tcPr marL="68580" marR="68580" marT="0" marB="0" anchor="ctr"/>
                 </a:tc>
               </a:tr>
-              <a:tr h="977265">
+              <a:tr h="0">
                 <a:tc>
                   <a:txBody>
                     <a:bodyPr/>
@@ -9309,7 +9573,7 @@
                   <a:tcPr marL="68580" marR="68580" marT="0" marB="0" anchor="ctr"/>
                 </a:tc>
               </a:tr>
-              <a:tr h="325755">
+              <a:tr h="0">
                 <a:tc>
                   <a:txBody>
                     <a:bodyPr/>
@@ -9375,7 +9639,7 @@
                   <a:tcPr marL="68580" marR="68580" marT="0" marB="0" anchor="ctr"/>
                 </a:tc>
               </a:tr>
-              <a:tr h="651510">
+              <a:tr h="0">
                 <a:tc>
                   <a:txBody>
                     <a:bodyPr/>
@@ -9393,7 +9657,13 @@
                         <a:rPr lang="ru-RU" sz="1400" dirty="0">
                           <a:effectLst/>
                         </a:rPr>
-                        <a:t>Общее число вызовов функций</a:t>
+                        <a:t>Общее </a:t>
+                      </a:r>
+                      <a:r>
+                        <a:rPr lang="ru-RU" sz="1400" dirty="0" smtClean="0">
+                          <a:effectLst/>
+                        </a:rPr>
+                        <a:t>количество вычислений функции</a:t>
                       </a:r>
                       <a:endParaRPr lang="ru-RU" sz="1400" dirty="0">
                         <a:effectLst/>
@@ -9419,12 +9689,12 @@
                         </a:spcAft>
                       </a:pPr>
                       <a:r>
-                        <a:rPr lang="en-US" sz="1400">
+                        <a:rPr lang="en-US" sz="1400" dirty="0">
                           <a:effectLst/>
                         </a:rPr>
                         <a:t>983770</a:t>
                       </a:r>
-                      <a:endParaRPr lang="ru-RU" sz="1400">
+                      <a:endParaRPr lang="ru-RU" sz="1400" dirty="0">
                         <a:effectLst/>
                         <a:latin typeface="Times New Roman"/>
                         <a:ea typeface="Calibri"/>
@@ -9435,7 +9705,7 @@
                   <a:tcPr marL="68580" marR="68580" marT="0" marB="0" anchor="ctr"/>
                 </a:tc>
               </a:tr>
-              <a:tr h="325755">
+              <a:tr h="0">
                 <a:tc>
                   <a:txBody>
                     <a:bodyPr/>
@@ -9479,12 +9749,12 @@
                         </a:spcAft>
                       </a:pPr>
                       <a:r>
-                        <a:rPr lang="ru-RU" sz="1400">
+                        <a:rPr lang="ru-RU" sz="1400" dirty="0" smtClean="0">
                           <a:effectLst/>
                         </a:rPr>
-                        <a:t>286,18 сек</a:t>
+                        <a:t>286,18</a:t>
                       </a:r>
-                      <a:endParaRPr lang="ru-RU" sz="1400">
+                      <a:endParaRPr lang="ru-RU" sz="1400" dirty="0">
                         <a:effectLst/>
                         <a:latin typeface="Times New Roman"/>
                         <a:ea typeface="Calibri"/>
@@ -9495,7 +9765,7 @@
                   <a:tcPr marL="68580" marR="68580" marT="0" marB="0" anchor="ctr"/>
                 </a:tc>
               </a:tr>
-              <a:tr h="325755">
+              <a:tr h="0">
                 <a:tc>
                   <a:txBody>
                     <a:bodyPr/>
@@ -9510,12 +9780,18 @@
                         </a:spcAft>
                       </a:pPr>
                       <a:r>
-                        <a:rPr lang="ru-RU" sz="1400">
+                        <a:rPr lang="ru-RU" sz="1400" dirty="0" smtClean="0">
                           <a:effectLst/>
                         </a:rPr>
-                        <a:t>Ускорение глобального этапа</a:t>
+                        <a:t>Ускорение глобального </a:t>
                       </a:r>
-                      <a:endParaRPr lang="ru-RU" sz="1400">
+                      <a:r>
+                        <a:rPr lang="ru-RU" sz="1400" dirty="0">
+                          <a:effectLst/>
+                        </a:rPr>
+                        <a:t>этапа</a:t>
+                      </a:r>
+                      <a:endParaRPr lang="ru-RU" sz="1400" dirty="0">
                         <a:effectLst/>
                         <a:latin typeface="Times New Roman"/>
                         <a:ea typeface="Calibri"/>
@@ -9539,12 +9815,12 @@
                         </a:spcAft>
                       </a:pPr>
                       <a:r>
-                        <a:rPr lang="ru-RU" sz="1400">
+                        <a:rPr lang="ru-RU" sz="1400" dirty="0" smtClean="0">
                           <a:effectLst/>
                         </a:rPr>
-                        <a:t>310,34 сек</a:t>
+                        <a:t>310,34</a:t>
                       </a:r>
-                      <a:endParaRPr lang="ru-RU" sz="1400">
+                      <a:endParaRPr lang="ru-RU" sz="1400" dirty="0">
                         <a:effectLst/>
                         <a:latin typeface="Times New Roman"/>
                         <a:ea typeface="Calibri"/>
@@ -9555,7 +9831,7 @@
                   <a:tcPr marL="68580" marR="68580" marT="0" marB="0" anchor="ctr"/>
                 </a:tc>
               </a:tr>
-              <a:tr h="325755">
+              <a:tr h="0">
                 <a:tc>
                   <a:txBody>
                     <a:bodyPr/>
@@ -9570,12 +9846,18 @@
                         </a:spcAft>
                       </a:pPr>
                       <a:r>
-                        <a:rPr lang="ru-RU" sz="1400">
+                        <a:rPr lang="ru-RU" sz="1400" dirty="0" smtClean="0">
                           <a:effectLst/>
                         </a:rPr>
-                        <a:t>Ускорение локального этапа</a:t>
+                        <a:t>Ускорение локального </a:t>
                       </a:r>
-                      <a:endParaRPr lang="ru-RU" sz="1400">
+                      <a:r>
+                        <a:rPr lang="ru-RU" sz="1400" dirty="0">
+                          <a:effectLst/>
+                        </a:rPr>
+                        <a:t>этапа</a:t>
+                      </a:r>
+                      <a:endParaRPr lang="ru-RU" sz="1400" dirty="0">
                         <a:effectLst/>
                         <a:latin typeface="Times New Roman"/>
                         <a:ea typeface="Calibri"/>
@@ -9599,12 +9881,12 @@
                         </a:spcAft>
                       </a:pPr>
                       <a:r>
-                        <a:rPr lang="ru-RU" sz="1400">
+                        <a:rPr lang="ru-RU" sz="1400" dirty="0" smtClean="0">
                           <a:effectLst/>
                         </a:rPr>
-                        <a:t>218,08 сек</a:t>
+                        <a:t>218,08</a:t>
                       </a:r>
-                      <a:endParaRPr lang="ru-RU" sz="1400">
+                      <a:endParaRPr lang="ru-RU" sz="1400" dirty="0">
                         <a:effectLst/>
                         <a:latin typeface="Times New Roman"/>
                         <a:ea typeface="Calibri"/>
@@ -9615,7 +9897,7 @@
                   <a:tcPr marL="68580" marR="68580" marT="0" marB="0" anchor="ctr"/>
                 </a:tc>
               </a:tr>
-              <a:tr h="651510">
+              <a:tr h="0">
                 <a:tc>
                   <a:txBody>
                     <a:bodyPr/>
@@ -9630,12 +9912,12 @@
                         </a:spcAft>
                       </a:pPr>
                       <a:r>
-                        <a:rPr lang="ru-RU" sz="1400">
+                        <a:rPr lang="ru-RU" sz="1400" dirty="0">
                           <a:effectLst/>
                         </a:rPr>
                         <a:t>Общее время работы алгоритма</a:t>
                       </a:r>
-                      <a:endParaRPr lang="ru-RU" sz="1400">
+                      <a:endParaRPr lang="ru-RU" sz="1400" dirty="0">
                         <a:effectLst/>
                         <a:latin typeface="Times New Roman"/>
                         <a:ea typeface="Calibri"/>
@@ -9718,6 +10000,14 @@
   <p:clrMapOvr>
     <a:masterClrMapping/>
   </p:clrMapOvr>
+  <mc:AlternateContent xmlns:mc="http://schemas.openxmlformats.org/markup-compatibility/2006">
+    <mc:Choice xmlns:p14="http://schemas.microsoft.com/office/powerpoint/2010/main" Requires="p14">
+      <p:transition spd="slow" p14:dur="2000" advTm="35562"/>
+    </mc:Choice>
+    <mc:Fallback>
+      <p:transition spd="slow" advTm="35562"/>
+    </mc:Fallback>
+  </mc:AlternateContent>
   <p:timing>
     <p:tnLst>
       <p:par>
@@ -10326,7 +10616,7 @@
           <a:graphicData uri="http://schemas.openxmlformats.org/presentationml/2006/ole">
             <mc:AlternateContent xmlns:mc="http://schemas.openxmlformats.org/markup-compatibility/2006">
               <mc:Choice xmlns:v="urn:schemas-microsoft-com:vml" Requires="v">
-                <p:oleObj spid="_x0000_s7446" name="Формула" r:id="rId6" imgW="977900" imgH="228600" progId="Equation.3">
+                <p:oleObj spid="_x0000_s7582" name="Формула" r:id="rId6" imgW="977900" imgH="228600" progId="Equation.3">
                   <p:embed/>
                 </p:oleObj>
               </mc:Choice>
@@ -10469,7 +10759,7 @@
           <a:graphicData uri="http://schemas.openxmlformats.org/presentationml/2006/ole">
             <mc:AlternateContent xmlns:mc="http://schemas.openxmlformats.org/markup-compatibility/2006">
               <mc:Choice xmlns:v="urn:schemas-microsoft-com:vml" Requires="v">
-                <p:oleObj spid="_x0000_s7447" name="Формула" r:id="rId8" imgW="444307" imgH="368140" progId="Equation.3">
+                <p:oleObj spid="_x0000_s7583" name="Формула" r:id="rId8" imgW="444307" imgH="368140" progId="Equation.3">
                   <p:embed/>
                 </p:oleObj>
               </mc:Choice>
@@ -10876,7 +11166,25 @@
               <a:rPr lang="ru-RU" sz="1100" dirty="0">
                 <a:latin typeface="Calibri" pitchFamily="34" charset="0"/>
               </a:rPr>
-              <a:t>Рисунок 1 – Модель ГПД</a:t>
+              <a:t>Рисунок </a:t>
+            </a:r>
+            <a:r>
+              <a:rPr lang="ru-RU" sz="1100" dirty="0" smtClean="0">
+                <a:latin typeface="Calibri" pitchFamily="34" charset="0"/>
+              </a:rPr>
+              <a:t>14</a:t>
+            </a:r>
+            <a:r>
+              <a:rPr lang="ru-RU" sz="1100" dirty="0" smtClean="0">
+                <a:latin typeface="Calibri" pitchFamily="34" charset="0"/>
+              </a:rPr>
+              <a:t> </a:t>
+            </a:r>
+            <a:r>
+              <a:rPr lang="ru-RU" sz="1100" dirty="0">
+                <a:latin typeface="Calibri" pitchFamily="34" charset="0"/>
+              </a:rPr>
+              <a:t>– Модель ГПД</a:t>
             </a:r>
             <a:endParaRPr lang="ru-RU" dirty="0"/>
           </a:p>
@@ -10893,7 +11201,7 @@
         <p:spPr bwMode="auto">
           <a:xfrm>
             <a:off x="8318500" y="2243138"/>
-            <a:ext cx="466794" cy="369332"/>
+            <a:ext cx="595035" cy="369332"/>
           </a:xfrm>
           <a:prstGeom prst="rect">
             <a:avLst/>
@@ -11036,9 +11344,14 @@
           <a:p>
             <a:pPr eaLnBrk="1" hangingPunct="1"/>
             <a:r>
-              <a:rPr lang="ru-RU"/>
-              <a:t>(1)</a:t>
-            </a:r>
+              <a:rPr lang="ru-RU" dirty="0"/>
+              <a:t>(</a:t>
+            </a:r>
+            <a:r>
+              <a:rPr lang="ru-RU" dirty="0" smtClean="0"/>
+              <a:t>13)</a:t>
+            </a:r>
+            <a:endParaRPr lang="ru-RU" dirty="0"/>
           </a:p>
         </p:txBody>
       </p:sp>
@@ -11053,7 +11366,7 @@
         <p:spPr bwMode="auto">
           <a:xfrm>
             <a:off x="8318500" y="4076700"/>
-            <a:ext cx="466794" cy="369332"/>
+            <a:ext cx="595035" cy="369332"/>
           </a:xfrm>
           <a:prstGeom prst="rect">
             <a:avLst/>
@@ -11196,9 +11509,10 @@
           <a:p>
             <a:pPr eaLnBrk="1" hangingPunct="1"/>
             <a:r>
-              <a:rPr lang="ru-RU"/>
-              <a:t>(2)</a:t>
-            </a:r>
+              <a:rPr lang="ru-RU" dirty="0" smtClean="0"/>
+              <a:t>(14)</a:t>
+            </a:r>
+            <a:endParaRPr lang="ru-RU" dirty="0"/>
           </a:p>
         </p:txBody>
       </p:sp>
@@ -11212,6 +11526,14 @@
   <p:clrMapOvr>
     <a:masterClrMapping/>
   </p:clrMapOvr>
+  <mc:AlternateContent xmlns:mc="http://schemas.openxmlformats.org/markup-compatibility/2006">
+    <mc:Choice xmlns:p14="http://schemas.microsoft.com/office/powerpoint/2010/main" Requires="p14">
+      <p:transition spd="slow" p14:dur="2000" advTm="57298"/>
+    </mc:Choice>
+    <mc:Fallback>
+      <p:transition spd="slow" advTm="57298"/>
+    </mc:Fallback>
+  </mc:AlternateContent>
   <p:timing>
     <p:tnLst>
       <p:par>
@@ -12156,7 +12478,7 @@
         <p:spPr bwMode="auto">
           <a:xfrm>
             <a:off x="4211960" y="1897063"/>
-            <a:ext cx="466794" cy="369332"/>
+            <a:ext cx="595035" cy="369332"/>
           </a:xfrm>
           <a:prstGeom prst="rect">
             <a:avLst/>
@@ -12299,9 +12621,10 @@
           <a:p>
             <a:pPr eaLnBrk="1" hangingPunct="1"/>
             <a:r>
-              <a:rPr lang="ru-RU" dirty="0"/>
-              <a:t>(3)</a:t>
-            </a:r>
+              <a:rPr lang="ru-RU" dirty="0" smtClean="0"/>
+              <a:t>(15)</a:t>
+            </a:r>
+            <a:endParaRPr lang="ru-RU" dirty="0"/>
           </a:p>
         </p:txBody>
       </p:sp>
@@ -12316,7 +12639,7 @@
         <p:spPr bwMode="auto">
           <a:xfrm>
             <a:off x="4211960" y="2900363"/>
-            <a:ext cx="466794" cy="369332"/>
+            <a:ext cx="595035" cy="369332"/>
           </a:xfrm>
           <a:prstGeom prst="rect">
             <a:avLst/>
@@ -12459,9 +12782,10 @@
           <a:p>
             <a:pPr eaLnBrk="1" hangingPunct="1"/>
             <a:r>
-              <a:rPr lang="ru-RU" dirty="0"/>
-              <a:t>(4)</a:t>
-            </a:r>
+              <a:rPr lang="ru-RU" dirty="0" smtClean="0"/>
+              <a:t>(16)</a:t>
+            </a:r>
+            <a:endParaRPr lang="ru-RU" dirty="0"/>
           </a:p>
         </p:txBody>
       </p:sp>
@@ -12476,7 +12800,7 @@
         <p:spPr bwMode="auto">
           <a:xfrm>
             <a:off x="4249292" y="4557713"/>
-            <a:ext cx="466794" cy="369332"/>
+            <a:ext cx="595035" cy="369332"/>
           </a:xfrm>
           <a:prstGeom prst="rect">
             <a:avLst/>
@@ -12619,9 +12943,10 @@
           <a:p>
             <a:pPr eaLnBrk="1" hangingPunct="1"/>
             <a:r>
-              <a:rPr lang="ru-RU" dirty="0"/>
-              <a:t>(5)</a:t>
-            </a:r>
+              <a:rPr lang="ru-RU" dirty="0" smtClean="0"/>
+              <a:t>(17)</a:t>
+            </a:r>
+            <a:endParaRPr lang="ru-RU" dirty="0"/>
           </a:p>
         </p:txBody>
       </p:sp>
@@ -12636,7 +12961,7 @@
         <p:spPr bwMode="auto">
           <a:xfrm>
             <a:off x="4753348" y="5781675"/>
-            <a:ext cx="466794" cy="369332"/>
+            <a:ext cx="595035" cy="369332"/>
           </a:xfrm>
           <a:prstGeom prst="rect">
             <a:avLst/>
@@ -12779,9 +13104,10 @@
           <a:p>
             <a:pPr eaLnBrk="1" hangingPunct="1"/>
             <a:r>
-              <a:rPr lang="ru-RU" dirty="0"/>
-              <a:t>(6)</a:t>
-            </a:r>
+              <a:rPr lang="ru-RU" dirty="0" smtClean="0"/>
+              <a:t>(18)</a:t>
+            </a:r>
+            <a:endParaRPr lang="ru-RU" dirty="0"/>
           </a:p>
         </p:txBody>
       </p:sp>
@@ -12826,7 +13152,7 @@
       </p:pic>
       <p:sp>
         <p:nvSpPr>
-          <p:cNvPr id="20" name="Надпись 2"/>
+          <p:cNvPr id="19" name="Надпись 2"/>
           <p:cNvSpPr txBox="1">
             <a:spLocks noChangeArrowheads="1"/>
           </p:cNvSpPr>
@@ -12834,8 +13160,8 @@
         </p:nvSpPr>
         <p:spPr bwMode="auto">
           <a:xfrm>
-            <a:off x="4788026" y="4926013"/>
-            <a:ext cx="4321175" cy="241980"/>
+            <a:off x="5364089" y="4936509"/>
+            <a:ext cx="3451225" cy="241980"/>
           </a:xfrm>
           <a:prstGeom prst="rect">
             <a:avLst/>
@@ -12860,7 +13186,7 @@
           </a:extLst>
         </p:spPr>
         <p:txBody>
-          <a:bodyPr lIns="36000" tIns="36000" rIns="36000" bIns="36000">
+          <a:bodyPr wrap="square" lIns="36000" tIns="36000" rIns="36000" bIns="36000">
             <a:spAutoFit/>
           </a:bodyPr>
           <a:lstStyle>
@@ -12977,8 +13303,34 @@
               </a:spcAft>
             </a:pPr>
             <a:r>
-              <a:rPr lang="ru-RU" sz="1100" dirty="0"/>
-              <a:t>Рисунок 2 – Вид целевой функции для 2-х шайб</a:t>
+              <a:rPr lang="ru-RU" sz="1100" dirty="0">
+                <a:latin typeface="Calibri" pitchFamily="34" charset="0"/>
+              </a:rPr>
+              <a:t>Рисунок </a:t>
+            </a:r>
+            <a:r>
+              <a:rPr lang="ru-RU" sz="1100" dirty="0" smtClean="0">
+                <a:latin typeface="Calibri" pitchFamily="34" charset="0"/>
+              </a:rPr>
+              <a:t>15 </a:t>
+            </a:r>
+            <a:r>
+              <a:rPr lang="ru-RU" sz="1100" dirty="0">
+                <a:latin typeface="Calibri" pitchFamily="34" charset="0"/>
+              </a:rPr>
+              <a:t>– </a:t>
+            </a:r>
+            <a:r>
+              <a:rPr lang="ru-RU" sz="1100" dirty="0" smtClean="0">
+                <a:latin typeface="Calibri" pitchFamily="34" charset="0"/>
+              </a:rPr>
+              <a:t>Вид целево</a:t>
+            </a:r>
+            <a:r>
+              <a:rPr lang="ru-RU" sz="1100" dirty="0" smtClean="0">
+                <a:latin typeface="Calibri" pitchFamily="34" charset="0"/>
+              </a:rPr>
+              <a:t>й функции для 2-х шайб</a:t>
             </a:r>
             <a:endParaRPr lang="ru-RU" dirty="0"/>
           </a:p>
@@ -12994,6 +13346,14 @@
   <p:clrMapOvr>
     <a:masterClrMapping/>
   </p:clrMapOvr>
+  <mc:AlternateContent xmlns:mc="http://schemas.openxmlformats.org/markup-compatibility/2006">
+    <mc:Choice xmlns:p14="http://schemas.microsoft.com/office/powerpoint/2010/main" Requires="p14">
+      <p:transition spd="slow" p14:dur="2000" advTm="41143"/>
+    </mc:Choice>
+    <mc:Fallback>
+      <p:transition spd="slow" advTm="41143"/>
+    </mc:Fallback>
+  </mc:AlternateContent>
   <p:timing>
     <p:tnLst>
       <p:par>
@@ -13124,7 +13484,21 @@
                 <a:latin typeface="Calibri" pitchFamily="34" charset="0"/>
                 <a:cs typeface="Arial" pitchFamily="34" charset="0"/>
               </a:rPr>
-              <a:t>Рисунок 9 –</a:t>
+              <a:t>Рисунок </a:t>
+            </a:r>
+            <a:r>
+              <a:rPr lang="ru-RU" sz="1050" dirty="0" smtClean="0">
+                <a:latin typeface="Calibri" pitchFamily="34" charset="0"/>
+                <a:cs typeface="Arial" pitchFamily="34" charset="0"/>
+              </a:rPr>
+              <a:t>16 </a:t>
+            </a:r>
+            <a:r>
+              <a:rPr lang="ru-RU" sz="1050" dirty="0" smtClean="0">
+                <a:latin typeface="Calibri" pitchFamily="34" charset="0"/>
+                <a:cs typeface="Arial" pitchFamily="34" charset="0"/>
+              </a:rPr>
+              <a:t>–</a:t>
             </a:r>
             <a:r>
               <a:rPr lang="ru-RU" sz="1050" dirty="0" smtClean="0"/>
@@ -13373,7 +13747,14 @@
                 <a:latin typeface="Arial" pitchFamily="34" charset="0"/>
                 <a:cs typeface="Arial" pitchFamily="34" charset="0"/>
               </a:rPr>
-              <a:t>10 </a:t>
+              <a:t>16</a:t>
+            </a:r>
+            <a:r>
+              <a:rPr lang="ru-RU" sz="1050" dirty="0" smtClean="0">
+                <a:latin typeface="Arial" pitchFamily="34" charset="0"/>
+                <a:cs typeface="Arial" pitchFamily="34" charset="0"/>
+              </a:rPr>
+              <a:t> </a:t>
             </a:r>
             <a:r>
               <a:rPr lang="ru-RU" sz="1050" dirty="0">
@@ -13634,6 +14015,14 @@
   <p:clrMapOvr>
     <a:masterClrMapping/>
   </p:clrMapOvr>
+  <mc:AlternateContent xmlns:mc="http://schemas.openxmlformats.org/markup-compatibility/2006">
+    <mc:Choice xmlns:p14="http://schemas.microsoft.com/office/powerpoint/2010/main" Requires="p14">
+      <p:transition spd="slow" p14:dur="2000" advTm="59130"/>
+    </mc:Choice>
+    <mc:Fallback>
+      <p:transition spd="slow" advTm="59130"/>
+    </mc:Fallback>
+  </mc:AlternateContent>
   <p:timing>
     <p:tnLst>
       <p:par>
@@ -13743,14 +14132,24 @@
             </a:r>
             <a:r>
               <a:rPr lang="ru-RU" sz="2000" dirty="0" smtClean="0"/>
-              <a:t>ГО.</a:t>
-            </a:r>
+              <a:t>глобальной оптимизации</a:t>
+            </a:r>
+            <a:r>
+              <a:rPr lang="ru-RU" sz="2000" dirty="0" smtClean="0"/>
+              <a:t>.</a:t>
+            </a:r>
+            <a:endParaRPr lang="ru-RU" sz="2000" dirty="0" smtClean="0"/>
           </a:p>
           <a:p>
             <a:r>
               <a:rPr lang="ru-RU" sz="2000" dirty="0"/>
-              <a:t>Реализован поиск рациональных параметров гасителя пульсаций давлений</a:t>
-            </a:r>
+              <a:t>Реализован поиск рациональных параметров гасителя пульсаций </a:t>
+            </a:r>
+            <a:r>
+              <a:rPr lang="ru-RU" sz="2000" dirty="0" smtClean="0"/>
+              <a:t>давлений.</a:t>
+            </a:r>
+            <a:endParaRPr lang="ru-RU" sz="2000" dirty="0"/>
           </a:p>
         </p:txBody>
       </p:sp>
@@ -13793,6 +14192,14 @@
   <p:clrMapOvr>
     <a:masterClrMapping/>
   </p:clrMapOvr>
+  <mc:AlternateContent xmlns:mc="http://schemas.openxmlformats.org/markup-compatibility/2006">
+    <mc:Choice xmlns:p14="http://schemas.microsoft.com/office/powerpoint/2010/main" Requires="p14">
+      <p:transition spd="slow" p14:dur="2000" advTm="14544"/>
+    </mc:Choice>
+    <mc:Fallback>
+      <p:transition spd="slow" advTm="14544"/>
+    </mc:Fallback>
+  </mc:AlternateContent>
   <p:timing>
     <p:tnLst>
       <p:par>
@@ -13891,6 +14298,14 @@
   <p:clrMapOvr>
     <a:masterClrMapping/>
   </p:clrMapOvr>
+  <mc:AlternateContent xmlns:mc="http://schemas.openxmlformats.org/markup-compatibility/2006">
+    <mc:Choice xmlns:p14="http://schemas.microsoft.com/office/powerpoint/2010/main" Requires="p14">
+      <p:transition spd="slow" p14:dur="2000" advTm="2164"/>
+    </mc:Choice>
+    <mc:Fallback>
+      <p:transition spd="slow" advTm="2164"/>
+    </mc:Fallback>
+  </mc:AlternateContent>
   <p:timing>
     <p:tnLst>
       <p:par>
@@ -13918,6 +14333,43 @@
           <a:chExt cx="0" cy="0"/>
         </a:xfrm>
       </p:grpSpPr>
+    </p:spTree>
+    <p:extLst>
+      <p:ext uri="{BB962C8B-B14F-4D97-AF65-F5344CB8AC3E}">
+        <p14:creationId xmlns:p14="http://schemas.microsoft.com/office/powerpoint/2010/main" val="1786245286"/>
+      </p:ext>
+    </p:extLst>
+  </p:cSld>
+  <p:clrMapOvr>
+    <a:masterClrMapping/>
+  </p:clrMapOvr>
+  <p:timing>
+    <p:tnLst>
+      <p:par>
+        <p:cTn id="1" dur="indefinite" restart="never" nodeType="tmRoot"/>
+      </p:par>
+    </p:tnLst>
+  </p:timing>
+</p:sld>
+</file>
+
+<file path=ppt/slides/slide18.xml><?xml version="1.0" encoding="utf-8"?>
+<p:sld xmlns:a="http://schemas.openxmlformats.org/drawingml/2006/main" xmlns:r="http://schemas.openxmlformats.org/officeDocument/2006/relationships" xmlns:p="http://schemas.openxmlformats.org/presentationml/2006/main">
+  <p:cSld>
+    <p:spTree>
+      <p:nvGrpSpPr>
+        <p:cNvPr id="1" name=""/>
+        <p:cNvGrpSpPr/>
+        <p:nvPr/>
+      </p:nvGrpSpPr>
+      <p:grpSpPr>
+        <a:xfrm>
+          <a:off x="0" y="0"/>
+          <a:ext cx="0" cy="0"/>
+          <a:chOff x="0" y="0"/>
+          <a:chExt cx="0" cy="0"/>
+        </a:xfrm>
+      </p:grpSpPr>
       <p:sp>
         <p:nvSpPr>
           <p:cNvPr id="2" name="Заголовок 1"/>
@@ -13968,7 +14420,7 @@
               <a:pPr>
                 <a:defRPr/>
               </a:pPr>
-              <a:t>17</a:t>
+              <a:t>18</a:t>
             </a:fld>
             <a:endParaRPr lang="ru-RU"/>
           </a:p>
@@ -14212,6 +14664,14 @@
   <p:clrMapOvr>
     <a:masterClrMapping/>
   </p:clrMapOvr>
+  <mc:AlternateContent xmlns:mc="http://schemas.openxmlformats.org/markup-compatibility/2006">
+    <mc:Choice xmlns:p14="http://schemas.microsoft.com/office/powerpoint/2010/main" Requires="p14">
+      <p:transition spd="slow" p14:dur="2000" advTm="871"/>
+    </mc:Choice>
+    <mc:Fallback>
+      <p:transition spd="slow" advTm="871"/>
+    </mc:Fallback>
+  </mc:AlternateContent>
   <p:timing>
     <p:tnLst>
       <p:par>
@@ -14963,19 +15423,7 @@
             </a:r>
             <a:r>
               <a:rPr lang="ru-RU" sz="2000" dirty="0" smtClean="0"/>
-              <a:t>параллельно</a:t>
-            </a:r>
-            <a:r>
-              <a:rPr lang="ru-RU" sz="2000" dirty="0" smtClean="0"/>
-              <a:t>го</a:t>
-            </a:r>
-            <a:r>
-              <a:rPr lang="ru-RU" sz="2000" dirty="0" smtClean="0"/>
-              <a:t> алгоритма </a:t>
-            </a:r>
-            <a:r>
-              <a:rPr lang="ru-RU" sz="2000" dirty="0" smtClean="0"/>
-              <a:t>глобальной оптимизации </a:t>
+              <a:t>параллельного алгоритма глобальной оптимизации </a:t>
             </a:r>
             <a:r>
               <a:rPr lang="ru-RU" sz="2000" dirty="0"/>
@@ -14985,7 +15433,6 @@
               <a:rPr lang="ru-RU" sz="2000" dirty="0" smtClean="0"/>
               <a:t>переменных модифицированным методом половинного деления. </a:t>
             </a:r>
-            <a:endParaRPr lang="ru-RU" sz="2000" dirty="0" smtClean="0"/>
           </a:p>
           <a:p>
             <a:r>
@@ -15104,6 +15551,14 @@
   <p:clrMapOvr>
     <a:masterClrMapping/>
   </p:clrMapOvr>
+  <mc:AlternateContent xmlns:mc="http://schemas.openxmlformats.org/markup-compatibility/2006">
+    <mc:Choice xmlns:p14="http://schemas.microsoft.com/office/powerpoint/2010/main" Requires="p14">
+      <p:transition spd="slow" p14:dur="2000" advTm="6576"/>
+    </mc:Choice>
+    <mc:Fallback>
+      <p:transition spd="slow" advTm="6576"/>
+    </mc:Fallback>
+  </mc:AlternateContent>
   <p:timing>
     <p:tnLst>
       <p:par>
@@ -15268,7 +15723,7 @@
           <a:graphicData uri="http://schemas.openxmlformats.org/presentationml/2006/ole">
             <mc:AlternateContent xmlns:mc="http://schemas.openxmlformats.org/markup-compatibility/2006">
               <mc:Choice xmlns:v="urn:schemas-microsoft-com:vml" Requires="v">
-                <p:oleObj spid="_x0000_s6079" name="Формула" r:id="rId4" imgW="2005729" imgH="355446" progId="Equation.3">
+                <p:oleObj spid="_x0000_s10651" name="Формула" r:id="rId4" imgW="2005729" imgH="355446" progId="Equation.3">
                   <p:embed/>
                 </p:oleObj>
               </mc:Choice>
@@ -15440,7 +15895,7 @@
           <a:graphicData uri="http://schemas.openxmlformats.org/presentationml/2006/ole">
             <mc:AlternateContent xmlns:mc="http://schemas.openxmlformats.org/markup-compatibility/2006">
               <mc:Choice xmlns:v="urn:schemas-microsoft-com:vml" Requires="v">
-                <p:oleObj spid="_x0000_s6080" name="Формула" r:id="rId6" imgW="888614" imgH="304668" progId="Equation.3">
+                <p:oleObj spid="_x0000_s10652" name="Формула" r:id="rId6" imgW="888614" imgH="304668" progId="Equation.3">
                   <p:embed/>
                 </p:oleObj>
               </mc:Choice>
@@ -15570,7 +16025,7 @@
           <a:graphicData uri="http://schemas.openxmlformats.org/presentationml/2006/ole">
             <mc:AlternateContent xmlns:mc="http://schemas.openxmlformats.org/markup-compatibility/2006">
               <mc:Choice xmlns:v="urn:schemas-microsoft-com:vml" Requires="v">
-                <p:oleObj spid="_x0000_s6081" name="Формула" r:id="rId8" imgW="583947" imgH="253890" progId="Equation.3">
+                <p:oleObj spid="_x0000_s10653" name="Формула" r:id="rId8" imgW="583947" imgH="253890" progId="Equation.3">
                   <p:embed/>
                 </p:oleObj>
               </mc:Choice>
@@ -15837,7 +16292,7 @@
           <a:graphicData uri="http://schemas.openxmlformats.org/presentationml/2006/ole">
             <mc:AlternateContent xmlns:mc="http://schemas.openxmlformats.org/markup-compatibility/2006">
               <mc:Choice xmlns:v="urn:schemas-microsoft-com:vml" Requires="v">
-                <p:oleObj spid="_x0000_s6082" name="Формула" r:id="rId10" imgW="634725" imgH="241195" progId="Equation.3">
+                <p:oleObj spid="_x0000_s10654" name="Формула" r:id="rId10" imgW="634725" imgH="241195" progId="Equation.3">
                   <p:embed/>
                 </p:oleObj>
               </mc:Choice>
@@ -15996,7 +16451,7 @@
           <a:graphicData uri="http://schemas.openxmlformats.org/presentationml/2006/ole">
             <mc:AlternateContent xmlns:mc="http://schemas.openxmlformats.org/markup-compatibility/2006">
               <mc:Choice xmlns:v="urn:schemas-microsoft-com:vml" Requires="v">
-                <p:oleObj spid="_x0000_s6083" name="Формула" r:id="rId12" imgW="889000" imgH="508000" progId="Equation.3">
+                <p:oleObj spid="_x0000_s10655" name="Формула" r:id="rId12" imgW="889000" imgH="508000" progId="Equation.3">
                   <p:embed/>
                 </p:oleObj>
               </mc:Choice>
@@ -16215,7 +16670,7 @@
           <a:graphicData uri="http://schemas.openxmlformats.org/presentationml/2006/ole">
             <mc:AlternateContent xmlns:mc="http://schemas.openxmlformats.org/markup-compatibility/2006">
               <mc:Choice xmlns:v="urn:schemas-microsoft-com:vml" Requires="v">
-                <p:oleObj spid="_x0000_s6084" name="Формула" r:id="rId14" imgW="2057400" imgH="304800" progId="Equation.3">
+                <p:oleObj spid="_x0000_s10656" name="Формула" r:id="rId14" imgW="2057400" imgH="304800" progId="Equation.3">
                   <p:embed/>
                 </p:oleObj>
               </mc:Choice>
@@ -16375,7 +16830,7 @@
           <a:graphicData uri="http://schemas.openxmlformats.org/presentationml/2006/ole">
             <mc:AlternateContent xmlns:mc="http://schemas.openxmlformats.org/markup-compatibility/2006">
               <mc:Choice xmlns:v="urn:schemas-microsoft-com:vml" Requires="v">
-                <p:oleObj spid="_x0000_s6085" name="Формула" r:id="rId16" imgW="279279" imgH="304668" progId="Equation.3">
+                <p:oleObj spid="_x0000_s10657" name="Формула" r:id="rId16" imgW="279279" imgH="304668" progId="Equation.3">
                   <p:embed/>
                 </p:oleObj>
               </mc:Choice>
@@ -16550,6 +17005,14 @@
   <p:clrMapOvr>
     <a:masterClrMapping/>
   </p:clrMapOvr>
+  <mc:AlternateContent xmlns:mc="http://schemas.openxmlformats.org/markup-compatibility/2006">
+    <mc:Choice xmlns:p14="http://schemas.microsoft.com/office/powerpoint/2010/main" Requires="p14">
+      <p:transition spd="slow" p14:dur="2000" advTm="27530"/>
+    </mc:Choice>
+    <mc:Fallback>
+      <p:transition spd="slow" advTm="27530"/>
+    </mc:Fallback>
+  </mc:AlternateContent>
   <p:timing>
     <p:tnLst>
       <p:par>
@@ -16626,75 +17089,6 @@
               <a:t>4</a:t>
             </a:fld>
             <a:endParaRPr lang="ru-RU"/>
-          </a:p>
-        </p:txBody>
-      </p:sp>
-      <p:sp>
-        <p:nvSpPr>
-          <p:cNvPr id="18" name="Объект 17"/>
-          <p:cNvSpPr>
-            <a:spLocks noGrp="1"/>
-          </p:cNvSpPr>
-          <p:nvPr>
-            <p:ph sz="half" idx="1"/>
-          </p:nvPr>
-        </p:nvSpPr>
-        <p:spPr>
-          <a:xfrm>
-            <a:off x="179389" y="1636714"/>
-            <a:ext cx="5112692" cy="4479925"/>
-          </a:xfrm>
-        </p:spPr>
-        <p:txBody>
-          <a:bodyPr/>
-          <a:lstStyle/>
-          <a:p>
-            <a:r>
-              <a:rPr lang="ru-RU" sz="2400" dirty="0" smtClean="0"/>
-              <a:t>Рассматривается класс </a:t>
-            </a:r>
-            <a:r>
-              <a:rPr lang="ru-RU" sz="2400" dirty="0" err="1" smtClean="0"/>
-              <a:t>Липшецевых</a:t>
-            </a:r>
-            <a:r>
-              <a:rPr lang="ru-RU" sz="2400" dirty="0" smtClean="0"/>
-              <a:t> </a:t>
-            </a:r>
-            <a:r>
-              <a:rPr lang="ru-RU" sz="2400" dirty="0" smtClean="0"/>
-              <a:t>функций:</a:t>
-            </a:r>
-            <a:endParaRPr lang="ru-RU" sz="2400" dirty="0" smtClean="0"/>
-          </a:p>
-          <a:p>
-            <a:r>
-              <a:rPr lang="ru-RU" sz="2400" dirty="0" smtClean="0"/>
-              <a:t>Условие выбора критического </a:t>
-            </a:r>
-            <a:r>
-              <a:rPr lang="ru-RU" sz="2400" dirty="0" smtClean="0"/>
-              <a:t>параллелепипеда</a:t>
-            </a:r>
-          </a:p>
-          <a:p>
-            <a:endParaRPr lang="ru-RU" sz="2400" dirty="0"/>
-          </a:p>
-          <a:p>
-            <a:r>
-              <a:rPr lang="ru-RU" sz="2400" dirty="0" smtClean="0"/>
-              <a:t>Условие прореживания:</a:t>
-            </a:r>
-          </a:p>
-          <a:p>
-            <a:endParaRPr lang="ru-RU" sz="2400" dirty="0"/>
-          </a:p>
-          <a:p>
-            <a:r>
-              <a:rPr lang="ru-RU" sz="2400" dirty="0" smtClean="0"/>
-              <a:t>Рекорд:</a:t>
-            </a:r>
-            <a:endParaRPr lang="ru-RU" sz="2400" dirty="0"/>
           </a:p>
         </p:txBody>
       </p:sp>
@@ -16803,25 +17197,25 @@
           <p:nvPr>
             <p:extLst>
               <p:ext uri="{D42A27DB-BD31-4B8C-83A1-F6EECF244321}">
-                <p14:modId xmlns:p14="http://schemas.microsoft.com/office/powerpoint/2010/main" val="1923107474"/>
+                <p14:modId xmlns:p14="http://schemas.microsoft.com/office/powerpoint/2010/main" val="1695978519"/>
               </p:ext>
             </p:extLst>
           </p:nvPr>
         </p:nvGraphicFramePr>
         <p:xfrm>
-          <a:off x="1337837" y="3284985"/>
-          <a:ext cx="1938020" cy="391160"/>
+          <a:off x="1695450" y="4076700"/>
+          <a:ext cx="1955800" cy="392113"/>
         </p:xfrm>
         <a:graphic>
           <a:graphicData uri="http://schemas.openxmlformats.org/presentationml/2006/ole">
             <mc:AlternateContent xmlns:mc="http://schemas.openxmlformats.org/markup-compatibility/2006">
               <mc:Choice xmlns:v="urn:schemas-microsoft-com:vml" Requires="v">
-                <p:oleObj spid="_x0000_s9340" name="Формула" r:id="rId5" imgW="1384300" imgH="279400" progId="Equation.3">
+                <p:oleObj spid="_x0000_s9646" name="Формула" r:id="rId5" imgW="1396800" imgH="279360" progId="Equation.3">
                   <p:embed/>
                 </p:oleObj>
               </mc:Choice>
               <mc:Fallback>
-                <p:oleObj name="Формула" r:id="rId5" imgW="1384300" imgH="279400" progId="Equation.3">
+                <p:oleObj name="Формула" r:id="rId5" imgW="1396800" imgH="279360" progId="Equation.3">
                   <p:embed/>
                   <p:pic>
                     <p:nvPicPr>
@@ -16832,13 +17226,7 @@
                       <p:nvPr/>
                     </p:nvPicPr>
                     <p:blipFill>
-                      <a:blip r:embed="rId6">
-                        <a:extLst>
-                          <a:ext uri="{28A0092B-C50C-407E-A947-70E740481C1C}">
-                            <a14:useLocalDpi xmlns:a14="http://schemas.microsoft.com/office/drawing/2010/main" val="0"/>
-                          </a:ext>
-                        </a:extLst>
-                      </a:blip>
+                      <a:blip r:embed="rId6"/>
                       <a:srcRect/>
                       <a:stretch>
                         <a:fillRect/>
@@ -16846,8 +17234,8 @@
                     </p:blipFill>
                     <p:spPr bwMode="auto">
                       <a:xfrm>
-                        <a:off x="1337837" y="3284985"/>
-                        <a:ext cx="1938020" cy="391160"/>
+                        <a:off x="1695450" y="4076700"/>
+                        <a:ext cx="1955800" cy="392113"/>
                       </a:xfrm>
                       <a:prstGeom prst="rect">
                         <a:avLst/>
@@ -16942,25 +17330,25 @@
           <p:nvPr>
             <p:extLst>
               <p:ext uri="{D42A27DB-BD31-4B8C-83A1-F6EECF244321}">
-                <p14:modId xmlns:p14="http://schemas.microsoft.com/office/powerpoint/2010/main" val="1568553904"/>
+                <p14:modId xmlns:p14="http://schemas.microsoft.com/office/powerpoint/2010/main" val="3610523288"/>
               </p:ext>
             </p:extLst>
           </p:nvPr>
         </p:nvGraphicFramePr>
         <p:xfrm>
-          <a:off x="1826194" y="4221089"/>
-          <a:ext cx="657575" cy="337673"/>
+          <a:off x="2319338" y="4797425"/>
+          <a:ext cx="709612" cy="338138"/>
         </p:xfrm>
         <a:graphic>
           <a:graphicData uri="http://schemas.openxmlformats.org/presentationml/2006/ole">
             <mc:AlternateContent xmlns:mc="http://schemas.openxmlformats.org/markup-compatibility/2006">
               <mc:Choice xmlns:v="urn:schemas-microsoft-com:vml" Requires="v">
-                <p:oleObj spid="_x0000_s9341" name="Формула" r:id="rId7" imgW="469696" imgH="241195" progId="Equation.3">
+                <p:oleObj spid="_x0000_s9647" name="Формула" r:id="rId7" imgW="507960" imgH="241200" progId="Equation.3">
                   <p:embed/>
                 </p:oleObj>
               </mc:Choice>
               <mc:Fallback>
-                <p:oleObj name="Формула" r:id="rId7" imgW="469696" imgH="241195" progId="Equation.3">
+                <p:oleObj name="Формула" r:id="rId7" imgW="507960" imgH="241200" progId="Equation.3">
                   <p:embed/>
                   <p:pic>
                     <p:nvPicPr>
@@ -16971,13 +17359,7 @@
                       <p:nvPr/>
                     </p:nvPicPr>
                     <p:blipFill>
-                      <a:blip r:embed="rId8">
-                        <a:extLst>
-                          <a:ext uri="{28A0092B-C50C-407E-A947-70E740481C1C}">
-                            <a14:useLocalDpi xmlns:a14="http://schemas.microsoft.com/office/drawing/2010/main" val="0"/>
-                          </a:ext>
-                        </a:extLst>
-                      </a:blip>
+                      <a:blip r:embed="rId8"/>
                       <a:srcRect/>
                       <a:stretch>
                         <a:fillRect/>
@@ -16985,8 +17367,8 @@
                     </p:blipFill>
                     <p:spPr bwMode="auto">
                       <a:xfrm>
-                        <a:off x="1826194" y="4221089"/>
-                        <a:ext cx="657575" cy="337673"/>
+                        <a:off x="2319338" y="4797425"/>
+                        <a:ext cx="709612" cy="338138"/>
                       </a:xfrm>
                       <a:prstGeom prst="rect">
                         <a:avLst/>
@@ -17081,25 +17463,25 @@
           <p:nvPr>
             <p:extLst>
               <p:ext uri="{D42A27DB-BD31-4B8C-83A1-F6EECF244321}">
-                <p14:modId xmlns:p14="http://schemas.microsoft.com/office/powerpoint/2010/main" val="1658540669"/>
+                <p14:modId xmlns:p14="http://schemas.microsoft.com/office/powerpoint/2010/main" val="3864015824"/>
               </p:ext>
             </p:extLst>
           </p:nvPr>
         </p:nvGraphicFramePr>
         <p:xfrm>
-          <a:off x="971601" y="5157193"/>
-          <a:ext cx="2932113" cy="390525"/>
+          <a:off x="1190625" y="3306763"/>
+          <a:ext cx="2968625" cy="390525"/>
         </p:xfrm>
         <a:graphic>
           <a:graphicData uri="http://schemas.openxmlformats.org/presentationml/2006/ole">
             <mc:AlternateContent xmlns:mc="http://schemas.openxmlformats.org/markup-compatibility/2006">
               <mc:Choice xmlns:v="urn:schemas-microsoft-com:vml" Requires="v">
-                <p:oleObj spid="_x0000_s9342" name="Формула" r:id="rId9" imgW="2095200" imgH="279360" progId="Equation.3">
+                <p:oleObj spid="_x0000_s9648" name="Формула" r:id="rId9" imgW="2120760" imgH="279360" progId="Equation.3">
                   <p:embed/>
                 </p:oleObj>
               </mc:Choice>
               <mc:Fallback>
-                <p:oleObj name="Формула" r:id="rId9" imgW="2095200" imgH="279360" progId="Equation.3">
+                <p:oleObj name="Формула" r:id="rId9" imgW="2120760" imgH="279360" progId="Equation.3">
                   <p:embed/>
                   <p:pic>
                     <p:nvPicPr>
@@ -17118,8 +17500,8 @@
                     </p:blipFill>
                     <p:spPr bwMode="auto">
                       <a:xfrm>
-                        <a:off x="971601" y="5157193"/>
-                        <a:ext cx="2932113" cy="390525"/>
+                        <a:off x="1190625" y="3306763"/>
+                        <a:ext cx="2968625" cy="390525"/>
                       </a:xfrm>
                       <a:prstGeom prst="rect">
                         <a:avLst/>
@@ -17310,6 +17692,802 @@
           </a:p>
         </p:txBody>
       </p:sp>
+      <p:sp>
+        <p:nvSpPr>
+          <p:cNvPr id="8" name="Прямоугольник 7"/>
+          <p:cNvSpPr/>
+          <p:nvPr/>
+        </p:nvSpPr>
+        <p:spPr>
+          <a:xfrm>
+            <a:off x="184732" y="1556792"/>
+            <a:ext cx="5107348" cy="338554"/>
+          </a:xfrm>
+          <a:prstGeom prst="rect">
+            <a:avLst/>
+          </a:prstGeom>
+        </p:spPr>
+        <p:txBody>
+          <a:bodyPr wrap="square">
+            <a:spAutoFit/>
+          </a:bodyPr>
+          <a:lstStyle/>
+          <a:p>
+            <a:r>
+              <a:rPr lang="ru-RU" sz="1600" dirty="0"/>
+              <a:t>Рассматривается класс </a:t>
+            </a:r>
+            <a:r>
+              <a:rPr lang="ru-RU" sz="1600" dirty="0" err="1"/>
+              <a:t>Липшецевых</a:t>
+            </a:r>
+            <a:r>
+              <a:rPr lang="ru-RU" sz="1600" dirty="0"/>
+              <a:t> </a:t>
+            </a:r>
+            <a:r>
+              <a:rPr lang="ru-RU" sz="1600" dirty="0" smtClean="0"/>
+              <a:t>функций:</a:t>
+            </a:r>
+            <a:endParaRPr lang="ru-RU" sz="1600" dirty="0"/>
+          </a:p>
+        </p:txBody>
+      </p:sp>
+      <p:sp>
+        <p:nvSpPr>
+          <p:cNvPr id="9" name="Rectangle 185"/>
+          <p:cNvSpPr>
+            <a:spLocks noChangeArrowheads="1"/>
+          </p:cNvSpPr>
+          <p:nvPr/>
+        </p:nvSpPr>
+        <p:spPr bwMode="auto">
+          <a:xfrm>
+            <a:off x="0" y="0"/>
+            <a:ext cx="9144000" cy="0"/>
+          </a:xfrm>
+          <a:prstGeom prst="rect">
+            <a:avLst/>
+          </a:prstGeom>
+          <a:noFill/>
+          <a:ln>
+            <a:noFill/>
+          </a:ln>
+          <a:effectLst/>
+          <a:extLst>
+            <a:ext uri="{909E8E84-426E-40DD-AFC4-6F175D3DCCD1}">
+              <a14:hiddenFill xmlns:a14="http://schemas.microsoft.com/office/drawing/2010/main">
+                <a:solidFill>
+                  <a:schemeClr val="accent1"/>
+                </a:solidFill>
+              </a14:hiddenFill>
+            </a:ext>
+            <a:ext uri="{91240B29-F687-4F45-9708-019B960494DF}">
+              <a14:hiddenLine xmlns:a14="http://schemas.microsoft.com/office/drawing/2010/main" w="9525">
+                <a:solidFill>
+                  <a:schemeClr val="tx1"/>
+                </a:solidFill>
+                <a:miter lim="800000"/>
+                <a:headEnd/>
+                <a:tailEnd/>
+              </a14:hiddenLine>
+            </a:ext>
+            <a:ext uri="{AF507438-7753-43E0-B8FC-AC1667EBCBE1}">
+              <a14:hiddenEffects xmlns:a14="http://schemas.microsoft.com/office/drawing/2010/main">
+                <a:effectLst>
+                  <a:outerShdw dist="35921" dir="2700000" algn="ctr" rotWithShape="0">
+                    <a:schemeClr val="bg2"/>
+                  </a:outerShdw>
+                </a:effectLst>
+              </a14:hiddenEffects>
+            </a:ext>
+          </a:extLst>
+        </p:spPr>
+        <p:txBody>
+          <a:bodyPr vert="horz" wrap="none" lIns="91440" tIns="45720" rIns="91440" bIns="45720" numCol="1" anchor="ctr" anchorCtr="0" compatLnSpc="1">
+            <a:prstTxWarp prst="textNoShape">
+              <a:avLst/>
+            </a:prstTxWarp>
+            <a:spAutoFit/>
+          </a:bodyPr>
+          <a:lstStyle/>
+          <a:p>
+            <a:endParaRPr lang="ru-RU"/>
+          </a:p>
+        </p:txBody>
+      </p:sp>
+      <p:sp>
+        <p:nvSpPr>
+          <p:cNvPr id="16" name="Прямоугольник 15"/>
+          <p:cNvSpPr/>
+          <p:nvPr/>
+        </p:nvSpPr>
+        <p:spPr>
+          <a:xfrm>
+            <a:off x="184732" y="2294874"/>
+            <a:ext cx="5107348" cy="338554"/>
+          </a:xfrm>
+          <a:prstGeom prst="rect">
+            <a:avLst/>
+          </a:prstGeom>
+        </p:spPr>
+        <p:txBody>
+          <a:bodyPr wrap="square">
+            <a:spAutoFit/>
+          </a:bodyPr>
+          <a:lstStyle/>
+          <a:p>
+            <a:r>
+              <a:rPr lang="ru-RU" sz="1600" dirty="0" smtClean="0"/>
+              <a:t>Формируемый список параллелепипедов:</a:t>
+            </a:r>
+            <a:endParaRPr lang="ru-RU" sz="1600" dirty="0"/>
+          </a:p>
+        </p:txBody>
+      </p:sp>
+      <p:sp>
+        <p:nvSpPr>
+          <p:cNvPr id="11" name="Rectangle 187"/>
+          <p:cNvSpPr>
+            <a:spLocks noChangeArrowheads="1"/>
+          </p:cNvSpPr>
+          <p:nvPr/>
+        </p:nvSpPr>
+        <p:spPr bwMode="auto">
+          <a:xfrm>
+            <a:off x="0" y="0"/>
+            <a:ext cx="9144000" cy="0"/>
+          </a:xfrm>
+          <a:prstGeom prst="rect">
+            <a:avLst/>
+          </a:prstGeom>
+          <a:noFill/>
+          <a:ln>
+            <a:noFill/>
+          </a:ln>
+          <a:effectLst/>
+          <a:extLst>
+            <a:ext uri="{909E8E84-426E-40DD-AFC4-6F175D3DCCD1}">
+              <a14:hiddenFill xmlns:a14="http://schemas.microsoft.com/office/drawing/2010/main">
+                <a:solidFill>
+                  <a:schemeClr val="accent1"/>
+                </a:solidFill>
+              </a14:hiddenFill>
+            </a:ext>
+            <a:ext uri="{91240B29-F687-4F45-9708-019B960494DF}">
+              <a14:hiddenLine xmlns:a14="http://schemas.microsoft.com/office/drawing/2010/main" w="9525">
+                <a:solidFill>
+                  <a:schemeClr val="tx1"/>
+                </a:solidFill>
+                <a:miter lim="800000"/>
+                <a:headEnd/>
+                <a:tailEnd/>
+              </a14:hiddenLine>
+            </a:ext>
+            <a:ext uri="{AF507438-7753-43E0-B8FC-AC1667EBCBE1}">
+              <a14:hiddenEffects xmlns:a14="http://schemas.microsoft.com/office/drawing/2010/main">
+                <a:effectLst>
+                  <a:outerShdw dist="35921" dir="2700000" algn="ctr" rotWithShape="0">
+                    <a:schemeClr val="bg2"/>
+                  </a:outerShdw>
+                </a:effectLst>
+              </a14:hiddenEffects>
+            </a:ext>
+          </a:extLst>
+        </p:spPr>
+        <p:txBody>
+          <a:bodyPr vert="horz" wrap="none" lIns="91440" tIns="45720" rIns="91440" bIns="45720" numCol="1" anchor="ctr" anchorCtr="0" compatLnSpc="1">
+            <a:prstTxWarp prst="textNoShape">
+              <a:avLst/>
+            </a:prstTxWarp>
+            <a:spAutoFit/>
+          </a:bodyPr>
+          <a:lstStyle/>
+          <a:p>
+            <a:endParaRPr lang="ru-RU"/>
+          </a:p>
+        </p:txBody>
+      </p:sp>
+      <p:graphicFrame>
+        <p:nvGraphicFramePr>
+          <p:cNvPr id="13" name="Объект 12"/>
+          <p:cNvGraphicFramePr>
+            <a:graphicFrameLocks noChangeAspect="1"/>
+          </p:cNvGraphicFramePr>
+          <p:nvPr>
+            <p:extLst>
+              <p:ext uri="{D42A27DB-BD31-4B8C-83A1-F6EECF244321}">
+                <p14:modId xmlns:p14="http://schemas.microsoft.com/office/powerpoint/2010/main" val="164273994"/>
+              </p:ext>
+            </p:extLst>
+          </p:nvPr>
+        </p:nvGraphicFramePr>
+        <p:xfrm>
+          <a:off x="1606550" y="1901825"/>
+          <a:ext cx="2133600" cy="357188"/>
+        </p:xfrm>
+        <a:graphic>
+          <a:graphicData uri="http://schemas.openxmlformats.org/presentationml/2006/ole">
+            <mc:AlternateContent xmlns:mc="http://schemas.openxmlformats.org/markup-compatibility/2006">
+              <mc:Choice xmlns:v="urn:schemas-microsoft-com:vml" Requires="v">
+                <p:oleObj spid="_x0000_s9649" name="Формула" r:id="rId11" imgW="1523880" imgH="253800" progId="Equation.3">
+                  <p:embed/>
+                </p:oleObj>
+              </mc:Choice>
+              <mc:Fallback>
+                <p:oleObj name="Формула" r:id="rId11" imgW="1523880" imgH="253800" progId="Equation.3">
+                  <p:embed/>
+                  <p:pic>
+                    <p:nvPicPr>
+                      <p:cNvPr id="0" name="Object 186"/>
+                      <p:cNvPicPr>
+                        <a:picLocks noChangeAspect="1" noChangeArrowheads="1"/>
+                      </p:cNvPicPr>
+                      <p:nvPr/>
+                    </p:nvPicPr>
+                    <p:blipFill>
+                      <a:blip r:embed="rId12"/>
+                      <a:srcRect/>
+                      <a:stretch>
+                        <a:fillRect/>
+                      </a:stretch>
+                    </p:blipFill>
+                    <p:spPr bwMode="auto">
+                      <a:xfrm>
+                        <a:off x="1606550" y="1901825"/>
+                        <a:ext cx="2133600" cy="357188"/>
+                      </a:xfrm>
+                      <a:prstGeom prst="rect">
+                        <a:avLst/>
+                      </a:prstGeom>
+                      <a:noFill/>
+                      <a:extLst>
+                        <a:ext uri="{909E8E84-426E-40DD-AFC4-6F175D3DCCD1}">
+                          <a14:hiddenFill xmlns:a14="http://schemas.microsoft.com/office/drawing/2010/main">
+                            <a:solidFill>
+                              <a:srgbClr val="FFFFFF"/>
+                            </a:solidFill>
+                          </a14:hiddenFill>
+                        </a:ext>
+                      </a:extLst>
+                    </p:spPr>
+                  </p:pic>
+                </p:oleObj>
+              </mc:Fallback>
+            </mc:AlternateContent>
+          </a:graphicData>
+        </a:graphic>
+      </p:graphicFrame>
+      <p:sp>
+        <p:nvSpPr>
+          <p:cNvPr id="14" name="Rectangle 189"/>
+          <p:cNvSpPr>
+            <a:spLocks noChangeArrowheads="1"/>
+          </p:cNvSpPr>
+          <p:nvPr/>
+        </p:nvSpPr>
+        <p:spPr bwMode="auto">
+          <a:xfrm>
+            <a:off x="0" y="0"/>
+            <a:ext cx="9144000" cy="0"/>
+          </a:xfrm>
+          <a:prstGeom prst="rect">
+            <a:avLst/>
+          </a:prstGeom>
+          <a:noFill/>
+          <a:ln>
+            <a:noFill/>
+          </a:ln>
+          <a:effectLst/>
+          <a:extLst>
+            <a:ext uri="{909E8E84-426E-40DD-AFC4-6F175D3DCCD1}">
+              <a14:hiddenFill xmlns:a14="http://schemas.microsoft.com/office/drawing/2010/main">
+                <a:solidFill>
+                  <a:schemeClr val="accent1"/>
+                </a:solidFill>
+              </a14:hiddenFill>
+            </a:ext>
+            <a:ext uri="{91240B29-F687-4F45-9708-019B960494DF}">
+              <a14:hiddenLine xmlns:a14="http://schemas.microsoft.com/office/drawing/2010/main" w="9525">
+                <a:solidFill>
+                  <a:schemeClr val="tx1"/>
+                </a:solidFill>
+                <a:miter lim="800000"/>
+                <a:headEnd/>
+                <a:tailEnd/>
+              </a14:hiddenLine>
+            </a:ext>
+            <a:ext uri="{AF507438-7753-43E0-B8FC-AC1667EBCBE1}">
+              <a14:hiddenEffects xmlns:a14="http://schemas.microsoft.com/office/drawing/2010/main">
+                <a:effectLst>
+                  <a:outerShdw dist="35921" dir="2700000" algn="ctr" rotWithShape="0">
+                    <a:schemeClr val="bg2"/>
+                  </a:outerShdw>
+                </a:effectLst>
+              </a14:hiddenEffects>
+            </a:ext>
+          </a:extLst>
+        </p:spPr>
+        <p:txBody>
+          <a:bodyPr vert="horz" wrap="none" lIns="91440" tIns="45720" rIns="91440" bIns="45720" numCol="1" anchor="ctr" anchorCtr="0" compatLnSpc="1">
+            <a:prstTxWarp prst="textNoShape">
+              <a:avLst/>
+            </a:prstTxWarp>
+            <a:spAutoFit/>
+          </a:bodyPr>
+          <a:lstStyle/>
+          <a:p>
+            <a:endParaRPr lang="ru-RU"/>
+          </a:p>
+        </p:txBody>
+      </p:sp>
+      <p:graphicFrame>
+        <p:nvGraphicFramePr>
+          <p:cNvPr id="15" name="Объект 14"/>
+          <p:cNvGraphicFramePr>
+            <a:graphicFrameLocks noChangeAspect="1"/>
+          </p:cNvGraphicFramePr>
+          <p:nvPr>
+            <p:extLst>
+              <p:ext uri="{D42A27DB-BD31-4B8C-83A1-F6EECF244321}">
+                <p14:modId xmlns:p14="http://schemas.microsoft.com/office/powerpoint/2010/main" val="3354652200"/>
+              </p:ext>
+            </p:extLst>
+          </p:nvPr>
+        </p:nvGraphicFramePr>
+        <p:xfrm>
+          <a:off x="1790700" y="2606675"/>
+          <a:ext cx="1768475" cy="309563"/>
+        </p:xfrm>
+        <a:graphic>
+          <a:graphicData uri="http://schemas.openxmlformats.org/presentationml/2006/ole">
+            <mc:AlternateContent xmlns:mc="http://schemas.openxmlformats.org/markup-compatibility/2006">
+              <mc:Choice xmlns:v="urn:schemas-microsoft-com:vml" Requires="v">
+                <p:oleObj spid="_x0000_s9650" name="Формула" r:id="rId13" imgW="1307880" imgH="228600" progId="Equation.3">
+                  <p:embed/>
+                </p:oleObj>
+              </mc:Choice>
+              <mc:Fallback>
+                <p:oleObj name="Формула" r:id="rId13" imgW="1307880" imgH="228600" progId="Equation.3">
+                  <p:embed/>
+                  <p:pic>
+                    <p:nvPicPr>
+                      <p:cNvPr id="0" name="Object 188"/>
+                      <p:cNvPicPr>
+                        <a:picLocks noChangeAspect="1" noChangeArrowheads="1"/>
+                      </p:cNvPicPr>
+                      <p:nvPr/>
+                    </p:nvPicPr>
+                    <p:blipFill>
+                      <a:blip r:embed="rId14"/>
+                      <a:srcRect/>
+                      <a:stretch>
+                        <a:fillRect/>
+                      </a:stretch>
+                    </p:blipFill>
+                    <p:spPr bwMode="auto">
+                      <a:xfrm>
+                        <a:off x="1790700" y="2606675"/>
+                        <a:ext cx="1768475" cy="309563"/>
+                      </a:xfrm>
+                      <a:prstGeom prst="rect">
+                        <a:avLst/>
+                      </a:prstGeom>
+                      <a:noFill/>
+                      <a:extLst>
+                        <a:ext uri="{909E8E84-426E-40DD-AFC4-6F175D3DCCD1}">
+                          <a14:hiddenFill xmlns:a14="http://schemas.microsoft.com/office/drawing/2010/main">
+                            <a:solidFill>
+                              <a:srgbClr val="FFFFFF"/>
+                            </a:solidFill>
+                          </a14:hiddenFill>
+                        </a:ext>
+                      </a:extLst>
+                    </p:spPr>
+                  </p:pic>
+                </p:oleObj>
+              </mc:Fallback>
+            </mc:AlternateContent>
+          </a:graphicData>
+        </a:graphic>
+      </p:graphicFrame>
+      <p:sp>
+        <p:nvSpPr>
+          <p:cNvPr id="17" name="Прямоугольник 16"/>
+          <p:cNvSpPr/>
+          <p:nvPr/>
+        </p:nvSpPr>
+        <p:spPr>
+          <a:xfrm>
+            <a:off x="184732" y="3717032"/>
+            <a:ext cx="5040560" cy="338554"/>
+          </a:xfrm>
+          <a:prstGeom prst="rect">
+            <a:avLst/>
+          </a:prstGeom>
+        </p:spPr>
+        <p:txBody>
+          <a:bodyPr wrap="square">
+            <a:spAutoFit/>
+          </a:bodyPr>
+          <a:lstStyle/>
+          <a:p>
+            <a:r>
+              <a:rPr lang="ru-RU" sz="1600" dirty="0"/>
+              <a:t>Условие выбора критического </a:t>
+            </a:r>
+            <a:r>
+              <a:rPr lang="ru-RU" sz="1600" dirty="0" smtClean="0"/>
+              <a:t>параллелепипеда:</a:t>
+            </a:r>
+            <a:endParaRPr lang="ru-RU" sz="1600" dirty="0"/>
+          </a:p>
+        </p:txBody>
+      </p:sp>
+      <p:sp>
+        <p:nvSpPr>
+          <p:cNvPr id="22" name="Прямоугольник 21"/>
+          <p:cNvSpPr/>
+          <p:nvPr/>
+        </p:nvSpPr>
+        <p:spPr>
+          <a:xfrm>
+            <a:off x="184732" y="2946430"/>
+            <a:ext cx="2199769" cy="338554"/>
+          </a:xfrm>
+          <a:prstGeom prst="rect">
+            <a:avLst/>
+          </a:prstGeom>
+        </p:spPr>
+        <p:txBody>
+          <a:bodyPr wrap="none">
+            <a:spAutoFit/>
+          </a:bodyPr>
+          <a:lstStyle/>
+          <a:p>
+            <a:r>
+              <a:rPr lang="ru-RU" sz="1600" dirty="0" smtClean="0"/>
+              <a:t>Рекордное значение:</a:t>
+            </a:r>
+            <a:endParaRPr lang="ru-RU" sz="1600" dirty="0"/>
+          </a:p>
+        </p:txBody>
+      </p:sp>
+      <p:sp>
+        <p:nvSpPr>
+          <p:cNvPr id="24" name="Прямоугольник 23"/>
+          <p:cNvSpPr/>
+          <p:nvPr/>
+        </p:nvSpPr>
+        <p:spPr>
+          <a:xfrm>
+            <a:off x="184732" y="4437112"/>
+            <a:ext cx="2470548" cy="338554"/>
+          </a:xfrm>
+          <a:prstGeom prst="rect">
+            <a:avLst/>
+          </a:prstGeom>
+        </p:spPr>
+        <p:txBody>
+          <a:bodyPr wrap="none">
+            <a:spAutoFit/>
+          </a:bodyPr>
+          <a:lstStyle/>
+          <a:p>
+            <a:r>
+              <a:rPr lang="ru-RU" sz="1600" dirty="0"/>
+              <a:t>Условие прореживания:</a:t>
+            </a:r>
+          </a:p>
+        </p:txBody>
+      </p:sp>
+      <p:sp>
+        <p:nvSpPr>
+          <p:cNvPr id="25" name="Прямоугольник 24"/>
+          <p:cNvSpPr/>
+          <p:nvPr/>
+        </p:nvSpPr>
+        <p:spPr>
+          <a:xfrm>
+            <a:off x="179512" y="5322694"/>
+            <a:ext cx="6017288" cy="830997"/>
+          </a:xfrm>
+          <a:prstGeom prst="rect">
+            <a:avLst/>
+          </a:prstGeom>
+        </p:spPr>
+        <p:txBody>
+          <a:bodyPr wrap="none">
+            <a:spAutoFit/>
+          </a:bodyPr>
+          <a:lstStyle/>
+          <a:p>
+            <a:r>
+              <a:rPr lang="ru-RU" sz="1600" dirty="0" smtClean="0"/>
+              <a:t>Здесь </a:t>
+            </a:r>
+            <a:r>
+              <a:rPr lang="en-US" sz="1600" i="1" dirty="0" smtClean="0">
+                <a:latin typeface="Times New Roman" pitchFamily="18" charset="0"/>
+                <a:cs typeface="Times New Roman" pitchFamily="18" charset="0"/>
+              </a:rPr>
+              <a:t>L</a:t>
+            </a:r>
+            <a:r>
+              <a:rPr lang="en-US" sz="1600" dirty="0" smtClean="0"/>
+              <a:t> – </a:t>
+            </a:r>
+            <a:r>
+              <a:rPr lang="ru-RU" sz="1600" dirty="0" smtClean="0"/>
+              <a:t>константа Липшица</a:t>
+            </a:r>
+            <a:r>
+              <a:rPr lang="en-US" sz="1600" dirty="0" smtClean="0"/>
+              <a:t>,</a:t>
+            </a:r>
+            <a:endParaRPr lang="ru-RU" sz="1600" dirty="0" smtClean="0"/>
+          </a:p>
+          <a:p>
+            <a:r>
+              <a:rPr lang="ru-RU" sz="1600" i="1" dirty="0" smtClean="0">
+                <a:latin typeface="Times New Roman" pitchFamily="18" charset="0"/>
+                <a:cs typeface="Times New Roman" pitchFamily="18" charset="0"/>
+              </a:rPr>
+              <a:t>с</a:t>
+            </a:r>
+            <a:r>
+              <a:rPr lang="en-US" sz="1600" i="1" baseline="-25000" dirty="0" err="1" smtClean="0">
+                <a:latin typeface="Times New Roman" pitchFamily="18" charset="0"/>
+                <a:cs typeface="Times New Roman" pitchFamily="18" charset="0"/>
+              </a:rPr>
+              <a:t>i</a:t>
+            </a:r>
+            <a:r>
+              <a:rPr lang="en-US" sz="1600" i="1" dirty="0" smtClean="0">
+                <a:latin typeface="Times New Roman" pitchFamily="18" charset="0"/>
+                <a:cs typeface="Times New Roman" pitchFamily="18" charset="0"/>
+              </a:rPr>
+              <a:t> </a:t>
+            </a:r>
+            <a:r>
+              <a:rPr lang="en-US" sz="1600" dirty="0" smtClean="0"/>
+              <a:t>– </a:t>
+            </a:r>
+            <a:r>
+              <a:rPr lang="ru-RU" sz="1600" dirty="0"/>
+              <a:t>центр </a:t>
+            </a:r>
+            <a:r>
+              <a:rPr lang="ru-RU" sz="1600" dirty="0" smtClean="0"/>
+              <a:t>параллелепипеда</a:t>
+            </a:r>
+            <a:r>
+              <a:rPr lang="en-US" sz="1600" dirty="0" smtClean="0"/>
+              <a:t>,</a:t>
+            </a:r>
+            <a:endParaRPr lang="ru-RU" sz="1600" dirty="0" smtClean="0"/>
+          </a:p>
+          <a:p>
+            <a:r>
+              <a:rPr lang="en-US" sz="1600" i="1" dirty="0" smtClean="0">
+                <a:latin typeface="Times New Roman" pitchFamily="18" charset="0"/>
+                <a:cs typeface="Times New Roman" pitchFamily="18" charset="0"/>
+              </a:rPr>
+              <a:t>R</a:t>
+            </a:r>
+            <a:r>
+              <a:rPr lang="en-US" sz="1600" i="1" baseline="-25000" dirty="0" smtClean="0">
+                <a:latin typeface="Times New Roman" pitchFamily="18" charset="0"/>
+                <a:cs typeface="Times New Roman" pitchFamily="18" charset="0"/>
+              </a:rPr>
+              <a:t>i</a:t>
+            </a:r>
+            <a:r>
+              <a:rPr lang="en-US" sz="1600" dirty="0" smtClean="0"/>
+              <a:t> – </a:t>
+            </a:r>
+            <a:r>
+              <a:rPr lang="ru-RU" sz="1600" dirty="0" smtClean="0"/>
+              <a:t>радиус параллелепипеда (половина главной диагонали)</a:t>
+            </a:r>
+            <a:r>
+              <a:rPr lang="en-US" sz="1600" dirty="0"/>
+              <a:t>.</a:t>
+            </a:r>
+            <a:endParaRPr lang="ru-RU" sz="1600" dirty="0"/>
+          </a:p>
+        </p:txBody>
+      </p:sp>
+      <p:sp>
+        <p:nvSpPr>
+          <p:cNvPr id="27" name="TextBox 26"/>
+          <p:cNvSpPr txBox="1"/>
+          <p:nvPr/>
+        </p:nvSpPr>
+        <p:spPr>
+          <a:xfrm>
+            <a:off x="4758498" y="1895346"/>
+            <a:ext cx="466794" cy="369332"/>
+          </a:xfrm>
+          <a:prstGeom prst="rect">
+            <a:avLst/>
+          </a:prstGeom>
+          <a:noFill/>
+        </p:spPr>
+        <p:txBody>
+          <a:bodyPr wrap="none" rtlCol="0">
+            <a:spAutoFit/>
+          </a:bodyPr>
+          <a:lstStyle/>
+          <a:p>
+            <a:r>
+              <a:rPr lang="ru-RU" dirty="0" smtClean="0"/>
+              <a:t>(</a:t>
+            </a:r>
+            <a:r>
+              <a:rPr lang="en-US" dirty="0" smtClean="0"/>
+              <a:t>5</a:t>
+            </a:r>
+            <a:r>
+              <a:rPr lang="ru-RU" dirty="0" smtClean="0"/>
+              <a:t>)</a:t>
+            </a:r>
+            <a:endParaRPr lang="ru-RU" dirty="0"/>
+          </a:p>
+        </p:txBody>
+      </p:sp>
+      <p:sp>
+        <p:nvSpPr>
+          <p:cNvPr id="28" name="TextBox 27"/>
+          <p:cNvSpPr txBox="1"/>
+          <p:nvPr/>
+        </p:nvSpPr>
+        <p:spPr>
+          <a:xfrm>
+            <a:off x="4758498" y="2577098"/>
+            <a:ext cx="466794" cy="369332"/>
+          </a:xfrm>
+          <a:prstGeom prst="rect">
+            <a:avLst/>
+          </a:prstGeom>
+          <a:noFill/>
+        </p:spPr>
+        <p:txBody>
+          <a:bodyPr wrap="none" rtlCol="0">
+            <a:spAutoFit/>
+          </a:bodyPr>
+          <a:lstStyle/>
+          <a:p>
+            <a:r>
+              <a:rPr lang="ru-RU" dirty="0" smtClean="0"/>
+              <a:t>(</a:t>
+            </a:r>
+            <a:r>
+              <a:rPr lang="en-US" dirty="0"/>
+              <a:t>6</a:t>
+            </a:r>
+            <a:r>
+              <a:rPr lang="ru-RU" dirty="0" smtClean="0"/>
+              <a:t>)</a:t>
+            </a:r>
+            <a:endParaRPr lang="ru-RU" dirty="0"/>
+          </a:p>
+        </p:txBody>
+      </p:sp>
+      <p:sp>
+        <p:nvSpPr>
+          <p:cNvPr id="29" name="TextBox 28"/>
+          <p:cNvSpPr txBox="1"/>
+          <p:nvPr/>
+        </p:nvSpPr>
+        <p:spPr>
+          <a:xfrm>
+            <a:off x="4758498" y="3284984"/>
+            <a:ext cx="466794" cy="369332"/>
+          </a:xfrm>
+          <a:prstGeom prst="rect">
+            <a:avLst/>
+          </a:prstGeom>
+          <a:noFill/>
+        </p:spPr>
+        <p:txBody>
+          <a:bodyPr wrap="none" rtlCol="0">
+            <a:spAutoFit/>
+          </a:bodyPr>
+          <a:lstStyle/>
+          <a:p>
+            <a:r>
+              <a:rPr lang="ru-RU" dirty="0" smtClean="0"/>
+              <a:t>(</a:t>
+            </a:r>
+            <a:r>
+              <a:rPr lang="en-US" dirty="0"/>
+              <a:t>7</a:t>
+            </a:r>
+            <a:r>
+              <a:rPr lang="ru-RU" dirty="0" smtClean="0"/>
+              <a:t>)</a:t>
+            </a:r>
+            <a:endParaRPr lang="ru-RU" dirty="0"/>
+          </a:p>
+        </p:txBody>
+      </p:sp>
+      <p:sp>
+        <p:nvSpPr>
+          <p:cNvPr id="30" name="TextBox 29"/>
+          <p:cNvSpPr txBox="1"/>
+          <p:nvPr/>
+        </p:nvSpPr>
+        <p:spPr>
+          <a:xfrm>
+            <a:off x="4758498" y="4055586"/>
+            <a:ext cx="466794" cy="369332"/>
+          </a:xfrm>
+          <a:prstGeom prst="rect">
+            <a:avLst/>
+          </a:prstGeom>
+          <a:noFill/>
+        </p:spPr>
+        <p:txBody>
+          <a:bodyPr wrap="none" rtlCol="0">
+            <a:spAutoFit/>
+          </a:bodyPr>
+          <a:lstStyle/>
+          <a:p>
+            <a:r>
+              <a:rPr lang="ru-RU" dirty="0" smtClean="0"/>
+              <a:t>(</a:t>
+            </a:r>
+            <a:r>
+              <a:rPr lang="en-US" dirty="0"/>
+              <a:t>8</a:t>
+            </a:r>
+            <a:r>
+              <a:rPr lang="ru-RU" dirty="0" smtClean="0"/>
+              <a:t>)</a:t>
+            </a:r>
+            <a:endParaRPr lang="ru-RU" dirty="0"/>
+          </a:p>
+        </p:txBody>
+      </p:sp>
+      <p:sp>
+        <p:nvSpPr>
+          <p:cNvPr id="31" name="TextBox 30"/>
+          <p:cNvSpPr txBox="1"/>
+          <p:nvPr/>
+        </p:nvSpPr>
+        <p:spPr>
+          <a:xfrm>
+            <a:off x="4758498" y="4775666"/>
+            <a:ext cx="466794" cy="369332"/>
+          </a:xfrm>
+          <a:prstGeom prst="rect">
+            <a:avLst/>
+          </a:prstGeom>
+          <a:noFill/>
+        </p:spPr>
+        <p:txBody>
+          <a:bodyPr wrap="none" rtlCol="0">
+            <a:spAutoFit/>
+          </a:bodyPr>
+          <a:lstStyle/>
+          <a:p>
+            <a:r>
+              <a:rPr lang="ru-RU" dirty="0" smtClean="0"/>
+              <a:t>(</a:t>
+            </a:r>
+            <a:r>
+              <a:rPr lang="en-US" dirty="0" smtClean="0"/>
+              <a:t>9</a:t>
+            </a:r>
+            <a:r>
+              <a:rPr lang="ru-RU" dirty="0" smtClean="0"/>
+              <a:t>)</a:t>
+            </a:r>
+            <a:endParaRPr lang="ru-RU" dirty="0"/>
+          </a:p>
+        </p:txBody>
+      </p:sp>
     </p:spTree>
     <p:extLst>
       <p:ext uri="{BB962C8B-B14F-4D97-AF65-F5344CB8AC3E}">
@@ -17320,6 +18498,14 @@
   <p:clrMapOvr>
     <a:masterClrMapping/>
   </p:clrMapOvr>
+  <mc:AlternateContent xmlns:mc="http://schemas.openxmlformats.org/markup-compatibility/2006">
+    <mc:Choice xmlns:p14="http://schemas.microsoft.com/office/powerpoint/2010/main" Requires="p14">
+      <p:transition spd="slow" p14:dur="2000" advTm="73504"/>
+    </mc:Choice>
+    <mc:Fallback>
+      <p:transition spd="slow" advTm="73504"/>
+    </mc:Fallback>
+  </mc:AlternateContent>
   <p:timing>
     <p:tnLst>
       <p:par>
@@ -17556,25 +18742,25 @@
           <p:nvPr>
             <p:extLst>
               <p:ext uri="{D42A27DB-BD31-4B8C-83A1-F6EECF244321}">
-                <p14:modId xmlns:p14="http://schemas.microsoft.com/office/powerpoint/2010/main" val="4259066839"/>
+                <p14:modId xmlns:p14="http://schemas.microsoft.com/office/powerpoint/2010/main" val="2617903231"/>
               </p:ext>
             </p:extLst>
           </p:nvPr>
         </p:nvGraphicFramePr>
         <p:xfrm>
-          <a:off x="1279525" y="2611438"/>
-          <a:ext cx="2940051" cy="608012"/>
+          <a:off x="1089025" y="2501900"/>
+          <a:ext cx="3484563" cy="711200"/>
         </p:xfrm>
         <a:graphic>
           <a:graphicData uri="http://schemas.openxmlformats.org/presentationml/2006/ole">
             <mc:AlternateContent xmlns:mc="http://schemas.openxmlformats.org/markup-compatibility/2006">
               <mc:Choice xmlns:v="urn:schemas-microsoft-com:vml" Requires="v">
-                <p:oleObj spid="_x0000_s4526" name="Формула" r:id="rId5" imgW="2450880" imgH="507960" progId="Equation.3">
+                <p:oleObj spid="_x0000_s4733" name="Формула" r:id="rId5" imgW="2489040" imgH="507960" progId="Equation.3">
                   <p:embed/>
                 </p:oleObj>
               </mc:Choice>
               <mc:Fallback>
-                <p:oleObj name="Формула" r:id="rId5" imgW="2450880" imgH="507960" progId="Equation.3">
+                <p:oleObj name="Формула" r:id="rId5" imgW="2489040" imgH="507960" progId="Equation.3">
                   <p:embed/>
                   <p:pic>
                     <p:nvPicPr>
@@ -17593,8 +18779,8 @@
                     </p:blipFill>
                     <p:spPr bwMode="auto">
                       <a:xfrm>
-                        <a:off x="1279525" y="2611438"/>
-                        <a:ext cx="2940051" cy="608012"/>
+                        <a:off x="1089025" y="2501900"/>
+                        <a:ext cx="3484563" cy="711200"/>
                       </a:xfrm>
                       <a:prstGeom prst="rect">
                         <a:avLst/>
@@ -17896,7 +19082,7 @@
           <a:graphicData uri="http://schemas.openxmlformats.org/presentationml/2006/ole">
             <mc:AlternateContent xmlns:mc="http://schemas.openxmlformats.org/markup-compatibility/2006">
               <mc:Choice xmlns:v="urn:schemas-microsoft-com:vml" Requires="v">
-                <p:oleObj spid="_x0000_s4527" name="Формула" r:id="rId7" imgW="1091726" imgH="520474" progId="Equation.3">
+                <p:oleObj spid="_x0000_s4734" name="Формула" r:id="rId7" imgW="1091726" imgH="520474" progId="Equation.3">
                   <p:embed/>
                 </p:oleObj>
               </mc:Choice>
@@ -18022,25 +19208,25 @@
           <p:nvPr>
             <p:extLst>
               <p:ext uri="{D42A27DB-BD31-4B8C-83A1-F6EECF244321}">
-                <p14:modId xmlns:p14="http://schemas.microsoft.com/office/powerpoint/2010/main" val="4034327250"/>
+                <p14:modId xmlns:p14="http://schemas.microsoft.com/office/powerpoint/2010/main" val="97022112"/>
               </p:ext>
             </p:extLst>
           </p:nvPr>
         </p:nvGraphicFramePr>
         <p:xfrm>
-          <a:off x="2811275" y="5032216"/>
-          <a:ext cx="1600200" cy="701040"/>
+          <a:off x="2955925" y="5084763"/>
+          <a:ext cx="1311275" cy="593725"/>
         </p:xfrm>
         <a:graphic>
           <a:graphicData uri="http://schemas.openxmlformats.org/presentationml/2006/ole">
             <mc:AlternateContent xmlns:mc="http://schemas.openxmlformats.org/markup-compatibility/2006">
               <mc:Choice xmlns:v="urn:schemas-microsoft-com:vml" Requires="v">
-                <p:oleObj spid="_x0000_s4528" name="Формула" r:id="rId9" imgW="1333500" imgH="584200" progId="Equation.3">
+                <p:oleObj spid="_x0000_s4735" name="Формула" r:id="rId9" imgW="1091880" imgH="495000" progId="Equation.3">
                   <p:embed/>
                 </p:oleObj>
               </mc:Choice>
               <mc:Fallback>
-                <p:oleObj name="Формула" r:id="rId9" imgW="1333500" imgH="584200" progId="Equation.3">
+                <p:oleObj name="Формула" r:id="rId9" imgW="1091880" imgH="495000" progId="Equation.3">
                   <p:embed/>
                   <p:pic>
                     <p:nvPicPr>
@@ -18051,13 +19237,7 @@
                       <p:nvPr/>
                     </p:nvPicPr>
                     <p:blipFill>
-                      <a:blip r:embed="rId10">
-                        <a:extLst>
-                          <a:ext uri="{28A0092B-C50C-407E-A947-70E740481C1C}">
-                            <a14:useLocalDpi xmlns:a14="http://schemas.microsoft.com/office/drawing/2010/main" val="0"/>
-                          </a:ext>
-                        </a:extLst>
-                      </a:blip>
+                      <a:blip r:embed="rId10"/>
                       <a:srcRect/>
                       <a:stretch>
                         <a:fillRect/>
@@ -18065,8 +19245,8 @@
                     </p:blipFill>
                     <p:spPr bwMode="auto">
                       <a:xfrm>
-                        <a:off x="2811275" y="5032216"/>
-                        <a:ext cx="1600200" cy="701040"/>
+                        <a:off x="2955925" y="5084763"/>
+                        <a:ext cx="1311275" cy="593725"/>
                       </a:xfrm>
                       <a:prstGeom prst="rect">
                         <a:avLst/>
@@ -18098,7 +19278,7 @@
         <p:spPr>
           <a:xfrm>
             <a:off x="467545" y="5877272"/>
-            <a:ext cx="2518125" cy="338554"/>
+            <a:ext cx="2553071" cy="338554"/>
           </a:xfrm>
           <a:prstGeom prst="rect">
             <a:avLst/>
@@ -18128,7 +19308,7 @@
             </a:r>
             <a:r>
               <a:rPr lang="ru-RU" sz="1600" dirty="0" smtClean="0"/>
-              <a:t>коэффициент</a:t>
+              <a:t>коэффициент.</a:t>
             </a:r>
             <a:endParaRPr lang="ru-RU" sz="1600" dirty="0"/>
           </a:p>
@@ -18312,6 +19492,90 @@
           </a:p>
         </p:txBody>
       </p:sp>
+      <p:sp>
+        <p:nvSpPr>
+          <p:cNvPr id="16" name="TextBox 15"/>
+          <p:cNvSpPr txBox="1"/>
+          <p:nvPr/>
+        </p:nvSpPr>
+        <p:spPr>
+          <a:xfrm>
+            <a:off x="4932040" y="2636912"/>
+            <a:ext cx="595035" cy="369332"/>
+          </a:xfrm>
+          <a:prstGeom prst="rect">
+            <a:avLst/>
+          </a:prstGeom>
+          <a:noFill/>
+        </p:spPr>
+        <p:txBody>
+          <a:bodyPr wrap="none" rtlCol="0">
+            <a:spAutoFit/>
+          </a:bodyPr>
+          <a:lstStyle/>
+          <a:p>
+            <a:r>
+              <a:rPr lang="ru-RU" dirty="0" smtClean="0"/>
+              <a:t>(</a:t>
+            </a:r>
+            <a:r>
+              <a:rPr lang="ru-RU" dirty="0" smtClean="0"/>
+              <a:t>1</a:t>
+            </a:r>
+            <a:r>
+              <a:rPr lang="en-US" dirty="0" smtClean="0"/>
+              <a:t>0</a:t>
+            </a:r>
+            <a:r>
+              <a:rPr lang="ru-RU" dirty="0" smtClean="0"/>
+              <a:t>)</a:t>
+            </a:r>
+            <a:endParaRPr lang="ru-RU" dirty="0"/>
+          </a:p>
+        </p:txBody>
+      </p:sp>
+      <p:sp>
+        <p:nvSpPr>
+          <p:cNvPr id="17" name="TextBox 16"/>
+          <p:cNvSpPr txBox="1"/>
+          <p:nvPr/>
+        </p:nvSpPr>
+        <p:spPr>
+          <a:xfrm>
+            <a:off x="4932039" y="5219908"/>
+            <a:ext cx="577915" cy="369332"/>
+          </a:xfrm>
+          <a:prstGeom prst="rect">
+            <a:avLst/>
+          </a:prstGeom>
+          <a:noFill/>
+        </p:spPr>
+        <p:txBody>
+          <a:bodyPr wrap="none" rtlCol="0">
+            <a:spAutoFit/>
+          </a:bodyPr>
+          <a:lstStyle/>
+          <a:p>
+            <a:r>
+              <a:rPr lang="ru-RU" dirty="0" smtClean="0"/>
+              <a:t>(</a:t>
+            </a:r>
+            <a:r>
+              <a:rPr lang="ru-RU" dirty="0" smtClean="0"/>
+              <a:t>1</a:t>
+            </a:r>
+            <a:r>
+              <a:rPr lang="en-US" dirty="0" smtClean="0"/>
+              <a:t>1</a:t>
+            </a:r>
+            <a:r>
+              <a:rPr lang="ru-RU" dirty="0" smtClean="0"/>
+              <a:t>)</a:t>
+            </a:r>
+            <a:endParaRPr lang="ru-RU" dirty="0"/>
+          </a:p>
+        </p:txBody>
+      </p:sp>
     </p:spTree>
     <p:extLst>
       <p:ext uri="{BB962C8B-B14F-4D97-AF65-F5344CB8AC3E}">
@@ -18322,6 +19586,14 @@
   <p:clrMapOvr>
     <a:masterClrMapping/>
   </p:clrMapOvr>
+  <mc:AlternateContent xmlns:mc="http://schemas.openxmlformats.org/markup-compatibility/2006">
+    <mc:Choice xmlns:p14="http://schemas.microsoft.com/office/powerpoint/2010/main" Requires="p14">
+      <p:transition spd="slow" p14:dur="2000" advTm="30222"/>
+    </mc:Choice>
+    <mc:Fallback>
+      <p:transition spd="slow" advTm="30222"/>
+    </mc:Fallback>
+  </mc:AlternateContent>
   <p:timing>
     <p:tnLst>
       <p:par>
@@ -18389,8 +19661,13 @@
           <a:p>
             <a:r>
               <a:rPr lang="ru-RU" sz="1800" dirty="0" smtClean="0"/>
-              <a:t>О функции известен радиус области притяжения глобального минимума</a:t>
-            </a:r>
+              <a:t>О функции известен радиус области притяжения глобального </a:t>
+            </a:r>
+            <a:r>
+              <a:rPr lang="ru-RU" sz="1800" dirty="0" smtClean="0"/>
+              <a:t>минимума.</a:t>
+            </a:r>
+            <a:endParaRPr lang="ru-RU" sz="1800" dirty="0" smtClean="0"/>
           </a:p>
           <a:p>
             <a:r>
@@ -18399,20 +19676,59 @@
             </a:r>
             <a:r>
               <a:rPr lang="ru-RU" sz="1800" dirty="0"/>
-              <a:t>методы глобальной и локальной оптимизации</a:t>
-            </a:r>
-          </a:p>
-          <a:p>
+              <a:t>методы </a:t>
+            </a:r>
             <a:r>
               <a:rPr lang="ru-RU" sz="1800" dirty="0" smtClean="0"/>
-              <a:t>В фазе ГО с помощью специального алгоритма формируется список точек, лежащих в областях притяжений локальных минимумов</a:t>
-            </a:r>
-          </a:p>
-          <a:p>
+              <a:t>глобальной (ГО) </a:t>
+            </a:r>
+            <a:r>
+              <a:rPr lang="ru-RU" sz="1800" dirty="0"/>
+              <a:t>и </a:t>
+            </a:r>
             <a:r>
               <a:rPr lang="ru-RU" sz="1800" dirty="0" smtClean="0"/>
-              <a:t>В фазе ЛО из каждой точки приближения локального минимума запускается алгоритм локальной оптимизации</a:t>
-            </a:r>
+              <a:t>локальной (ЛО) оптимизации.</a:t>
+            </a:r>
+            <a:endParaRPr lang="ru-RU" sz="1800" dirty="0"/>
+          </a:p>
+          <a:p>
+            <a:r>
+              <a:rPr lang="ru-RU" sz="1800" dirty="0" smtClean="0"/>
+              <a:t>В фазе ГО с помощью специального алгоритма </a:t>
+            </a:r>
+            <a:r>
+              <a:rPr lang="ru-RU" sz="1800" dirty="0" smtClean="0"/>
+              <a:t>сжатия формируется </a:t>
+            </a:r>
+            <a:r>
+              <a:rPr lang="ru-RU" sz="1800" dirty="0" smtClean="0"/>
+              <a:t>список точек, </a:t>
+            </a:r>
+            <a:r>
+              <a:rPr lang="ru-RU" sz="1800" dirty="0" smtClean="0"/>
+              <a:t>начальных приближений  </a:t>
+            </a:r>
+            <a:r>
+              <a:rPr lang="ru-RU" sz="1800" dirty="0" smtClean="0"/>
+              <a:t>локальных </a:t>
+            </a:r>
+            <a:r>
+              <a:rPr lang="ru-RU" sz="1800" dirty="0" smtClean="0"/>
+              <a:t>минимумов.</a:t>
+            </a:r>
+            <a:endParaRPr lang="ru-RU" sz="1800" dirty="0" smtClean="0"/>
+          </a:p>
+          <a:p>
+            <a:r>
+              <a:rPr lang="ru-RU" sz="1800" dirty="0" smtClean="0"/>
+              <a:t>В фазе ЛО из каждой точки приближения локального минимума запускается алгоритм локальной </a:t>
+            </a:r>
+            <a:r>
+              <a:rPr lang="ru-RU" sz="1800" dirty="0" smtClean="0"/>
+              <a:t>оптимизации.</a:t>
+            </a:r>
+            <a:endParaRPr lang="ru-RU" sz="1800" dirty="0" smtClean="0"/>
           </a:p>
           <a:p>
             <a:endParaRPr lang="ru-RU" sz="1800" dirty="0"/>
@@ -18653,13 +19969,7 @@
               <a:rPr lang="ru-RU" sz="1100" dirty="0">
                 <a:latin typeface="Calibri" pitchFamily="34" charset="0"/>
               </a:rPr>
-              <a:t>– </a:t>
-            </a:r>
-            <a:r>
-              <a:rPr lang="ru-RU" sz="1100" dirty="0">
-                <a:latin typeface="Calibri" pitchFamily="34" charset="0"/>
-              </a:rPr>
-              <a:t>Двухфазный алгоритм метода половинных делений </a:t>
+              <a:t>– Двухфазный алгоритм метода половинных делений </a:t>
             </a:r>
             <a:endParaRPr lang="ru-RU" dirty="0"/>
           </a:p>
@@ -18675,6 +19985,14 @@
   <p:clrMapOvr>
     <a:masterClrMapping/>
   </p:clrMapOvr>
+  <mc:AlternateContent xmlns:mc="http://schemas.openxmlformats.org/markup-compatibility/2006">
+    <mc:Choice xmlns:p14="http://schemas.microsoft.com/office/powerpoint/2010/main" Requires="p14">
+      <p:transition spd="slow" p14:dur="2000" advTm="80275"/>
+    </mc:Choice>
+    <mc:Fallback>
+      <p:transition spd="slow" advTm="80275"/>
+    </mc:Fallback>
+  </mc:AlternateContent>
   <p:timing>
     <p:tnLst>
       <p:par>
@@ -19210,7 +20528,7 @@
               <a:rPr lang="ru-RU" sz="1100" dirty="0" smtClean="0">
                 <a:latin typeface="Calibri" pitchFamily="34" charset="0"/>
               </a:rPr>
-              <a:t>3 </a:t>
+              <a:t>4 </a:t>
             </a:r>
             <a:r>
               <a:rPr lang="ru-RU" sz="1100" dirty="0">
@@ -19238,6 +20556,14 @@
   <p:clrMapOvr>
     <a:masterClrMapping/>
   </p:clrMapOvr>
+  <mc:AlternateContent xmlns:mc="http://schemas.openxmlformats.org/markup-compatibility/2006">
+    <mc:Choice xmlns:p14="http://schemas.microsoft.com/office/powerpoint/2010/main" Requires="p14">
+      <p:transition spd="slow" p14:dur="2000" advTm="41741"/>
+    </mc:Choice>
+    <mc:Fallback>
+      <p:transition spd="slow" advTm="41741"/>
+    </mc:Fallback>
+  </mc:AlternateContent>
   <p:timing>
     <p:tnLst>
       <p:par>
@@ -19403,6 +20729,33 @@
                                   </p:childTnLst>
                                 </p:cTn>
                               </p:par>
+                              <p:par>
+                                <p:cTn id="17" presetID="1" presetClass="entr" presetSubtype="0" fill="hold" grpId="0" nodeType="withEffect">
+                                  <p:stCondLst>
+                                    <p:cond delay="500"/>
+                                  </p:stCondLst>
+                                  <p:childTnLst>
+                                    <p:set>
+                                      <p:cBhvr>
+                                        <p:cTn id="18" dur="1" fill="hold">
+                                          <p:stCondLst>
+                                            <p:cond delay="0"/>
+                                          </p:stCondLst>
+                                        </p:cTn>
+                                        <p:tgtEl>
+                                          <p:spTgt spid="13"/>
+                                        </p:tgtEl>
+                                        <p:attrNameLst>
+                                          <p:attrName>style.visibility</p:attrName>
+                                        </p:attrNameLst>
+                                      </p:cBhvr>
+                                      <p:to>
+                                        <p:strVal val="visible"/>
+                                      </p:to>
+                                    </p:set>
+                                  </p:childTnLst>
+                                </p:cTn>
+                              </p:par>
                             </p:childTnLst>
                           </p:cTn>
                         </p:par>
@@ -19432,6 +20785,7 @@
     </p:tnLst>
     <p:bldLst>
       <p:bldP spid="12" grpId="0" animBg="1"/>
+      <p:bldP spid="13" grpId="0" animBg="1"/>
     </p:bldLst>
   </p:timing>
 </p:sld>
@@ -19513,7 +20867,7 @@
           <p:nvPr/>
         </p:nvPicPr>
         <p:blipFill>
-          <a:blip r:embed="rId3">
+          <a:blip r:embed="rId4">
             <a:extLst>
               <a:ext uri="{28A0092B-C50C-407E-A947-70E740481C1C}">
                 <a14:useLocalDpi xmlns:a14="http://schemas.microsoft.com/office/drawing/2010/main" val="0"/>
@@ -19526,7 +20880,7 @@
         </p:blipFill>
         <p:spPr bwMode="auto">
           <a:xfrm>
-            <a:off x="251520" y="1518757"/>
+            <a:off x="323528" y="1446748"/>
             <a:ext cx="2224405" cy="4574540"/>
           </a:xfrm>
           <a:prstGeom prst="rect">
@@ -19545,7 +20899,7 @@
           <p:nvPr/>
         </p:nvPicPr>
         <p:blipFill>
-          <a:blip r:embed="rId4" cstate="print">
+          <a:blip r:embed="rId5" cstate="print">
             <a:extLst>
               <a:ext uri="{28A0092B-C50C-407E-A947-70E740481C1C}">
                 <a14:useLocalDpi xmlns:a14="http://schemas.microsoft.com/office/drawing/2010/main" val="0"/>
@@ -19575,7 +20929,7 @@
           <p:nvPr/>
         </p:nvPicPr>
         <p:blipFill>
-          <a:blip r:embed="rId5" cstate="print">
+          <a:blip r:embed="rId6" cstate="print">
             <a:extLst>
               <a:ext uri="{28A0092B-C50C-407E-A947-70E740481C1C}">
                 <a14:useLocalDpi xmlns:a14="http://schemas.microsoft.com/office/drawing/2010/main" val="0"/>
@@ -19784,7 +21138,196 @@
           </a:p>
         </p:txBody>
       </p:sp>
+      <p:sp>
+        <p:nvSpPr>
+          <p:cNvPr id="13" name="Надпись 2"/>
+          <p:cNvSpPr txBox="1">
+            <a:spLocks noChangeArrowheads="1"/>
+          </p:cNvSpPr>
+          <p:nvPr/>
+        </p:nvSpPr>
+        <p:spPr bwMode="auto">
+          <a:xfrm>
+            <a:off x="179512" y="6067340"/>
+            <a:ext cx="2484928" cy="241980"/>
+          </a:xfrm>
+          <a:prstGeom prst="rect">
+            <a:avLst/>
+          </a:prstGeom>
+          <a:solidFill>
+            <a:srgbClr val="FFFFFF"/>
+          </a:solidFill>
+          <a:ln>
+            <a:noFill/>
+          </a:ln>
+          <a:extLst>
+            <a:ext uri="{91240B29-F687-4F45-9708-019B960494DF}">
+              <a14:hiddenLine xmlns:a14="http://schemas.microsoft.com/office/drawing/2010/main" w="9525">
+                <a:solidFill>
+                  <a:srgbClr val="000000"/>
+                </a:solidFill>
+                <a:miter lim="800000"/>
+                <a:headEnd/>
+                <a:tailEnd/>
+              </a14:hiddenLine>
+            </a:ext>
+          </a:extLst>
+        </p:spPr>
+        <p:txBody>
+          <a:bodyPr wrap="square" lIns="36000" tIns="36000" rIns="36000" bIns="36000">
+            <a:spAutoFit/>
+          </a:bodyPr>
+          <a:lstStyle>
+            <a:lvl1pPr eaLnBrk="0" hangingPunct="0">
+              <a:defRPr>
+                <a:solidFill>
+                  <a:schemeClr val="tx1"/>
+                </a:solidFill>
+                <a:latin typeface="Arial" charset="0"/>
+                <a:cs typeface="Arial" charset="0"/>
+              </a:defRPr>
+            </a:lvl1pPr>
+            <a:lvl2pPr marL="742950" indent="-285750" eaLnBrk="0" hangingPunct="0">
+              <a:defRPr>
+                <a:solidFill>
+                  <a:schemeClr val="tx1"/>
+                </a:solidFill>
+                <a:latin typeface="Arial" charset="0"/>
+                <a:cs typeface="Arial" charset="0"/>
+              </a:defRPr>
+            </a:lvl2pPr>
+            <a:lvl3pPr marL="1143000" indent="-228600" eaLnBrk="0" hangingPunct="0">
+              <a:defRPr>
+                <a:solidFill>
+                  <a:schemeClr val="tx1"/>
+                </a:solidFill>
+                <a:latin typeface="Arial" charset="0"/>
+                <a:cs typeface="Arial" charset="0"/>
+              </a:defRPr>
+            </a:lvl3pPr>
+            <a:lvl4pPr marL="1600200" indent="-228600" eaLnBrk="0" hangingPunct="0">
+              <a:defRPr>
+                <a:solidFill>
+                  <a:schemeClr val="tx1"/>
+                </a:solidFill>
+                <a:latin typeface="Arial" charset="0"/>
+                <a:cs typeface="Arial" charset="0"/>
+              </a:defRPr>
+            </a:lvl4pPr>
+            <a:lvl5pPr marL="2057400" indent="-228600" eaLnBrk="0" hangingPunct="0">
+              <a:defRPr>
+                <a:solidFill>
+                  <a:schemeClr val="tx1"/>
+                </a:solidFill>
+                <a:latin typeface="Arial" charset="0"/>
+                <a:cs typeface="Arial" charset="0"/>
+              </a:defRPr>
+            </a:lvl5pPr>
+            <a:lvl6pPr marL="2514600" indent="-228600" eaLnBrk="0" fontAlgn="base" hangingPunct="0">
+              <a:spcBef>
+                <a:spcPct val="0"/>
+              </a:spcBef>
+              <a:spcAft>
+                <a:spcPct val="0"/>
+              </a:spcAft>
+              <a:defRPr>
+                <a:solidFill>
+                  <a:schemeClr val="tx1"/>
+                </a:solidFill>
+                <a:latin typeface="Arial" charset="0"/>
+                <a:cs typeface="Arial" charset="0"/>
+              </a:defRPr>
+            </a:lvl6pPr>
+            <a:lvl7pPr marL="2971800" indent="-228600" eaLnBrk="0" fontAlgn="base" hangingPunct="0">
+              <a:spcBef>
+                <a:spcPct val="0"/>
+              </a:spcBef>
+              <a:spcAft>
+                <a:spcPct val="0"/>
+              </a:spcAft>
+              <a:defRPr>
+                <a:solidFill>
+                  <a:schemeClr val="tx1"/>
+                </a:solidFill>
+                <a:latin typeface="Arial" charset="0"/>
+                <a:cs typeface="Arial" charset="0"/>
+              </a:defRPr>
+            </a:lvl7pPr>
+            <a:lvl8pPr marL="3429000" indent="-228600" eaLnBrk="0" fontAlgn="base" hangingPunct="0">
+              <a:spcBef>
+                <a:spcPct val="0"/>
+              </a:spcBef>
+              <a:spcAft>
+                <a:spcPct val="0"/>
+              </a:spcAft>
+              <a:defRPr>
+                <a:solidFill>
+                  <a:schemeClr val="tx1"/>
+                </a:solidFill>
+                <a:latin typeface="Arial" charset="0"/>
+                <a:cs typeface="Arial" charset="0"/>
+              </a:defRPr>
+            </a:lvl8pPr>
+            <a:lvl9pPr marL="3886200" indent="-228600" eaLnBrk="0" fontAlgn="base" hangingPunct="0">
+              <a:spcBef>
+                <a:spcPct val="0"/>
+              </a:spcBef>
+              <a:spcAft>
+                <a:spcPct val="0"/>
+              </a:spcAft>
+              <a:defRPr>
+                <a:solidFill>
+                  <a:schemeClr val="tx1"/>
+                </a:solidFill>
+                <a:latin typeface="Arial" charset="0"/>
+                <a:cs typeface="Arial" charset="0"/>
+              </a:defRPr>
+            </a:lvl9pPr>
+          </a:lstStyle>
+          <a:p>
+            <a:pPr eaLnBrk="1" hangingPunct="1">
+              <a:spcAft>
+                <a:spcPts val="1000"/>
+              </a:spcAft>
+            </a:pPr>
+            <a:r>
+              <a:rPr lang="ru-RU" sz="1100" dirty="0">
+                <a:latin typeface="Calibri" pitchFamily="34" charset="0"/>
+              </a:rPr>
+              <a:t>Рисунок </a:t>
+            </a:r>
+            <a:r>
+              <a:rPr lang="ru-RU" sz="1100" dirty="0">
+                <a:latin typeface="Calibri" pitchFamily="34" charset="0"/>
+              </a:rPr>
+              <a:t>5</a:t>
+            </a:r>
+            <a:r>
+              <a:rPr lang="ru-RU" sz="1100" dirty="0" smtClean="0">
+                <a:latin typeface="Calibri" pitchFamily="34" charset="0"/>
+              </a:rPr>
+              <a:t> </a:t>
+            </a:r>
+            <a:r>
+              <a:rPr lang="ru-RU" sz="1100" dirty="0">
+                <a:latin typeface="Calibri" pitchFamily="34" charset="0"/>
+              </a:rPr>
+              <a:t>– </a:t>
+            </a:r>
+            <a:r>
+              <a:rPr lang="ru-RU" sz="1100" dirty="0" smtClean="0">
+                <a:latin typeface="Calibri" pitchFamily="34" charset="0"/>
+              </a:rPr>
+              <a:t>Базовая версия алгоритма</a:t>
+            </a:r>
+            <a:endParaRPr lang="ru-RU" dirty="0"/>
+          </a:p>
+        </p:txBody>
+      </p:sp>
     </p:spTree>
+    <p:custDataLst>
+      <p:tags r:id="rId1"/>
+    </p:custDataLst>
     <p:extLst>
       <p:ext uri="{BB962C8B-B14F-4D97-AF65-F5344CB8AC3E}">
         <p14:creationId xmlns:p14="http://schemas.microsoft.com/office/powerpoint/2010/main" val="1347371913"/>
@@ -19794,6 +21337,14 @@
   <p:clrMapOvr>
     <a:masterClrMapping/>
   </p:clrMapOvr>
+  <mc:AlternateContent xmlns:mc="http://schemas.openxmlformats.org/markup-compatibility/2006">
+    <mc:Choice xmlns:p14="http://schemas.microsoft.com/office/powerpoint/2010/main" Requires="p14">
+      <p:transition spd="slow" p14:dur="2000" advTm="55182"/>
+    </mc:Choice>
+    <mc:Fallback>
+      <p:transition spd="slow" advTm="55182"/>
+    </mc:Fallback>
+  </mc:AlternateContent>
   <p:timing>
     <p:tnLst>
       <p:par>
@@ -20010,7 +21561,7 @@
                             </p:stCondLst>
                             <p:childTnLst>
                               <p:par>
-                                <p:cTn id="18" presetID="53" presetClass="entr" presetSubtype="16" fill="hold" nodeType="afterEffect">
+                                <p:cTn id="18" presetID="1" presetClass="entr" presetSubtype="0" fill="hold" nodeType="afterEffect">
                                   <p:stCondLst>
                                     <p:cond delay="0"/>
                                   </p:stCondLst>
@@ -20033,72 +21584,18 @@
                                         <p:strVal val="visible"/>
                                       </p:to>
                                     </p:set>
-                                    <p:anim calcmode="lin" valueType="num">
-                                      <p:cBhvr>
-                                        <p:cTn id="20" dur="500" fill="hold"/>
-                                        <p:tgtEl>
-                                          <p:spTgt spid="7"/>
-                                        </p:tgtEl>
-                                        <p:attrNameLst>
-                                          <p:attrName>ppt_w</p:attrName>
-                                        </p:attrNameLst>
-                                      </p:cBhvr>
-                                      <p:tavLst>
-                                        <p:tav tm="0">
-                                          <p:val>
-                                            <p:fltVal val="0"/>
-                                          </p:val>
-                                        </p:tav>
-                                        <p:tav tm="100000">
-                                          <p:val>
-                                            <p:strVal val="#ppt_w"/>
-                                          </p:val>
-                                        </p:tav>
-                                      </p:tavLst>
-                                    </p:anim>
-                                    <p:anim calcmode="lin" valueType="num">
-                                      <p:cBhvr>
-                                        <p:cTn id="21" dur="500" fill="hold"/>
-                                        <p:tgtEl>
-                                          <p:spTgt spid="7"/>
-                                        </p:tgtEl>
-                                        <p:attrNameLst>
-                                          <p:attrName>ppt_h</p:attrName>
-                                        </p:attrNameLst>
-                                      </p:cBhvr>
-                                      <p:tavLst>
-                                        <p:tav tm="0">
-                                          <p:val>
-                                            <p:fltVal val="0"/>
-                                          </p:val>
-                                        </p:tav>
-                                        <p:tav tm="100000">
-                                          <p:val>
-                                            <p:strVal val="#ppt_h"/>
-                                          </p:val>
-                                        </p:tav>
-                                      </p:tavLst>
-                                    </p:anim>
-                                    <p:animEffect transition="in" filter="fade">
-                                      <p:cBhvr>
-                                        <p:cTn id="22" dur="500"/>
-                                        <p:tgtEl>
-                                          <p:spTgt spid="7"/>
-                                        </p:tgtEl>
-                                      </p:cBhvr>
-                                    </p:animEffect>
                                   </p:childTnLst>
                                 </p:cTn>
                               </p:par>
                               <p:par>
-                                <p:cTn id="23" presetID="53" presetClass="entr" presetSubtype="16" fill="hold" nodeType="withEffect">
+                                <p:cTn id="20" presetID="1" presetClass="entr" presetSubtype="0" fill="hold" nodeType="withEffect">
                                   <p:stCondLst>
                                     <p:cond delay="0"/>
                                   </p:stCondLst>
                                   <p:childTnLst>
                                     <p:set>
                                       <p:cBhvr>
-                                        <p:cTn id="24" dur="1" fill="hold">
+                                        <p:cTn id="21" dur="1" fill="hold">
                                           <p:stCondLst>
                                             <p:cond delay="0"/>
                                           </p:stCondLst>
@@ -20114,72 +21611,18 @@
                                         <p:strVal val="visible"/>
                                       </p:to>
                                     </p:set>
-                                    <p:anim calcmode="lin" valueType="num">
-                                      <p:cBhvr>
-                                        <p:cTn id="25" dur="500" fill="hold"/>
-                                        <p:tgtEl>
-                                          <p:spTgt spid="8"/>
-                                        </p:tgtEl>
-                                        <p:attrNameLst>
-                                          <p:attrName>ppt_w</p:attrName>
-                                        </p:attrNameLst>
-                                      </p:cBhvr>
-                                      <p:tavLst>
-                                        <p:tav tm="0">
-                                          <p:val>
-                                            <p:fltVal val="0"/>
-                                          </p:val>
-                                        </p:tav>
-                                        <p:tav tm="100000">
-                                          <p:val>
-                                            <p:strVal val="#ppt_w"/>
-                                          </p:val>
-                                        </p:tav>
-                                      </p:tavLst>
-                                    </p:anim>
-                                    <p:anim calcmode="lin" valueType="num">
-                                      <p:cBhvr>
-                                        <p:cTn id="26" dur="500" fill="hold"/>
-                                        <p:tgtEl>
-                                          <p:spTgt spid="8"/>
-                                        </p:tgtEl>
-                                        <p:attrNameLst>
-                                          <p:attrName>ppt_h</p:attrName>
-                                        </p:attrNameLst>
-                                      </p:cBhvr>
-                                      <p:tavLst>
-                                        <p:tav tm="0">
-                                          <p:val>
-                                            <p:fltVal val="0"/>
-                                          </p:val>
-                                        </p:tav>
-                                        <p:tav tm="100000">
-                                          <p:val>
-                                            <p:strVal val="#ppt_h"/>
-                                          </p:val>
-                                        </p:tav>
-                                      </p:tavLst>
-                                    </p:anim>
-                                    <p:animEffect transition="in" filter="fade">
-                                      <p:cBhvr>
-                                        <p:cTn id="27" dur="500"/>
-                                        <p:tgtEl>
-                                          <p:spTgt spid="8"/>
-                                        </p:tgtEl>
-                                      </p:cBhvr>
-                                    </p:animEffect>
                                   </p:childTnLst>
                                 </p:cTn>
                               </p:par>
                               <p:par>
-                                <p:cTn id="28" presetID="1" presetClass="entr" presetSubtype="0" fill="hold" grpId="0" nodeType="withEffect">
+                                <p:cTn id="22" presetID="1" presetClass="entr" presetSubtype="0" fill="hold" grpId="0" nodeType="withEffect">
                                   <p:stCondLst>
                                     <p:cond delay="0"/>
                                   </p:stCondLst>
                                   <p:childTnLst>
                                     <p:set>
                                       <p:cBhvr>
-                                        <p:cTn id="29" dur="1" fill="hold">
+                                        <p:cTn id="23" dur="1" fill="hold">
                                           <p:stCondLst>
                                             <p:cond delay="0"/>
                                           </p:stCondLst>
@@ -20199,14 +21642,14 @@
                                 </p:cTn>
                               </p:par>
                               <p:par>
-                                <p:cTn id="30" presetID="1" presetClass="entr" presetSubtype="0" fill="hold" grpId="0" nodeType="withEffect">
+                                <p:cTn id="24" presetID="1" presetClass="entr" presetSubtype="0" fill="hold" grpId="0" nodeType="withEffect">
                                   <p:stCondLst>
                                     <p:cond delay="0"/>
                                   </p:stCondLst>
                                   <p:childTnLst>
                                     <p:set>
                                       <p:cBhvr>
-                                        <p:cTn id="31" dur="1" fill="hold">
+                                        <p:cTn id="25" dur="1" fill="hold">
                                           <p:stCondLst>
                                             <p:cond delay="0"/>
                                           </p:stCondLst>
@@ -20226,14 +21669,14 @@
                                 </p:cTn>
                               </p:par>
                               <p:par>
-                                <p:cTn id="32" presetID="1" presetClass="entr" presetSubtype="0" fill="hold" grpId="0" nodeType="withEffect">
+                                <p:cTn id="26" presetID="1" presetClass="entr" presetSubtype="0" fill="hold" grpId="0" nodeType="withEffect">
                                   <p:stCondLst>
                                     <p:cond delay="0"/>
                                   </p:stCondLst>
                                   <p:childTnLst>
                                     <p:set>
                                       <p:cBhvr>
-                                        <p:cTn id="33" dur="1" fill="hold">
+                                        <p:cTn id="27" dur="1" fill="hold">
                                           <p:stCondLst>
                                             <p:cond delay="0"/>
                                           </p:stCondLst>
@@ -21223,6 +22666,14 @@
   <p:clrMapOvr>
     <a:masterClrMapping/>
   </p:clrMapOvr>
+  <mc:AlternateContent xmlns:mc="http://schemas.openxmlformats.org/markup-compatibility/2006">
+    <mc:Choice xmlns:p14="http://schemas.microsoft.com/office/powerpoint/2010/main" Requires="p14">
+      <p:transition spd="slow" p14:dur="2000" advTm="16545"/>
+    </mc:Choice>
+    <mc:Fallback>
+      <p:transition spd="slow" advTm="16545"/>
+    </mc:Fallback>
+  </mc:AlternateContent>
   <p:timing>
     <p:tnLst>
       <p:par>
@@ -21231,6 +22682,18 @@
     </p:tnLst>
   </p:timing>
 </p:sld>
+</file>
+
+<file path=ppt/tags/tag1.xml><?xml version="1.0" encoding="utf-8"?>
+<p:tagLst xmlns:a="http://schemas.openxmlformats.org/drawingml/2006/main" xmlns:r="http://schemas.openxmlformats.org/officeDocument/2006/relationships" xmlns:p="http://schemas.openxmlformats.org/presentationml/2006/main">
+  <p:tag name="TIMING" val="|14.1"/>
+</p:tagLst>
+</file>
+
+<file path=ppt/tags/tag2.xml><?xml version="1.0" encoding="utf-8"?>
+<p:tagLst xmlns:a="http://schemas.openxmlformats.org/drawingml/2006/main" xmlns:r="http://schemas.openxmlformats.org/officeDocument/2006/relationships" xmlns:p="http://schemas.openxmlformats.org/presentationml/2006/main">
+  <p:tag name="TIMING" val="|33.3"/>
+</p:tagLst>
 </file>
 
 <file path=ppt/theme/theme1.xml><?xml version="1.0" encoding="utf-8"?>
@@ -22556,4 +24019,47 @@
   <a:objectDefaults/>
   <a:extraClrSchemeLst/>
 </a:theme>
+</file>
+
+<file path=ppt/theme/themeOverride1.xml><?xml version="1.0" encoding="utf-8"?>
+<a:themeOverride xmlns:a="http://schemas.openxmlformats.org/drawingml/2006/main">
+  <a:clrScheme name="Новая 1">
+    <a:dk1>
+      <a:srgbClr val="000000"/>
+    </a:dk1>
+    <a:lt1>
+      <a:srgbClr val="FFFFFF"/>
+    </a:lt1>
+    <a:dk2>
+      <a:srgbClr val="000000"/>
+    </a:dk2>
+    <a:lt2>
+      <a:srgbClr val="243A79"/>
+    </a:lt2>
+    <a:accent1>
+      <a:srgbClr val="385BBE"/>
+    </a:accent1>
+    <a:accent2>
+      <a:srgbClr val="649600"/>
+    </a:accent2>
+    <a:accent3>
+      <a:srgbClr val="FFFFFF"/>
+    </a:accent3>
+    <a:accent4>
+      <a:srgbClr val="000000"/>
+    </a:accent4>
+    <a:accent5>
+      <a:srgbClr val="AABEDE"/>
+    </a:accent5>
+    <a:accent6>
+      <a:srgbClr val="5A8700"/>
+    </a:accent6>
+    <a:hlink>
+      <a:srgbClr val="385BBE"/>
+    </a:hlink>
+    <a:folHlink>
+      <a:srgbClr val="243A79"/>
+    </a:folHlink>
+  </a:clrScheme>
+</a:themeOverride>
 </file>
--- a/documentation/Презентация.pptx
+++ b/documentation/Презентация.pptx
@@ -5,10 +5,10 @@
     <p:sldMasterId id="2147483660" r:id="rId1"/>
   </p:sldMasterIdLst>
   <p:notesMasterIdLst>
-    <p:notesMasterId r:id="rId19"/>
+    <p:notesMasterId r:id="rId20"/>
   </p:notesMasterIdLst>
   <p:handoutMasterIdLst>
-    <p:handoutMasterId r:id="rId20"/>
+    <p:handoutMasterId r:id="rId21"/>
   </p:handoutMasterIdLst>
   <p:sldIdLst>
     <p:sldId id="274" r:id="rId2"/>
@@ -27,7 +27,8 @@
     <p:sldId id="287" r:id="rId15"/>
     <p:sldId id="295" r:id="rId16"/>
     <p:sldId id="283" r:id="rId17"/>
-    <p:sldId id="279" r:id="rId18"/>
+    <p:sldId id="296" r:id="rId18"/>
+    <p:sldId id="279" r:id="rId19"/>
   </p:sldIdLst>
   <p:sldSz cx="9144000" cy="6858000" type="screen4x3"/>
   <p:notesSz cx="6735763" cy="9856788"/>
@@ -268,7 +269,7 @@
               <a:pPr>
                 <a:defRPr/>
               </a:pPr>
-              <a:t>24.05.2012</a:t>
+              <a:t>25.05.2012</a:t>
             </a:fld>
             <a:endParaRPr lang="ru-RU"/>
           </a:p>
@@ -491,7 +492,7 @@
               <a:pPr>
                 <a:defRPr/>
               </a:pPr>
-              <a:t>24.05.2012</a:t>
+              <a:t>25.05.2012</a:t>
             </a:fld>
             <a:endParaRPr lang="ru-RU"/>
           </a:p>
@@ -1199,11 +1200,7 @@
             </a:r>
             <a:r>
               <a:rPr lang="ru-RU" dirty="0" smtClean="0"/>
-              <a:t>гасителе </a:t>
-            </a:r>
-            <a:r>
-              <a:rPr lang="ru-RU" dirty="0" smtClean="0"/>
-              <a:t>как </a:t>
+              <a:t>гасителе как </a:t>
             </a:r>
             <a:r>
               <a:rPr lang="ru-RU" dirty="0"/>
@@ -1352,7 +1349,15 @@
             <a:pPr indent="447675" algn="just"/>
             <a:r>
               <a:rPr lang="ru-RU" dirty="0"/>
-              <a:t>В целом, задача выбора рациональных параметров гасителя представляется смешанной задачей параметрической и структурной оптимизации. Задача структурной оптимизации сводится к простому перебором различных вариантов компоновок гасителя по числу шайб. В общем случае задачу параметрической оптимизации можно поставить как задачу условной оптимизации в виде </a:t>
+              <a:t>В целом, задача выбора рациональных параметров гасителя представляется смешанной задачей параметрической и структурной оптимизации. Задача структурной оптимизации сводится к простому </a:t>
+            </a:r>
+            <a:r>
+              <a:rPr lang="ru-RU" dirty="0" smtClean="0"/>
+              <a:t>перебору </a:t>
+            </a:r>
+            <a:r>
+              <a:rPr lang="ru-RU" dirty="0"/>
+              <a:t>различных вариантов компоновок гасителя по числу шайб. В общем случае задачу параметрической оптимизации можно поставить как задачу условной оптимизации в виде </a:t>
             </a:r>
             <a:r>
               <a:rPr lang="ru-RU" dirty="0" smtClean="0"/>
@@ -1651,14 +1656,15 @@
             <a:pPr indent="447675" algn="just"/>
             <a:r>
               <a:rPr lang="ru-RU" dirty="0"/>
-              <a:t>Был предложен новый параллельный алгоритма глобальной оптимизации.</a:t>
-            </a:r>
-          </a:p>
-          <a:p>
-            <a:pPr indent="447675" algn="just"/>
+              <a:t>Был предложен новый параллельный алгоритма глобальной </a:t>
+            </a:r>
+            <a:r>
+              <a:rPr lang="ru-RU" dirty="0" smtClean="0"/>
+              <a:t>оптимизации  в трех модификациях и проведено </a:t>
+            </a:r>
             <a:r>
               <a:rPr lang="ru-RU" dirty="0"/>
-              <a:t>Было проведено исследование эффективности данного алгоритма на тестовой функции и на реальной физической задаче.</a:t>
+              <a:t>исследование эффективности данного алгоритма на тестовой функции и на реальной физической задаче.</a:t>
             </a:r>
           </a:p>
           <a:p>
@@ -2071,7 +2077,7 @@
               <a:pPr>
                 <a:defRPr/>
               </a:pPr>
-              <a:t>17</a:t>
+              <a:t>18</a:t>
             </a:fld>
             <a:endParaRPr lang="ru-RU"/>
           </a:p>
@@ -2338,8 +2344,13 @@
             </a:r>
             <a:r>
               <a:rPr lang="ru-RU" dirty="0"/>
-              <a:t>-мерном параллелепипеде. В большинстве практических задач достаточно с заданной точностью эпсилон определить величину глобального минимума функции и найти хотя бы одну точку, где это приближенное значение достигается.</a:t>
-            </a:r>
+              <a:t>-мерном параллелепипеде. В большинстве практических задач достаточно с заданной точностью эпсилон определить величину глобального минимума функции и найти хотя бы одну точку, где это приближенное значение достигается</a:t>
+            </a:r>
+            <a:r>
+              <a:rPr lang="ru-RU" dirty="0" smtClean="0"/>
+              <a:t>. </a:t>
+            </a:r>
+            <a:endParaRPr lang="ru-RU" dirty="0"/>
           </a:p>
         </p:txBody>
       </p:sp>
@@ -2438,9 +2449,30 @@
           <a:p>
             <a:pPr indent="447675" algn="just"/>
             <a:r>
-              <a:rPr lang="ru-RU" dirty="0"/>
-              <a:t>Многочисленные работы в области глобальной оптимизации функции многих переменных свидетельствуют о невозможности создания универсального алгоритма оптимизации любых функций. На практике большинство физических процессов описываются функциями, принадлежащими к классу липшецевых. Далее будем рассматривать только этот класс функций.</a:t>
-            </a:r>
+              <a:rPr lang="ru-RU" dirty="0" smtClean="0"/>
+              <a:t>В </a:t>
+            </a:r>
+            <a:r>
+              <a:rPr lang="ru-RU" smtClean="0"/>
+              <a:t>работе будем рассматривать </a:t>
+            </a:r>
+            <a:r>
+              <a:rPr lang="ru-RU"/>
+              <a:t>только </a:t>
+            </a:r>
+            <a:r>
+              <a:rPr lang="ru-RU" smtClean="0"/>
+              <a:t>класс </a:t>
+            </a:r>
+            <a:r>
+              <a:rPr lang="ru-RU" dirty="0" err="1" smtClean="0"/>
+              <a:t>липшицевы</a:t>
+            </a:r>
+            <a:r>
+              <a:rPr lang="ru-RU" dirty="0" smtClean="0"/>
+              <a:t> функций. </a:t>
+            </a:r>
+            <a:endParaRPr lang="ru-RU" dirty="0"/>
           </a:p>
           <a:p>
             <a:pPr indent="447675" algn="just"/>
@@ -2454,7 +2486,15 @@
             </a:r>
             <a:r>
               <a:rPr lang="ru-RU" dirty="0"/>
-              <a:t>1971 году. Идея</a:t>
+              <a:t>1971 году</a:t>
+            </a:r>
+            <a:r>
+              <a:rPr lang="ru-RU" dirty="0" smtClean="0"/>
+              <a:t>. Метод относится к детерминированным и доказательным. </a:t>
+            </a:r>
+            <a:r>
+              <a:rPr lang="ru-RU" dirty="0"/>
+              <a:t>Идея</a:t>
             </a:r>
             <a:r>
               <a:rPr lang="ru-RU" b="1" dirty="0"/>
@@ -2477,47 +2517,7 @@
             <a:pPr indent="447675" algn="just"/>
             <a:r>
               <a:rPr lang="ru-RU" dirty="0" smtClean="0"/>
-              <a:t>При делении формируется список параллелепипедов </a:t>
-            </a:r>
-            <a:r>
-              <a:rPr lang="en-US" dirty="0" err="1" smtClean="0"/>
-              <a:t>Bk</a:t>
-            </a:r>
-            <a:r>
-              <a:rPr lang="ru-RU" dirty="0" smtClean="0"/>
-              <a:t> с центрами </a:t>
-            </a:r>
-            <a:r>
-              <a:rPr lang="en-US" dirty="0" smtClean="0"/>
-              <a:t>ci</a:t>
-            </a:r>
-            <a:r>
-              <a:rPr lang="ru-RU" dirty="0" smtClean="0"/>
-              <a:t> и диагоналями 2</a:t>
-            </a:r>
-            <a:r>
-              <a:rPr lang="en-US" dirty="0" err="1" smtClean="0"/>
-              <a:t>Ri</a:t>
-            </a:r>
-            <a:r>
-              <a:rPr lang="ru-RU" dirty="0" smtClean="0"/>
-              <a:t>. В каждой точке </a:t>
-            </a:r>
-            <a:r>
-              <a:rPr lang="en-US" dirty="0" smtClean="0"/>
-              <a:t>ci</a:t>
-            </a:r>
-            <a:r>
-              <a:rPr lang="ru-RU" dirty="0" smtClean="0"/>
-              <a:t> вычисляется значение функции и определяется текущий рекорд. На каждом шаге из списка </a:t>
-            </a:r>
-            <a:r>
-              <a:rPr lang="en-US" dirty="0" err="1" smtClean="0"/>
-              <a:t>Bk</a:t>
-            </a:r>
-            <a:r>
-              <a:rPr lang="ru-RU" dirty="0" smtClean="0"/>
-              <a:t> выбирается параллелепипед для которого выполняется условие (8) и производится его деление, в нашем случае по наибольшему ребру, при этом из списка исключаются все параллелепипеды для которых верно неравенство (9).</a:t>
+              <a:t>При делении формируется список параллелепипедов упорядоченный по главному критерию оптимизации (8). На каждом шаге из списка выбирается  первый параллелепипед и производится его деление, в нашем случае по наибольшему ребру, при этом из списка исключаются все параллелепипеды для которых верно неравенство (9). Новые параллелепипеды заносятся в список.</a:t>
             </a:r>
           </a:p>
           <a:p>
@@ -2646,7 +2646,15 @@
             </a:r>
             <a:r>
               <a:rPr lang="ru-RU" dirty="0"/>
-              <a:t> была предложена одна из самых эффективных стратегий многоэкстремальной оптимизации для одномерных функций, основанная на использовании приближенного апостериорного распределения вероятностей расположения глобального экстремума, формируемого в процессе испытаний функции. С учетом этой стратегии для выбора критического параллелепипеда вместо условия (8) будем использовать условие (10). </a:t>
+              <a:t> была предложена одна из самых эффективных стратегий многоэкстремальной оптимизации для одномерных функций, </a:t>
+            </a:r>
+            <a:r>
+              <a:rPr lang="ru-RU" dirty="0" smtClean="0"/>
+              <a:t>основанная на использовании приближенного апостериорного распределения вероятностей расположения глобального экстремума, формируемого в процессе испытаний функции. </a:t>
+            </a:r>
+            <a:r>
+              <a:rPr lang="ru-RU" dirty="0"/>
+              <a:t>С учетом этой стратегии для выбора критического параллелепипеда вместо условия (8) будем использовать условие (10). </a:t>
             </a:r>
           </a:p>
           <a:p>
@@ -2785,7 +2793,23 @@
             </a:r>
             <a:r>
               <a:rPr lang="ru-RU" dirty="0"/>
-              <a:t>лежащих неподалёку, можно заменить одной. Данный алгоритм сжатия значительно уменьшает число стартовых точек для этапа локальной оптимизации. И хотя он является эвристическим, эксперименты показали его высокую эффективность.</a:t>
+              <a:t>лежащих неподалёку, можно заменить одной</a:t>
+            </a:r>
+            <a:r>
+              <a:rPr lang="ru-RU" dirty="0" smtClean="0"/>
+              <a:t>.,</a:t>
+            </a:r>
+            <a:r>
+              <a:rPr lang="en-US" dirty="0" smtClean="0"/>
+              <a:t> </a:t>
+            </a:r>
+            <a:r>
+              <a:rPr lang="ru-RU" dirty="0" smtClean="0"/>
+              <a:t>Данный </a:t>
+            </a:r>
+            <a:r>
+              <a:rPr lang="ru-RU" dirty="0"/>
+              <a:t>алгоритм сжатия значительно уменьшает число стартовых точек для этапа локальной оптимизации. И хотя он является эвристическим, эксперименты показали его высокую эффективность.</a:t>
             </a:r>
           </a:p>
           <a:p>
@@ -2913,25 +2937,18 @@
           <a:p>
             <a:pPr indent="447675" algn="just"/>
             <a:r>
+              <a:rPr lang="ru-RU" dirty="0" smtClean="0"/>
+              <a:t>При разработке и исследование новых не только параллельных, но и последовательных алгоритмов актуальным </a:t>
+            </a:r>
+            <a:r>
               <a:rPr lang="ru-RU" dirty="0"/>
-              <a:t>Особенностью разработки параллельных алгоритмов является некоторая неопределённость конечного результата. Например, хорошая идея распараллеливания может упереться в </a:t>
+              <a:t>является создание средств визуального моделирования алгоритмом и автоматизации программирования, позволяющие </a:t>
             </a:r>
             <a:r>
               <a:rPr lang="ru-RU" dirty="0" smtClean="0"/>
-              <a:t>проблему </a:t>
-            </a:r>
-            <a:r>
-              <a:rPr lang="ru-RU" dirty="0"/>
-              <a:t>передачи </a:t>
-            </a:r>
-            <a:r>
-              <a:rPr lang="ru-RU" dirty="0" smtClean="0"/>
-              <a:t>данных на распределенной вычислительной системе, </a:t>
-            </a:r>
-            <a:r>
-              <a:rPr lang="ru-RU" dirty="0"/>
-              <a:t>с другой стороны простой алгоритм может дать хороший результат. В этом плане актуальным является создание средств визуального моделирования алгоритмом и автоматизации программирования, позволяющие легко производить модификации алгоритмов. </a:t>
-            </a:r>
+              <a:t>сконцентрироваться именно на разработке, а не реализации под конкретную аппаратную платформу или стандарт.  </a:t>
+            </a:r>
+            <a:endParaRPr lang="ru-RU" dirty="0"/>
           </a:p>
           <a:p>
             <a:pPr indent="447675" algn="just"/>
@@ -2948,12 +2965,16 @@
               <a:t>. Алгоритм представляется в наглядной форме, а коды программ, включая директивы </a:t>
             </a:r>
             <a:r>
-              <a:rPr lang="en-US" dirty="0"/>
+              <a:rPr lang="en-US" dirty="0" smtClean="0"/>
               <a:t>MPI</a:t>
             </a:r>
             <a:r>
+              <a:rPr lang="ru-RU" dirty="0" smtClean="0"/>
+              <a:t> для передачи данных между процессами, </a:t>
+            </a:r>
+            <a:r>
               <a:rPr lang="ru-RU" dirty="0"/>
-              <a:t>, генерируются автоматически, что позволяет перебрать </a:t>
+              <a:t>генерируются автоматически, что позволяет перебрать </a:t>
             </a:r>
             <a:r>
               <a:rPr lang="ru-RU" dirty="0" err="1"/>
@@ -3064,7 +3085,15 @@
             <a:pPr indent="447675" algn="just"/>
             <a:r>
               <a:rPr lang="ru-RU" dirty="0"/>
-              <a:t>Базовая реализация двухфазного параллельного алгоритма глобальной оптимизации в нотации технологии ГСП приведена на слайде. Было проведено несколько экспериментов по определению ускорения алгоритма. Все эксперименты проводились на суперкомпьютерном кластере «Сергей Королев» с числом процессоров до 512 и размерностью задачи 8. </a:t>
+              <a:t>Базовая реализация двухфазного параллельного алгоритма глобальной оптимизации в нотации технологии ГСП приведена на слайде. </a:t>
+            </a:r>
+            <a:r>
+              <a:rPr lang="ru-RU" dirty="0" smtClean="0"/>
+              <a:t>Далее были проведены эксперименты </a:t>
+            </a:r>
+            <a:r>
+              <a:rPr lang="ru-RU" dirty="0"/>
+              <a:t>по определению ускорения алгоритма. Все эксперименты проводились на суперкомпьютерном кластере «Сергей Королев» с числом процессоров до 512 и размерностью задачи 8. </a:t>
             </a:r>
             <a:endParaRPr lang="ru-RU" dirty="0" smtClean="0"/>
           </a:p>
@@ -3088,15 +3117,19 @@
             </a:r>
             <a:r>
               <a:rPr lang="ru-RU" dirty="0" smtClean="0"/>
-              <a:t>распределения </a:t>
+              <a:t>распределения загрузки в </a:t>
+            </a:r>
+            <a:r>
+              <a:rPr lang="ru-RU" dirty="0"/>
+              <a:t>фазе глобальной оптимизации обусловлена неравномерностью прореживания параллелепипедов, а в фазе </a:t>
             </a:r>
             <a:r>
               <a:rPr lang="ru-RU" dirty="0" smtClean="0"/>
-              <a:t>загрузки в </a:t>
+              <a:t>локальной – </a:t>
             </a:r>
             <a:r>
               <a:rPr lang="ru-RU" dirty="0"/>
-              <a:t>фазе глобальной оптимизации обусловлена неравномерностью прореживания параллелепипедов, а в фазе ЛО – разной удаленностью начальных точек от локального оптимума. Далее был проведен ряд модификаций, улучшающих характеристики алгоритма. </a:t>
+              <a:t>разной удаленностью начальных точек от локального оптимума. Далее был проведен ряд модификаций, улучшающих характеристики алгоритма. </a:t>
             </a:r>
           </a:p>
         </p:txBody>
@@ -7290,11 +7323,11 @@
   <p:clrMapOvr>
     <a:masterClrMapping/>
   </p:clrMapOvr>
-  <mc:AlternateContent xmlns:mc="http://schemas.openxmlformats.org/markup-compatibility/2006">
-    <mc:Choice xmlns:p14="http://schemas.microsoft.com/office/powerpoint/2010/main" Requires="p14">
+  <mc:AlternateContent xmlns:mc="http://schemas.openxmlformats.org/markup-compatibility/2006" xmlns:p14="http://schemas.microsoft.com/office/powerpoint/2010/main">
+    <mc:Choice Requires="p14">
       <p:transition spd="slow" p14:dur="2000" advTm="18098"/>
     </mc:Choice>
-    <mc:Fallback>
+    <mc:Fallback xmlns="">
       <p:transition spd="slow" advTm="18098"/>
     </mc:Fallback>
   </mc:AlternateContent>
@@ -8390,11 +8423,11 @@
   <p:clrMapOvr>
     <a:overrideClrMapping bg1="lt1" tx1="dk1" bg2="lt2" tx2="dk2" accent1="accent1" accent2="accent2" accent3="accent3" accent4="accent4" accent5="accent5" accent6="accent6" hlink="hlink" folHlink="folHlink"/>
   </p:clrMapOvr>
-  <mc:AlternateContent xmlns:mc="http://schemas.openxmlformats.org/markup-compatibility/2006">
-    <mc:Choice xmlns:p14="http://schemas.microsoft.com/office/powerpoint/2010/main" Requires="p14">
+  <mc:AlternateContent xmlns:mc="http://schemas.openxmlformats.org/markup-compatibility/2006" xmlns:p14="http://schemas.microsoft.com/office/powerpoint/2010/main">
+    <mc:Choice Requires="p14">
       <p:transition spd="slow" p14:dur="2000" advTm="35632"/>
     </mc:Choice>
-    <mc:Fallback>
+    <mc:Fallback xmlns="">
       <p:transition spd="slow" advTm="35632"/>
     </mc:Fallback>
   </mc:AlternateContent>
@@ -8883,13 +8916,8 @@
             <a:pPr eaLnBrk="1" hangingPunct="1"/>
             <a:r>
               <a:rPr lang="ru-RU" dirty="0" smtClean="0"/>
-              <a:t>Описание гасителя пульсаций </a:t>
-            </a:r>
-            <a:r>
-              <a:rPr lang="ru-RU" dirty="0" smtClean="0"/>
-              <a:t>давлений</a:t>
-            </a:r>
-            <a:endParaRPr lang="ru-RU" dirty="0" smtClean="0"/>
+              <a:t>Описание гасителя пульсаций давлений</a:t>
+            </a:r>
           </a:p>
         </p:txBody>
       </p:sp>
@@ -9401,7 +9429,7 @@
           <a:graphicData uri="http://schemas.openxmlformats.org/presentationml/2006/ole">
             <mc:AlternateContent xmlns:mc="http://schemas.openxmlformats.org/markup-compatibility/2006">
               <mc:Choice xmlns:v="urn:schemas-microsoft-com:vml" Requires="v">
-                <p:oleObj spid="_x0000_s7814" name="Формула" r:id="rId5" imgW="977900" imgH="228600" progId="Equation.3">
+                <p:oleObj spid="_x0000_s7883" name="Формула" r:id="rId5" imgW="977900" imgH="228600" progId="Equation.3">
                   <p:embed/>
                 </p:oleObj>
               </mc:Choice>
@@ -9544,7 +9572,7 @@
           <a:graphicData uri="http://schemas.openxmlformats.org/presentationml/2006/ole">
             <mc:AlternateContent xmlns:mc="http://schemas.openxmlformats.org/markup-compatibility/2006">
               <mc:Choice xmlns:v="urn:schemas-microsoft-com:vml" Requires="v">
-                <p:oleObj spid="_x0000_s7815" name="Формула" r:id="rId7" imgW="444307" imgH="368140" progId="Equation.3">
+                <p:oleObj spid="_x0000_s7884" name="Формула" r:id="rId7" imgW="444307" imgH="368140" progId="Equation.3">
                   <p:embed/>
                 </p:oleObj>
               </mc:Choice>
@@ -10380,7 +10408,7 @@
           <a:graphicData uri="http://schemas.openxmlformats.org/presentationml/2006/ole">
             <mc:AlternateContent xmlns:mc="http://schemas.openxmlformats.org/markup-compatibility/2006">
               <mc:Choice xmlns:v="urn:schemas-microsoft-com:vml" Requires="v">
-                <p:oleObj spid="_x0000_s7816" name="Формула" r:id="rId9" imgW="1129810" imgH="495085" progId="Equation.3">
+                <p:oleObj spid="_x0000_s7885" name="Формула" r:id="rId9" imgW="1129810" imgH="495085" progId="Equation.3">
                   <p:embed/>
                 </p:oleObj>
               </mc:Choice>
@@ -10444,11 +10472,11 @@
   <p:clrMapOvr>
     <a:masterClrMapping/>
   </p:clrMapOvr>
-  <mc:AlternateContent xmlns:mc="http://schemas.openxmlformats.org/markup-compatibility/2006">
-    <mc:Choice xmlns:p14="http://schemas.microsoft.com/office/powerpoint/2010/main" Requires="p14">
+  <mc:AlternateContent xmlns:mc="http://schemas.openxmlformats.org/markup-compatibility/2006" xmlns:p14="http://schemas.microsoft.com/office/powerpoint/2010/main">
+    <mc:Choice Requires="p14">
       <p:transition spd="slow" p14:dur="2000" advTm="55994"/>
     </mc:Choice>
-    <mc:Fallback>
+    <mc:Fallback xmlns="">
       <p:transition spd="slow" advTm="55994"/>
     </mc:Fallback>
   </mc:AlternateContent>
@@ -10496,13 +10524,8 @@
           <a:p>
             <a:r>
               <a:rPr lang="ru-RU" sz="2800" dirty="0" smtClean="0"/>
-              <a:t>Постановка задачи глобальной </a:t>
-            </a:r>
-            <a:r>
-              <a:rPr lang="ru-RU" sz="2800" dirty="0" smtClean="0"/>
-              <a:t>оптимизации для гасителя пульсаций давлений</a:t>
-            </a:r>
-            <a:endParaRPr lang="ru-RU" sz="2800" dirty="0" smtClean="0"/>
+              <a:t>Постановка задачи глобальной оптимизации для гасителя пульсаций давлений</a:t>
+            </a:r>
           </a:p>
         </p:txBody>
       </p:sp>
@@ -12027,7 +12050,7 @@
           <a:graphicData uri="http://schemas.openxmlformats.org/presentationml/2006/ole">
             <mc:AlternateContent xmlns:mc="http://schemas.openxmlformats.org/markup-compatibility/2006">
               <mc:Choice xmlns:v="urn:schemas-microsoft-com:vml" Requires="v">
-                <p:oleObj spid="_x0000_s11600" name="Формула" r:id="rId5" imgW="1955800" imgH="393700" progId="Equation.3">
+                <p:oleObj spid="_x0000_s11715" name="Формула" r:id="rId5" imgW="1955800" imgH="393700" progId="Equation.3">
                   <p:embed/>
                 </p:oleObj>
               </mc:Choice>
@@ -12166,7 +12189,7 @@
           <a:graphicData uri="http://schemas.openxmlformats.org/presentationml/2006/ole">
             <mc:AlternateContent xmlns:mc="http://schemas.openxmlformats.org/markup-compatibility/2006">
               <mc:Choice xmlns:v="urn:schemas-microsoft-com:vml" Requires="v">
-                <p:oleObj spid="_x0000_s11601" name="Формула" r:id="rId7" imgW="1701800" imgH="1079500" progId="Equation.3">
+                <p:oleObj spid="_x0000_s11716" name="Формула" r:id="rId7" imgW="1701800" imgH="1079500" progId="Equation.3">
                   <p:embed/>
                 </p:oleObj>
               </mc:Choice>
@@ -12305,7 +12328,7 @@
           <a:graphicData uri="http://schemas.openxmlformats.org/presentationml/2006/ole">
             <mc:AlternateContent xmlns:mc="http://schemas.openxmlformats.org/markup-compatibility/2006">
               <mc:Choice xmlns:v="urn:schemas-microsoft-com:vml" Requires="v">
-                <p:oleObj spid="_x0000_s11602" name="Формула" r:id="rId9" imgW="1485900" imgH="711200" progId="Equation.3">
+                <p:oleObj spid="_x0000_s11717" name="Формула" r:id="rId9" imgW="1485900" imgH="711200" progId="Equation.3">
                   <p:embed/>
                 </p:oleObj>
               </mc:Choice>
@@ -12444,7 +12467,7 @@
           <a:graphicData uri="http://schemas.openxmlformats.org/presentationml/2006/ole">
             <mc:AlternateContent xmlns:mc="http://schemas.openxmlformats.org/markup-compatibility/2006">
               <mc:Choice xmlns:v="urn:schemas-microsoft-com:vml" Requires="v">
-                <p:oleObj spid="_x0000_s11603" name="Формула" r:id="rId11" imgW="1485900" imgH="292100" progId="Equation.3">
+                <p:oleObj spid="_x0000_s11718" name="Формула" r:id="rId11" imgW="1485900" imgH="292100" progId="Equation.3">
                   <p:embed/>
                 </p:oleObj>
               </mc:Choice>
@@ -12583,7 +12606,7 @@
           <a:graphicData uri="http://schemas.openxmlformats.org/presentationml/2006/ole">
             <mc:AlternateContent xmlns:mc="http://schemas.openxmlformats.org/markup-compatibility/2006">
               <mc:Choice xmlns:v="urn:schemas-microsoft-com:vml" Requires="v">
-                <p:oleObj spid="_x0000_s11604" name="Формула" r:id="rId13" imgW="774364" imgH="418918" progId="Equation.3">
+                <p:oleObj spid="_x0000_s11719" name="Формула" r:id="rId13" imgW="774364" imgH="418918" progId="Equation.3">
                   <p:embed/>
                 </p:oleObj>
               </mc:Choice>
@@ -12647,11 +12670,11 @@
   <p:clrMapOvr>
     <a:masterClrMapping/>
   </p:clrMapOvr>
-  <mc:AlternateContent xmlns:mc="http://schemas.openxmlformats.org/markup-compatibility/2006">
-    <mc:Choice xmlns:p14="http://schemas.microsoft.com/office/powerpoint/2010/main" Requires="p14">
+  <mc:AlternateContent xmlns:mc="http://schemas.openxmlformats.org/markup-compatibility/2006" xmlns:p14="http://schemas.microsoft.com/office/powerpoint/2010/main">
+    <mc:Choice Requires="p14">
       <p:transition spd="slow" p14:dur="2000" advTm="41703"/>
     </mc:Choice>
-    <mc:Fallback>
+    <mc:Fallback xmlns="">
       <p:transition spd="slow" advTm="41703"/>
     </mc:Fallback>
   </mc:AlternateContent>
@@ -12789,14 +12812,7 @@
                 <a:latin typeface="Calibri" pitchFamily="34" charset="0"/>
                 <a:cs typeface="Arial" pitchFamily="34" charset="0"/>
               </a:rPr>
-              <a:t>Рисунок </a:t>
-            </a:r>
-            <a:r>
-              <a:rPr lang="ru-RU" sz="1050" dirty="0" smtClean="0">
-                <a:latin typeface="Calibri" pitchFamily="34" charset="0"/>
-                <a:cs typeface="Arial" pitchFamily="34" charset="0"/>
-              </a:rPr>
-              <a:t>11 –</a:t>
+              <a:t>Рисунок 11 –</a:t>
             </a:r>
             <a:r>
               <a:rPr lang="ru-RU" sz="1050" dirty="0" smtClean="0"/>
@@ -12824,7 +12840,7 @@
           </p:nvPr>
         </p:nvPicPr>
         <p:blipFill>
-          <a:blip r:embed="rId4" cstate="print">
+          <a:blip r:embed="rId3" cstate="print">
             <a:extLst>
               <a:ext uri="{28A0092B-C50C-407E-A947-70E740481C1C}">
                 <a14:useLocalDpi xmlns:a14="http://schemas.microsoft.com/office/drawing/2010/main" val="0"/>
@@ -12941,7 +12957,7 @@
           <p:nvPr/>
         </p:nvPicPr>
         <p:blipFill>
-          <a:blip r:embed="rId5">
+          <a:blip r:embed="rId4">
             <a:extLst>
               <a:ext uri="{28A0092B-C50C-407E-A947-70E740481C1C}">
                 <a14:useLocalDpi xmlns:a14="http://schemas.microsoft.com/office/drawing/2010/main" val="0"/>
@@ -13251,7 +13267,7 @@
           <p:nvPr/>
         </p:nvPicPr>
         <p:blipFill>
-          <a:blip r:embed="rId6" cstate="print">
+          <a:blip r:embed="rId5" cstate="print">
             <a:extLst>
               <a:ext uri="{28A0092B-C50C-407E-A947-70E740481C1C}">
                 <a14:useLocalDpi xmlns:a14="http://schemas.microsoft.com/office/drawing/2010/main" val="0"/>
@@ -13306,11 +13322,11 @@
   <p:clrMapOvr>
     <a:masterClrMapping/>
   </p:clrMapOvr>
-  <mc:AlternateContent xmlns:mc="http://schemas.openxmlformats.org/markup-compatibility/2006">
-    <mc:Choice xmlns:p14="http://schemas.microsoft.com/office/powerpoint/2010/main" Requires="p14">
+  <mc:AlternateContent xmlns:mc="http://schemas.openxmlformats.org/markup-compatibility/2006" xmlns:p14="http://schemas.microsoft.com/office/powerpoint/2010/main">
+    <mc:Choice Requires="p14">
       <p:transition spd="slow" p14:dur="2000" advTm="19772"/>
     </mc:Choice>
-    <mc:Fallback>
+    <mc:Fallback xmlns="">
       <p:transition spd="slow" advTm="19772"/>
     </mc:Fallback>
   </mc:AlternateContent>
@@ -13408,11 +13424,7 @@
             </a:r>
             <a:r>
               <a:rPr lang="ru-RU" sz="2000" dirty="0" smtClean="0"/>
-              <a:t>двухфазного алгоритма половинных </a:t>
-            </a:r>
-            <a:r>
-              <a:rPr lang="ru-RU" sz="2000" dirty="0" smtClean="0"/>
-              <a:t>делений.</a:t>
+              <a:t>двухфазного алгоритма половинных делений.</a:t>
             </a:r>
           </a:p>
           <a:p>
@@ -13444,11 +13456,7 @@
             </a:r>
             <a:r>
               <a:rPr lang="ru-RU" sz="2000" dirty="0" smtClean="0"/>
-              <a:t>давлений</a:t>
-            </a:r>
-            <a:r>
-              <a:rPr lang="ru-RU" sz="2000" dirty="0" smtClean="0"/>
-              <a:t>.</a:t>
+              <a:t>давлений.</a:t>
             </a:r>
           </a:p>
           <a:p>
@@ -13505,11 +13513,11 @@
   <p:clrMapOvr>
     <a:masterClrMapping/>
   </p:clrMapOvr>
-  <mc:AlternateContent xmlns:mc="http://schemas.openxmlformats.org/markup-compatibility/2006">
-    <mc:Choice xmlns:p14="http://schemas.microsoft.com/office/powerpoint/2010/main" Requires="p14">
+  <mc:AlternateContent xmlns:mc="http://schemas.openxmlformats.org/markup-compatibility/2006" xmlns:p14="http://schemas.microsoft.com/office/powerpoint/2010/main">
+    <mc:Choice Requires="p14">
       <p:transition spd="slow" p14:dur="2000" advTm="14758"/>
     </mc:Choice>
-    <mc:Fallback>
+    <mc:Fallback xmlns="">
       <p:transition spd="slow" advTm="14758"/>
     </mc:Fallback>
   </mc:AlternateContent>
@@ -13634,7 +13642,7 @@
 </file>
 
 <file path=ppt/slides/slide16.xml><?xml version="1.0" encoding="utf-8"?>
-<p:sld xmlns:a="http://schemas.openxmlformats.org/drawingml/2006/main" xmlns:r="http://schemas.openxmlformats.org/officeDocument/2006/relationships" xmlns:p="http://schemas.openxmlformats.org/presentationml/2006/main">
+<p:sld xmlns:a="http://schemas.openxmlformats.org/drawingml/2006/main" xmlns:r="http://schemas.openxmlformats.org/officeDocument/2006/relationships" xmlns:p="http://schemas.openxmlformats.org/presentationml/2006/main" show="0">
   <p:cSld>
     <p:spTree>
       <p:nvGrpSpPr>
@@ -13690,7 +13698,7 @@
         </p:nvGraphicFramePr>
         <p:xfrm>
           <a:off x="251520" y="2162268"/>
-          <a:ext cx="8780463" cy="2533464"/>
+          <a:ext cx="8780463" cy="2880360"/>
         </p:xfrm>
         <a:graphic>
           <a:graphicData uri="http://schemas.openxmlformats.org/drawingml/2006/table">
@@ -14340,7 +14348,7 @@
 </file>
 
 <file path=ppt/slides/slide17.xml><?xml version="1.0" encoding="utf-8"?>
-<p:sld xmlns:a="http://schemas.openxmlformats.org/drawingml/2006/main" xmlns:r="http://schemas.openxmlformats.org/officeDocument/2006/relationships" xmlns:p="http://schemas.openxmlformats.org/presentationml/2006/main">
+<p:sld xmlns:a="http://schemas.openxmlformats.org/drawingml/2006/main" xmlns:r="http://schemas.openxmlformats.org/officeDocument/2006/relationships" xmlns:p="http://schemas.openxmlformats.org/presentationml/2006/main" show="0">
   <p:cSld>
     <p:spTree>
       <p:nvGrpSpPr>
@@ -14372,14 +14380,10 @@
           <a:lstStyle/>
           <a:p>
             <a:r>
-              <a:rPr lang="ru-RU" sz="2800" dirty="0" smtClean="0"/>
-              <a:t>Программный комплекс визуального моделирования параллельных алгоритмов </a:t>
-            </a:r>
-            <a:r>
-              <a:rPr lang="en-US" sz="2800" dirty="0" smtClean="0"/>
-              <a:t>PGRAPH 2.0</a:t>
-            </a:r>
-            <a:endParaRPr lang="ru-RU" sz="2800" dirty="0"/>
+              <a:rPr lang="ru-RU" dirty="0" smtClean="0"/>
+              <a:t>Алгоритм сжатия точек</a:t>
+            </a:r>
+            <a:endParaRPr lang="ru-RU" dirty="0"/>
           </a:p>
         </p:txBody>
       </p:sp>
@@ -14407,6 +14411,148 @@
                 <a:defRPr/>
               </a:pPr>
               <a:t>17</a:t>
+            </a:fld>
+            <a:r>
+              <a:rPr lang="ru-RU" smtClean="0"/>
+              <a:t>/15</a:t>
+            </a:r>
+            <a:endParaRPr lang="ru-RU" dirty="0"/>
+          </a:p>
+        </p:txBody>
+      </p:sp>
+      <p:pic>
+        <p:nvPicPr>
+          <p:cNvPr id="5" name="Объект 4" descr="Рис4"/>
+          <p:cNvPicPr>
+            <a:picLocks noGrp="1"/>
+          </p:cNvPicPr>
+          <p:nvPr>
+            <p:ph idx="1"/>
+          </p:nvPr>
+        </p:nvPicPr>
+        <p:blipFill>
+          <a:blip r:embed="rId2">
+            <a:extLst>
+              <a:ext uri="{28A0092B-C50C-407E-A947-70E740481C1C}">
+                <a14:useLocalDpi xmlns:a14="http://schemas.microsoft.com/office/drawing/2010/main" val="0"/>
+              </a:ext>
+            </a:extLst>
+          </a:blip>
+          <a:srcRect/>
+          <a:stretch>
+            <a:fillRect/>
+          </a:stretch>
+        </p:blipFill>
+        <p:spPr bwMode="auto">
+          <a:xfrm>
+            <a:off x="1658417" y="1556791"/>
+            <a:ext cx="5289847" cy="4615881"/>
+          </a:xfrm>
+          <a:prstGeom prst="rect">
+            <a:avLst/>
+          </a:prstGeom>
+          <a:noFill/>
+          <a:ln>
+            <a:noFill/>
+          </a:ln>
+        </p:spPr>
+      </p:pic>
+    </p:spTree>
+    <p:extLst>
+      <p:ext uri="{BB962C8B-B14F-4D97-AF65-F5344CB8AC3E}">
+        <p14:creationId xmlns:p14="http://schemas.microsoft.com/office/powerpoint/2010/main" val="3023126468"/>
+      </p:ext>
+    </p:extLst>
+  </p:cSld>
+  <p:clrMapOvr>
+    <a:masterClrMapping/>
+  </p:clrMapOvr>
+  <mc:AlternateContent xmlns:mc="http://schemas.openxmlformats.org/markup-compatibility/2006" xmlns:p14="http://schemas.microsoft.com/office/powerpoint/2010/main">
+    <mc:Choice Requires="p14">
+      <p:transition spd="slow" p14:dur="2000"/>
+    </mc:Choice>
+    <mc:Fallback xmlns="">
+      <p:transition spd="slow"/>
+    </mc:Fallback>
+  </mc:AlternateContent>
+  <p:timing>
+    <p:tnLst>
+      <p:par>
+        <p:cTn id="1" dur="indefinite" restart="never" nodeType="tmRoot"/>
+      </p:par>
+    </p:tnLst>
+  </p:timing>
+</p:sld>
+</file>
+
+<file path=ppt/slides/slide18.xml><?xml version="1.0" encoding="utf-8"?>
+<p:sld xmlns:a="http://schemas.openxmlformats.org/drawingml/2006/main" xmlns:r="http://schemas.openxmlformats.org/officeDocument/2006/relationships" xmlns:p="http://schemas.openxmlformats.org/presentationml/2006/main" show="0">
+  <p:cSld>
+    <p:spTree>
+      <p:nvGrpSpPr>
+        <p:cNvPr id="1" name=""/>
+        <p:cNvGrpSpPr/>
+        <p:nvPr/>
+      </p:nvGrpSpPr>
+      <p:grpSpPr>
+        <a:xfrm>
+          <a:off x="0" y="0"/>
+          <a:ext cx="0" cy="0"/>
+          <a:chOff x="0" y="0"/>
+          <a:chExt cx="0" cy="0"/>
+        </a:xfrm>
+      </p:grpSpPr>
+      <p:sp>
+        <p:nvSpPr>
+          <p:cNvPr id="2" name="Заголовок 1"/>
+          <p:cNvSpPr>
+            <a:spLocks noGrp="1"/>
+          </p:cNvSpPr>
+          <p:nvPr>
+            <p:ph type="title"/>
+          </p:nvPr>
+        </p:nvSpPr>
+        <p:spPr/>
+        <p:txBody>
+          <a:bodyPr/>
+          <a:lstStyle/>
+          <a:p>
+            <a:r>
+              <a:rPr lang="ru-RU" sz="2800" dirty="0" smtClean="0"/>
+              <a:t>Программный комплекс визуального моделирования параллельных алгоритмов </a:t>
+            </a:r>
+            <a:r>
+              <a:rPr lang="en-US" sz="2800" dirty="0" smtClean="0"/>
+              <a:t>PGRAPH 2.0</a:t>
+            </a:r>
+            <a:endParaRPr lang="ru-RU" sz="2800" dirty="0"/>
+          </a:p>
+        </p:txBody>
+      </p:sp>
+      <p:sp>
+        <p:nvSpPr>
+          <p:cNvPr id="4" name="Номер слайда 3"/>
+          <p:cNvSpPr>
+            <a:spLocks noGrp="1"/>
+          </p:cNvSpPr>
+          <p:nvPr>
+            <p:ph type="sldNum" sz="quarter" idx="10"/>
+          </p:nvPr>
+        </p:nvSpPr>
+        <p:spPr/>
+        <p:txBody>
+          <a:bodyPr/>
+          <a:lstStyle/>
+          <a:p>
+            <a:pPr>
+              <a:defRPr/>
+            </a:pPr>
+            <a:fld id="{1450195D-6802-4018-80DD-56F4F20779E8}" type="slidenum">
+              <a:rPr lang="ru-RU" smtClean="0"/>
+              <a:pPr>
+                <a:defRPr/>
+              </a:pPr>
+              <a:t>18</a:t>
             </a:fld>
             <a:endParaRPr lang="ru-RU"/>
           </a:p>
@@ -15401,19 +15547,7 @@
           <a:p>
             <a:r>
               <a:rPr lang="ru-RU" sz="2150" dirty="0" smtClean="0"/>
-              <a:t>Цель – </a:t>
-            </a:r>
-            <a:r>
-              <a:rPr lang="ru-RU" sz="2150" dirty="0" smtClean="0"/>
-              <a:t>создание эффективного </a:t>
-            </a:r>
-            <a:r>
-              <a:rPr lang="ru-RU" sz="2150" dirty="0" smtClean="0"/>
-              <a:t>параллельного алгоритма глобальной </a:t>
-            </a:r>
-            <a:r>
-              <a:rPr lang="ru-RU" sz="2150" dirty="0" smtClean="0"/>
-              <a:t>оптимизации многоэкстремальных функций </a:t>
+              <a:t>Цель – создание эффективного параллельного алгоритма глобальной оптимизации многоэкстремальных функций </a:t>
             </a:r>
             <a:r>
               <a:rPr lang="ru-RU" sz="2150" dirty="0"/>
@@ -15423,16 +15557,11 @@
               <a:rPr lang="ru-RU" sz="2150" dirty="0" smtClean="0"/>
               <a:t>переменных. </a:t>
             </a:r>
-            <a:endParaRPr lang="ru-RU" sz="2150" dirty="0" smtClean="0"/>
           </a:p>
           <a:p>
             <a:r>
               <a:rPr lang="ru-RU" sz="2150" dirty="0" smtClean="0"/>
-              <a:t>Задачи</a:t>
-            </a:r>
-            <a:r>
-              <a:rPr lang="ru-RU" sz="2150" dirty="0" smtClean="0"/>
-              <a:t>:</a:t>
+              <a:t>Задачи:</a:t>
             </a:r>
           </a:p>
           <a:p>
@@ -15470,61 +15599,25 @@
               <a:rPr lang="ru-RU" sz="2000" dirty="0">
                 <a:ea typeface="+mn-ea"/>
               </a:rPr>
-              <a:t>разработка </a:t>
-            </a:r>
+              <a:t>разработка графического редактора, позволяющего создавать модели параллельных алгоритмов;</a:t>
+            </a:r>
+          </a:p>
+          <a:p>
+            <a:pPr lvl="1"/>
             <a:r>
               <a:rPr lang="ru-RU" sz="2000" dirty="0">
                 <a:ea typeface="+mn-ea"/>
               </a:rPr>
-              <a:t>графического редактора, позволяющего создавать модели параллельных </a:t>
-            </a:r>
+              <a:t>исследование эффективности алгоритма глобальной оптимизации модифицированным методом половинных делений;</a:t>
+            </a:r>
+          </a:p>
+          <a:p>
+            <a:pPr lvl="1"/>
             <a:r>
               <a:rPr lang="ru-RU" sz="2000" dirty="0">
                 <a:ea typeface="+mn-ea"/>
               </a:rPr>
-              <a:t>алгоритмов;</a:t>
-            </a:r>
-          </a:p>
-          <a:p>
-            <a:pPr lvl="1"/>
-            <a:r>
-              <a:rPr lang="ru-RU" sz="2000" dirty="0">
-                <a:ea typeface="+mn-ea"/>
-              </a:rPr>
-              <a:t>и</a:t>
-            </a:r>
-            <a:r>
-              <a:rPr lang="ru-RU" sz="2000" dirty="0">
-                <a:ea typeface="+mn-ea"/>
-              </a:rPr>
-              <a:t>сследование </a:t>
-            </a:r>
-            <a:r>
-              <a:rPr lang="ru-RU" sz="2000" dirty="0">
-                <a:ea typeface="+mn-ea"/>
-              </a:rPr>
-              <a:t>эффективности алгоритма глобальной оптимизации модифицированным методом половинных </a:t>
-            </a:r>
-            <a:r>
-              <a:rPr lang="ru-RU" sz="2000" dirty="0">
-                <a:ea typeface="+mn-ea"/>
-              </a:rPr>
-              <a:t>делений;</a:t>
-            </a:r>
-          </a:p>
-          <a:p>
-            <a:pPr lvl="1"/>
-            <a:r>
-              <a:rPr lang="ru-RU" sz="2000" dirty="0">
-                <a:ea typeface="+mn-ea"/>
-              </a:rPr>
-              <a:t>апробация алгоритма </a:t>
-            </a:r>
-            <a:r>
-              <a:rPr lang="ru-RU" sz="2000" dirty="0">
-                <a:ea typeface="+mn-ea"/>
-              </a:rPr>
-              <a:t>на реальной физической задаче, на примере задачи выбор оптимальных параметров гасителя пульсаций </a:t>
+              <a:t>апробация алгоритма на реальной физической задаче, на примере задачи выбор оптимальных параметров гасителя пульсаций </a:t>
             </a:r>
             <a:r>
               <a:rPr lang="ru-RU" sz="2000" dirty="0" smtClean="0"/>
@@ -15577,11 +15670,11 @@
   <p:clrMapOvr>
     <a:masterClrMapping/>
   </p:clrMapOvr>
-  <mc:AlternateContent xmlns:mc="http://schemas.openxmlformats.org/markup-compatibility/2006">
-    <mc:Choice xmlns:p14="http://schemas.microsoft.com/office/powerpoint/2010/main" Requires="p14">
+  <mc:AlternateContent xmlns:mc="http://schemas.openxmlformats.org/markup-compatibility/2006" xmlns:p14="http://schemas.microsoft.com/office/powerpoint/2010/main">
+    <mc:Choice Requires="p14">
       <p:transition spd="slow" p14:dur="2000" advTm="62153"/>
     </mc:Choice>
-    <mc:Fallback>
+    <mc:Fallback xmlns="">
       <p:transition spd="slow" advTm="62153"/>
     </mc:Fallback>
   </mc:AlternateContent>
@@ -15629,11 +15722,7 @@
           <a:p>
             <a:r>
               <a:rPr lang="ru-RU" dirty="0" smtClean="0"/>
-              <a:t>Постановка задачи глобальной </a:t>
-            </a:r>
-            <a:r>
-              <a:rPr lang="ru-RU" dirty="0" smtClean="0"/>
-              <a:t>оптимизации</a:t>
+              <a:t>Постановка задачи глобальной оптимизации</a:t>
             </a:r>
             <a:endParaRPr lang="ru-RU" dirty="0"/>
           </a:p>
@@ -15757,7 +15846,7 @@
           <a:graphicData uri="http://schemas.openxmlformats.org/presentationml/2006/ole">
             <mc:AlternateContent xmlns:mc="http://schemas.openxmlformats.org/markup-compatibility/2006">
               <mc:Choice xmlns:v="urn:schemas-microsoft-com:vml" Requires="v">
-                <p:oleObj spid="_x0000_s11218" name="Формула" r:id="rId4" imgW="2005729" imgH="355446" progId="Equation.3">
+                <p:oleObj spid="_x0000_s13427" name="Формула" r:id="rId4" imgW="2005729" imgH="355446" progId="Equation.3">
                   <p:embed/>
                 </p:oleObj>
               </mc:Choice>
@@ -15929,7 +16018,7 @@
           <a:graphicData uri="http://schemas.openxmlformats.org/presentationml/2006/ole">
             <mc:AlternateContent xmlns:mc="http://schemas.openxmlformats.org/markup-compatibility/2006">
               <mc:Choice xmlns:v="urn:schemas-microsoft-com:vml" Requires="v">
-                <p:oleObj spid="_x0000_s11219" name="Формула" r:id="rId6" imgW="888614" imgH="304668" progId="Equation.3">
+                <p:oleObj spid="_x0000_s13428" name="Формула" r:id="rId6" imgW="888614" imgH="304668" progId="Equation.3">
                   <p:embed/>
                 </p:oleObj>
               </mc:Choice>
@@ -16059,7 +16148,7 @@
           <a:graphicData uri="http://schemas.openxmlformats.org/presentationml/2006/ole">
             <mc:AlternateContent xmlns:mc="http://schemas.openxmlformats.org/markup-compatibility/2006">
               <mc:Choice xmlns:v="urn:schemas-microsoft-com:vml" Requires="v">
-                <p:oleObj spid="_x0000_s11220" name="Формула" r:id="rId8" imgW="583947" imgH="253890" progId="Equation.3">
+                <p:oleObj spid="_x0000_s13429" name="Формула" r:id="rId8" imgW="583947" imgH="253890" progId="Equation.3">
                   <p:embed/>
                 </p:oleObj>
               </mc:Choice>
@@ -16326,7 +16415,7 @@
           <a:graphicData uri="http://schemas.openxmlformats.org/presentationml/2006/ole">
             <mc:AlternateContent xmlns:mc="http://schemas.openxmlformats.org/markup-compatibility/2006">
               <mc:Choice xmlns:v="urn:schemas-microsoft-com:vml" Requires="v">
-                <p:oleObj spid="_x0000_s11221" name="Формула" r:id="rId10" imgW="634725" imgH="241195" progId="Equation.3">
+                <p:oleObj spid="_x0000_s13430" name="Формула" r:id="rId10" imgW="634725" imgH="241195" progId="Equation.3">
                   <p:embed/>
                 </p:oleObj>
               </mc:Choice>
@@ -16485,7 +16574,7 @@
           <a:graphicData uri="http://schemas.openxmlformats.org/presentationml/2006/ole">
             <mc:AlternateContent xmlns:mc="http://schemas.openxmlformats.org/markup-compatibility/2006">
               <mc:Choice xmlns:v="urn:schemas-microsoft-com:vml" Requires="v">
-                <p:oleObj spid="_x0000_s11222" name="Формула" r:id="rId12" imgW="889000" imgH="508000" progId="Equation.3">
+                <p:oleObj spid="_x0000_s13431" name="Формула" r:id="rId12" imgW="889000" imgH="508000" progId="Equation.3">
                   <p:embed/>
                 </p:oleObj>
               </mc:Choice>
@@ -16704,7 +16793,7 @@
           <a:graphicData uri="http://schemas.openxmlformats.org/presentationml/2006/ole">
             <mc:AlternateContent xmlns:mc="http://schemas.openxmlformats.org/markup-compatibility/2006">
               <mc:Choice xmlns:v="urn:schemas-microsoft-com:vml" Requires="v">
-                <p:oleObj spid="_x0000_s11223" name="Формула" r:id="rId14" imgW="2057400" imgH="304800" progId="Equation.3">
+                <p:oleObj spid="_x0000_s13432" name="Формула" r:id="rId14" imgW="2057400" imgH="304800" progId="Equation.3">
                   <p:embed/>
                 </p:oleObj>
               </mc:Choice>
@@ -16864,7 +16953,7 @@
           <a:graphicData uri="http://schemas.openxmlformats.org/presentationml/2006/ole">
             <mc:AlternateContent xmlns:mc="http://schemas.openxmlformats.org/markup-compatibility/2006">
               <mc:Choice xmlns:v="urn:schemas-microsoft-com:vml" Requires="v">
-                <p:oleObj spid="_x0000_s11224" name="Формула" r:id="rId16" imgW="279279" imgH="304668" progId="Equation.3">
+                <p:oleObj spid="_x0000_s13433" name="Формула" r:id="rId16" imgW="279279" imgH="304668" progId="Equation.3">
                   <p:embed/>
                 </p:oleObj>
               </mc:Choice>
@@ -17039,11 +17128,11 @@
   <p:clrMapOvr>
     <a:masterClrMapping/>
   </p:clrMapOvr>
-  <mc:AlternateContent xmlns:mc="http://schemas.openxmlformats.org/markup-compatibility/2006">
-    <mc:Choice xmlns:p14="http://schemas.microsoft.com/office/powerpoint/2010/main" Requires="p14">
+  <mc:AlternateContent xmlns:mc="http://schemas.openxmlformats.org/markup-compatibility/2006" xmlns:p14="http://schemas.microsoft.com/office/powerpoint/2010/main">
+    <mc:Choice Requires="p14">
       <p:transition spd="slow" p14:dur="2000" advTm="19647"/>
     </mc:Choice>
-    <mc:Fallback>
+    <mc:Fallback xmlns="">
       <p:transition spd="slow" advTm="19647"/>
     </mc:Fallback>
   </mc:AlternateContent>
@@ -17248,7 +17337,7 @@
           <a:graphicData uri="http://schemas.openxmlformats.org/presentationml/2006/ole">
             <mc:AlternateContent xmlns:mc="http://schemas.openxmlformats.org/markup-compatibility/2006">
               <mc:Choice xmlns:v="urn:schemas-microsoft-com:vml" Requires="v">
-                <p:oleObj spid="_x0000_s10056" name="Формула" r:id="rId5" imgW="1396800" imgH="279360" progId="Equation.3">
+                <p:oleObj spid="_x0000_s10171" name="Формула" r:id="rId5" imgW="1396800" imgH="279360" progId="Equation.3">
                   <p:embed/>
                 </p:oleObj>
               </mc:Choice>
@@ -17381,7 +17470,7 @@
           <a:graphicData uri="http://schemas.openxmlformats.org/presentationml/2006/ole">
             <mc:AlternateContent xmlns:mc="http://schemas.openxmlformats.org/markup-compatibility/2006">
               <mc:Choice xmlns:v="urn:schemas-microsoft-com:vml" Requires="v">
-                <p:oleObj spid="_x0000_s10057" name="Формула" r:id="rId7" imgW="507960" imgH="241200" progId="Equation.3">
+                <p:oleObj spid="_x0000_s10172" name="Формула" r:id="rId7" imgW="507960" imgH="241200" progId="Equation.3">
                   <p:embed/>
                 </p:oleObj>
               </mc:Choice>
@@ -17514,7 +17603,7 @@
           <a:graphicData uri="http://schemas.openxmlformats.org/presentationml/2006/ole">
             <mc:AlternateContent xmlns:mc="http://schemas.openxmlformats.org/markup-compatibility/2006">
               <mc:Choice xmlns:v="urn:schemas-microsoft-com:vml" Requires="v">
-                <p:oleObj spid="_x0000_s10058" name="Формула" r:id="rId9" imgW="2120760" imgH="279360" progId="Equation.3">
+                <p:oleObj spid="_x0000_s10173" name="Формула" r:id="rId9" imgW="2120760" imgH="279360" progId="Equation.3">
                   <p:embed/>
                 </p:oleObj>
               </mc:Choice>
@@ -17948,7 +18037,7 @@
           <a:graphicData uri="http://schemas.openxmlformats.org/presentationml/2006/ole">
             <mc:AlternateContent xmlns:mc="http://schemas.openxmlformats.org/markup-compatibility/2006">
               <mc:Choice xmlns:v="urn:schemas-microsoft-com:vml" Requires="v">
-                <p:oleObj spid="_x0000_s10059" name="Формула" r:id="rId11" imgW="1523880" imgH="253800" progId="Equation.3">
+                <p:oleObj spid="_x0000_s10174" name="Формула" r:id="rId11" imgW="1523880" imgH="253800" progId="Equation.3">
                   <p:embed/>
                 </p:oleObj>
               </mc:Choice>
@@ -18081,7 +18170,7 @@
           <a:graphicData uri="http://schemas.openxmlformats.org/presentationml/2006/ole">
             <mc:AlternateContent xmlns:mc="http://schemas.openxmlformats.org/markup-compatibility/2006">
               <mc:Choice xmlns:v="urn:schemas-microsoft-com:vml" Requires="v">
-                <p:oleObj spid="_x0000_s10060" name="Формула" r:id="rId13" imgW="1307880" imgH="228600" progId="Equation.3">
+                <p:oleObj spid="_x0000_s10175" name="Формула" r:id="rId13" imgW="1307880" imgH="228600" progId="Equation.3">
                   <p:embed/>
                 </p:oleObj>
               </mc:Choice>
@@ -18536,11 +18625,11 @@
   <p:clrMapOvr>
     <a:masterClrMapping/>
   </p:clrMapOvr>
-  <mc:AlternateContent xmlns:mc="http://schemas.openxmlformats.org/markup-compatibility/2006">
-    <mc:Choice xmlns:p14="http://schemas.microsoft.com/office/powerpoint/2010/main" Requires="p14">
+  <mc:AlternateContent xmlns:mc="http://schemas.openxmlformats.org/markup-compatibility/2006" xmlns:p14="http://schemas.microsoft.com/office/powerpoint/2010/main">
+    <mc:Choice Requires="p14">
       <p:transition spd="slow" p14:dur="2000" advTm="66860"/>
     </mc:Choice>
-    <mc:Fallback>
+    <mc:Fallback xmlns="">
       <p:transition spd="slow" advTm="66860"/>
     </mc:Fallback>
   </mc:AlternateContent>
@@ -18588,11 +18677,7 @@
           <a:p>
             <a:r>
               <a:rPr lang="ru-RU" sz="4000" dirty="0" smtClean="0"/>
-              <a:t>Модифицированный метод половинного </a:t>
-            </a:r>
-            <a:r>
-              <a:rPr lang="ru-RU" sz="4000" dirty="0" smtClean="0"/>
-              <a:t>деления</a:t>
+              <a:t>Модифицированный метод половинного деления</a:t>
             </a:r>
             <a:endParaRPr lang="ru-RU" sz="4000" dirty="0"/>
           </a:p>
@@ -18801,7 +18886,7 @@
           <a:graphicData uri="http://schemas.openxmlformats.org/presentationml/2006/ole">
             <mc:AlternateContent xmlns:mc="http://schemas.openxmlformats.org/markup-compatibility/2006">
               <mc:Choice xmlns:v="urn:schemas-microsoft-com:vml" Requires="v">
-                <p:oleObj spid="_x0000_s4979" name="Формула" r:id="rId5" imgW="2489040" imgH="507960" progId="Equation.3">
+                <p:oleObj spid="_x0000_s5048" name="Формула" r:id="rId5" imgW="2489040" imgH="507960" progId="Equation.3">
                   <p:embed/>
                 </p:oleObj>
               </mc:Choice>
@@ -19128,7 +19213,7 @@
           <a:graphicData uri="http://schemas.openxmlformats.org/presentationml/2006/ole">
             <mc:AlternateContent xmlns:mc="http://schemas.openxmlformats.org/markup-compatibility/2006">
               <mc:Choice xmlns:v="urn:schemas-microsoft-com:vml" Requires="v">
-                <p:oleObj spid="_x0000_s4980" name="Формула" r:id="rId7" imgW="1091726" imgH="520474" progId="Equation.3">
+                <p:oleObj spid="_x0000_s5049" name="Формула" r:id="rId7" imgW="1091726" imgH="520474" progId="Equation.3">
                   <p:embed/>
                 </p:oleObj>
               </mc:Choice>
@@ -19267,7 +19352,7 @@
           <a:graphicData uri="http://schemas.openxmlformats.org/presentationml/2006/ole">
             <mc:AlternateContent xmlns:mc="http://schemas.openxmlformats.org/markup-compatibility/2006">
               <mc:Choice xmlns:v="urn:schemas-microsoft-com:vml" Requires="v">
-                <p:oleObj spid="_x0000_s4981" name="Формула" r:id="rId9" imgW="1091880" imgH="495000" progId="Equation.3">
+                <p:oleObj spid="_x0000_s5050" name="Формула" r:id="rId9" imgW="1091880" imgH="495000" progId="Equation.3">
                   <p:embed/>
                 </p:oleObj>
               </mc:Choice>
@@ -19624,11 +19709,11 @@
   <p:clrMapOvr>
     <a:masterClrMapping/>
   </p:clrMapOvr>
-  <mc:AlternateContent xmlns:mc="http://schemas.openxmlformats.org/markup-compatibility/2006">
-    <mc:Choice xmlns:p14="http://schemas.microsoft.com/office/powerpoint/2010/main" Requires="p14">
+  <mc:AlternateContent xmlns:mc="http://schemas.openxmlformats.org/markup-compatibility/2006" xmlns:p14="http://schemas.microsoft.com/office/powerpoint/2010/main">
+    <mc:Choice Requires="p14">
       <p:transition spd="slow" p14:dur="2000" advTm="36617"/>
     </mc:Choice>
-    <mc:Fallback>
+    <mc:Fallback xmlns="">
       <p:transition spd="slow" advTm="36617"/>
     </mc:Fallback>
   </mc:AlternateContent>
@@ -19676,11 +19761,7 @@
           <a:p>
             <a:r>
               <a:rPr lang="ru-RU" sz="3200" dirty="0" smtClean="0"/>
-              <a:t>Двухфазный модифицированный метод половинного </a:t>
-            </a:r>
-            <a:r>
-              <a:rPr lang="ru-RU" sz="3200" dirty="0" smtClean="0"/>
-              <a:t>деления</a:t>
+              <a:t>Двухфазный модифицированный метод половинного деления</a:t>
             </a:r>
             <a:endParaRPr lang="ru-RU" sz="3200" dirty="0"/>
           </a:p>
@@ -19703,11 +19784,7 @@
           <a:p>
             <a:r>
               <a:rPr lang="ru-RU" sz="1800" dirty="0" smtClean="0"/>
-              <a:t>О функции известен радиус области притяжения глобального </a:t>
-            </a:r>
-            <a:r>
-              <a:rPr lang="ru-RU" sz="1800" dirty="0" smtClean="0"/>
-              <a:t>минимума</a:t>
+              <a:t>О функции известен радиус области притяжения глобального минимума</a:t>
             </a:r>
             <a:r>
               <a:rPr lang="en-US" sz="1800" dirty="0" smtClean="0"/>
@@ -19725,7 +19802,6 @@
               <a:rPr lang="ru-RU" sz="1800" dirty="0" smtClean="0"/>
               <a:t>.</a:t>
             </a:r>
-            <a:endParaRPr lang="ru-RU" sz="1800" dirty="0" smtClean="0"/>
           </a:p>
           <a:p>
             <a:r>
@@ -20021,11 +20097,11 @@
   <p:clrMapOvr>
     <a:masterClrMapping/>
   </p:clrMapOvr>
-  <mc:AlternateContent xmlns:mc="http://schemas.openxmlformats.org/markup-compatibility/2006">
-    <mc:Choice xmlns:p14="http://schemas.microsoft.com/office/powerpoint/2010/main" Requires="p14">
+  <mc:AlternateContent xmlns:mc="http://schemas.openxmlformats.org/markup-compatibility/2006" xmlns:p14="http://schemas.microsoft.com/office/powerpoint/2010/main">
+    <mc:Choice Requires="p14">
       <p:transition spd="slow" p14:dur="2000" advTm="63324"/>
     </mc:Choice>
-    <mc:Fallback>
+    <mc:Fallback xmlns="">
       <p:transition spd="slow" advTm="63324"/>
     </mc:Fallback>
   </mc:AlternateContent>
@@ -20073,11 +20149,7 @@
           <a:p>
             <a:r>
               <a:rPr lang="ru-RU" sz="3600" dirty="0" smtClean="0"/>
-              <a:t>Технология графосимволического </a:t>
-            </a:r>
-            <a:r>
-              <a:rPr lang="ru-RU" sz="3600" dirty="0" smtClean="0"/>
-              <a:t>программирования</a:t>
+              <a:t>Технология графосимволического программирования</a:t>
             </a:r>
             <a:endParaRPr lang="ru-RU" sz="3600" dirty="0"/>
           </a:p>
@@ -20600,11 +20672,11 @@
   <p:clrMapOvr>
     <a:masterClrMapping/>
   </p:clrMapOvr>
-  <mc:AlternateContent xmlns:mc="http://schemas.openxmlformats.org/markup-compatibility/2006">
-    <mc:Choice xmlns:p14="http://schemas.microsoft.com/office/powerpoint/2010/main" Requires="p14">
+  <mc:AlternateContent xmlns:mc="http://schemas.openxmlformats.org/markup-compatibility/2006" xmlns:p14="http://schemas.microsoft.com/office/powerpoint/2010/main">
+    <mc:Choice Requires="p14">
       <p:transition spd="slow" p14:dur="2000" advTm="39926"/>
     </mc:Choice>
-    <mc:Fallback>
+    <mc:Fallback xmlns="">
       <p:transition spd="slow" advTm="39926"/>
     </mc:Fallback>
   </mc:AlternateContent>
@@ -21379,11 +21451,11 @@
   <p:clrMapOvr>
     <a:masterClrMapping/>
   </p:clrMapOvr>
-  <mc:AlternateContent xmlns:mc="http://schemas.openxmlformats.org/markup-compatibility/2006">
-    <mc:Choice xmlns:p14="http://schemas.microsoft.com/office/powerpoint/2010/main" Requires="p14">
+  <mc:AlternateContent xmlns:mc="http://schemas.openxmlformats.org/markup-compatibility/2006" xmlns:p14="http://schemas.microsoft.com/office/powerpoint/2010/main">
+    <mc:Choice Requires="p14">
       <p:transition spd="slow" p14:dur="2000" advTm="47078"/>
     </mc:Choice>
-    <mc:Fallback>
+    <mc:Fallback xmlns="">
       <p:transition spd="slow" advTm="47078"/>
     </mc:Fallback>
   </mc:AlternateContent>
@@ -22712,11 +22784,11 @@
   <p:clrMapOvr>
     <a:masterClrMapping/>
   </p:clrMapOvr>
-  <mc:AlternateContent xmlns:mc="http://schemas.openxmlformats.org/markup-compatibility/2006">
-    <mc:Choice xmlns:p14="http://schemas.microsoft.com/office/powerpoint/2010/main" Requires="p14">
+  <mc:AlternateContent xmlns:mc="http://schemas.openxmlformats.org/markup-compatibility/2006" xmlns:p14="http://schemas.microsoft.com/office/powerpoint/2010/main">
+    <mc:Choice Requires="p14">
       <p:transition spd="slow" p14:dur="2000" advTm="18505"/>
     </mc:Choice>
-    <mc:Fallback>
+    <mc:Fallback xmlns="">
       <p:transition spd="slow" advTm="18505"/>
     </mc:Fallback>
   </mc:AlternateContent>
